--- a/concepts-of-js/memoization-serialization-and-value-comparison/memoization-serialization-and-value-comparison.es.slides.pptx
+++ b/concepts-of-js/memoization-serialization-and-value-comparison/memoization-serialization-and-value-comparison.es.slides.pptx
@@ -6,46 +6,47 @@
   </p:sldMasterIdLst>
   <p:sldIdLst>
     <p:sldId id="256" r:id="rId2"/>
-    <p:sldId id="260" r:id="rId3"/>
-    <p:sldId id="261" r:id="rId4"/>
-    <p:sldId id="259" r:id="rId5"/>
-    <p:sldId id="257" r:id="rId6"/>
-    <p:sldId id="262" r:id="rId7"/>
-    <p:sldId id="263" r:id="rId8"/>
-    <p:sldId id="266" r:id="rId9"/>
-    <p:sldId id="296" r:id="rId10"/>
-    <p:sldId id="297" r:id="rId11"/>
-    <p:sldId id="268" r:id="rId12"/>
-    <p:sldId id="277" r:id="rId13"/>
-    <p:sldId id="278" r:id="rId14"/>
-    <p:sldId id="279" r:id="rId15"/>
-    <p:sldId id="294" r:id="rId16"/>
-    <p:sldId id="280" r:id="rId17"/>
-    <p:sldId id="281" r:id="rId18"/>
-    <p:sldId id="292" r:id="rId19"/>
-    <p:sldId id="267" r:id="rId20"/>
-    <p:sldId id="286" r:id="rId21"/>
-    <p:sldId id="287" r:id="rId22"/>
-    <p:sldId id="282" r:id="rId23"/>
-    <p:sldId id="283" r:id="rId24"/>
-    <p:sldId id="284" r:id="rId25"/>
-    <p:sldId id="285" r:id="rId26"/>
-    <p:sldId id="276" r:id="rId27"/>
-    <p:sldId id="288" r:id="rId28"/>
-    <p:sldId id="289" r:id="rId29"/>
-    <p:sldId id="295" r:id="rId30"/>
-    <p:sldId id="291" r:id="rId31"/>
-    <p:sldId id="258" r:id="rId32"/>
-    <p:sldId id="270" r:id="rId33"/>
-    <p:sldId id="271" r:id="rId34"/>
-    <p:sldId id="272" r:id="rId35"/>
-    <p:sldId id="273" r:id="rId36"/>
-    <p:sldId id="274" r:id="rId37"/>
-    <p:sldId id="275" r:id="rId38"/>
-    <p:sldId id="264" r:id="rId39"/>
-    <p:sldId id="265" r:id="rId40"/>
-    <p:sldId id="269" r:id="rId41"/>
-    <p:sldId id="293" r:id="rId42"/>
+    <p:sldId id="298" r:id="rId3"/>
+    <p:sldId id="260" r:id="rId4"/>
+    <p:sldId id="261" r:id="rId5"/>
+    <p:sldId id="259" r:id="rId6"/>
+    <p:sldId id="257" r:id="rId7"/>
+    <p:sldId id="262" r:id="rId8"/>
+    <p:sldId id="263" r:id="rId9"/>
+    <p:sldId id="266" r:id="rId10"/>
+    <p:sldId id="296" r:id="rId11"/>
+    <p:sldId id="297" r:id="rId12"/>
+    <p:sldId id="268" r:id="rId13"/>
+    <p:sldId id="277" r:id="rId14"/>
+    <p:sldId id="278" r:id="rId15"/>
+    <p:sldId id="279" r:id="rId16"/>
+    <p:sldId id="294" r:id="rId17"/>
+    <p:sldId id="280" r:id="rId18"/>
+    <p:sldId id="281" r:id="rId19"/>
+    <p:sldId id="292" r:id="rId20"/>
+    <p:sldId id="267" r:id="rId21"/>
+    <p:sldId id="286" r:id="rId22"/>
+    <p:sldId id="287" r:id="rId23"/>
+    <p:sldId id="282" r:id="rId24"/>
+    <p:sldId id="283" r:id="rId25"/>
+    <p:sldId id="284" r:id="rId26"/>
+    <p:sldId id="285" r:id="rId27"/>
+    <p:sldId id="276" r:id="rId28"/>
+    <p:sldId id="288" r:id="rId29"/>
+    <p:sldId id="289" r:id="rId30"/>
+    <p:sldId id="295" r:id="rId31"/>
+    <p:sldId id="291" r:id="rId32"/>
+    <p:sldId id="258" r:id="rId33"/>
+    <p:sldId id="270" r:id="rId34"/>
+    <p:sldId id="271" r:id="rId35"/>
+    <p:sldId id="272" r:id="rId36"/>
+    <p:sldId id="273" r:id="rId37"/>
+    <p:sldId id="274" r:id="rId38"/>
+    <p:sldId id="275" r:id="rId39"/>
+    <p:sldId id="264" r:id="rId40"/>
+    <p:sldId id="265" r:id="rId41"/>
+    <p:sldId id="269" r:id="rId42"/>
+    <p:sldId id="293" r:id="rId43"/>
   </p:sldIdLst>
   <p:sldSz cx="12192000" cy="6858000"/>
   <p:notesSz cx="6858000" cy="9144000"/>
@@ -150,6 +151,7 @@
         <p14:section name="Presentación (Inicio)" id="{B534B029-A085-4AFF-8553-0BDE40C0A02F}">
           <p14:sldIdLst>
             <p14:sldId id="256"/>
+            <p14:sldId id="298"/>
             <p14:sldId id="260"/>
           </p14:sldIdLst>
         </p14:section>
@@ -10230,6 +10232,89 @@
           <p:cNvPr id="2" name="Título 1">
             <a:extLst>
               <a:ext uri="{FF2B5EF4-FFF2-40B4-BE49-F238E27FC236}">
+                <a16:creationId xmlns:a16="http://schemas.microsoft.com/office/drawing/2014/main" id="{BB0D6725-86CA-EAB1-8400-021B701EB7D4}"/>
+              </a:ext>
+            </a:extLst>
+          </p:cNvPr>
+          <p:cNvSpPr>
+            <a:spLocks noGrp="1"/>
+          </p:cNvSpPr>
+          <p:nvPr>
+            <p:ph type="title"/>
+          </p:nvPr>
+        </p:nvSpPr>
+        <p:spPr/>
+        <p:txBody>
+          <a:bodyPr/>
+          <a:lstStyle/>
+          <a:p>
+            <a:r>
+              <a:rPr lang="es-ES" dirty="0"/>
+              <a:t>Que es</a:t>
+            </a:r>
+          </a:p>
+        </p:txBody>
+      </p:sp>
+      <p:sp>
+        <p:nvSpPr>
+          <p:cNvPr id="3" name="Marcador de contenido 2">
+            <a:extLst>
+              <a:ext uri="{FF2B5EF4-FFF2-40B4-BE49-F238E27FC236}">
+                <a16:creationId xmlns:a16="http://schemas.microsoft.com/office/drawing/2014/main" id="{D197FFFF-692B-ECDC-97D3-088F35EE0993}"/>
+              </a:ext>
+            </a:extLst>
+          </p:cNvPr>
+          <p:cNvSpPr>
+            <a:spLocks noGrp="1"/>
+          </p:cNvSpPr>
+          <p:nvPr>
+            <p:ph idx="1"/>
+          </p:nvPr>
+        </p:nvSpPr>
+        <p:spPr/>
+        <p:txBody>
+          <a:bodyPr/>
+          <a:lstStyle/>
+          <a:p>
+            <a:endParaRPr lang="es-ES"/>
+          </a:p>
+        </p:txBody>
+      </p:sp>
+    </p:spTree>
+    <p:extLst>
+      <p:ext uri="{BB962C8B-B14F-4D97-AF65-F5344CB8AC3E}">
+        <p14:creationId xmlns:p14="http://schemas.microsoft.com/office/powerpoint/2010/main" val="1899192886"/>
+      </p:ext>
+    </p:extLst>
+  </p:cSld>
+  <p:clrMapOvr>
+    <a:masterClrMapping/>
+  </p:clrMapOvr>
+</p:sld>
+</file>
+
+<file path=ppt/slides/slide11.xml><?xml version="1.0" encoding="utf-8"?>
+<p:sld xmlns:a="http://schemas.openxmlformats.org/drawingml/2006/main" xmlns:r="http://schemas.openxmlformats.org/officeDocument/2006/relationships" xmlns:p="http://schemas.openxmlformats.org/presentationml/2006/main">
+  <p:cSld>
+    <p:spTree>
+      <p:nvGrpSpPr>
+        <p:cNvPr id="1" name=""/>
+        <p:cNvGrpSpPr/>
+        <p:nvPr/>
+      </p:nvGrpSpPr>
+      <p:grpSpPr>
+        <a:xfrm>
+          <a:off x="0" y="0"/>
+          <a:ext cx="0" cy="0"/>
+          <a:chOff x="0" y="0"/>
+          <a:chExt cx="0" cy="0"/>
+        </a:xfrm>
+      </p:grpSpPr>
+      <p:sp>
+        <p:nvSpPr>
+          <p:cNvPr id="2" name="Título 1">
+            <a:extLst>
+              <a:ext uri="{FF2B5EF4-FFF2-40B4-BE49-F238E27FC236}">
                 <a16:creationId xmlns:a16="http://schemas.microsoft.com/office/drawing/2014/main" id="{4C946A6C-BFB7-C14D-1D22-530B47A90C0F}"/>
               </a:ext>
             </a:extLst>
@@ -10291,7 +10376,7 @@
 </p:sld>
 </file>
 
-<file path=ppt/slides/slide11.xml><?xml version="1.0" encoding="utf-8"?>
+<file path=ppt/slides/slide12.xml><?xml version="1.0" encoding="utf-8"?>
 <p:sld xmlns:a="http://schemas.openxmlformats.org/drawingml/2006/main" xmlns:r="http://schemas.openxmlformats.org/officeDocument/2006/relationships" xmlns:p="http://schemas.openxmlformats.org/presentationml/2006/main">
   <p:cSld>
     <p:bg>
@@ -11032,7 +11117,7 @@
 </p:sld>
 </file>
 
-<file path=ppt/slides/slide12.xml><?xml version="1.0" encoding="utf-8"?>
+<file path=ppt/slides/slide13.xml><?xml version="1.0" encoding="utf-8"?>
 <p:sld xmlns:a="http://schemas.openxmlformats.org/drawingml/2006/main" xmlns:r="http://schemas.openxmlformats.org/officeDocument/2006/relationships" xmlns:p="http://schemas.openxmlformats.org/presentationml/2006/main">
   <p:cSld>
     <p:spTree>
@@ -11201,95 +11286,6 @@
     <p:extLst>
       <p:ext uri="{BB962C8B-B14F-4D97-AF65-F5344CB8AC3E}">
         <p14:creationId xmlns:p14="http://schemas.microsoft.com/office/powerpoint/2010/main" val="450524555"/>
-      </p:ext>
-    </p:extLst>
-  </p:cSld>
-  <p:clrMapOvr>
-    <a:masterClrMapping/>
-  </p:clrMapOvr>
-</p:sld>
-</file>
-
-<file path=ppt/slides/slide13.xml><?xml version="1.0" encoding="utf-8"?>
-<p:sld xmlns:a="http://schemas.openxmlformats.org/drawingml/2006/main" xmlns:r="http://schemas.openxmlformats.org/officeDocument/2006/relationships" xmlns:p="http://schemas.openxmlformats.org/presentationml/2006/main">
-  <p:cSld>
-    <p:spTree>
-      <p:nvGrpSpPr>
-        <p:cNvPr id="1" name=""/>
-        <p:cNvGrpSpPr/>
-        <p:nvPr/>
-      </p:nvGrpSpPr>
-      <p:grpSpPr>
-        <a:xfrm>
-          <a:off x="0" y="0"/>
-          <a:ext cx="0" cy="0"/>
-          <a:chOff x="0" y="0"/>
-          <a:chExt cx="0" cy="0"/>
-        </a:xfrm>
-      </p:grpSpPr>
-      <p:sp>
-        <p:nvSpPr>
-          <p:cNvPr id="2" name="Título 1">
-            <a:extLst>
-              <a:ext uri="{FF2B5EF4-FFF2-40B4-BE49-F238E27FC236}">
-                <a16:creationId xmlns:a16="http://schemas.microsoft.com/office/drawing/2014/main" id="{83B00F3B-36A4-07D9-DE32-7A44E4C33EB3}"/>
-              </a:ext>
-            </a:extLst>
-          </p:cNvPr>
-          <p:cNvSpPr>
-            <a:spLocks noGrp="1"/>
-          </p:cNvSpPr>
-          <p:nvPr>
-            <p:ph type="title"/>
-          </p:nvPr>
-        </p:nvSpPr>
-        <p:spPr/>
-        <p:txBody>
-          <a:bodyPr/>
-          <a:lstStyle/>
-          <a:p>
-            <a:r>
-              <a:rPr lang="es-ES" dirty="0"/>
-              <a:t>Curiosidad de los tipados en JavaScript</a:t>
-            </a:r>
-          </a:p>
-        </p:txBody>
-      </p:sp>
-      <p:sp>
-        <p:nvSpPr>
-          <p:cNvPr id="3" name="Marcador de contenido 2">
-            <a:extLst>
-              <a:ext uri="{FF2B5EF4-FFF2-40B4-BE49-F238E27FC236}">
-                <a16:creationId xmlns:a16="http://schemas.microsoft.com/office/drawing/2014/main" id="{108356C6-0193-C175-7D49-EAA531AC9FA8}"/>
-              </a:ext>
-            </a:extLst>
-          </p:cNvPr>
-          <p:cNvSpPr>
-            <a:spLocks noGrp="1"/>
-          </p:cNvSpPr>
-          <p:nvPr>
-            <p:ph idx="1"/>
-          </p:nvPr>
-        </p:nvSpPr>
-        <p:spPr/>
-        <p:txBody>
-          <a:bodyPr/>
-          <a:lstStyle/>
-          <a:p>
-            <a:pPr marL="0" indent="0">
-              <a:buNone/>
-            </a:pPr>
-            <a:r>
-              <a:rPr lang="es-ES" dirty="0"/>
-              <a:t>¿No se echa en falta algún tipo primitivo del listado anterior?</a:t>
-            </a:r>
-          </a:p>
-        </p:txBody>
-      </p:sp>
-    </p:spTree>
-    <p:extLst>
-      <p:ext uri="{BB962C8B-B14F-4D97-AF65-F5344CB8AC3E}">
-        <p14:creationId xmlns:p14="http://schemas.microsoft.com/office/powerpoint/2010/main" val="3506554904"/>
       </p:ext>
     </p:extLst>
   </p:cSld>
@@ -11321,7 +11317,7 @@
           <p:cNvPr id="2" name="Título 1">
             <a:extLst>
               <a:ext uri="{FF2B5EF4-FFF2-40B4-BE49-F238E27FC236}">
-                <a16:creationId xmlns:a16="http://schemas.microsoft.com/office/drawing/2014/main" id="{3214D62A-D721-1C7E-1BBA-4A4D70E2EA11}"/>
+                <a16:creationId xmlns:a16="http://schemas.microsoft.com/office/drawing/2014/main" id="{83B00F3B-36A4-07D9-DE32-7A44E4C33EB3}"/>
               </a:ext>
             </a:extLst>
           </p:cNvPr>
@@ -11339,7 +11335,7 @@
           <a:p>
             <a:r>
               <a:rPr lang="es-ES" dirty="0"/>
-              <a:t>Resolviendo la Curiosidad de los tipados en JavaScript</a:t>
+              <a:t>Curiosidad de los tipados en JavaScript</a:t>
             </a:r>
           </a:p>
         </p:txBody>
@@ -11349,7 +11345,7 @@
           <p:cNvPr id="3" name="Marcador de contenido 2">
             <a:extLst>
               <a:ext uri="{FF2B5EF4-FFF2-40B4-BE49-F238E27FC236}">
-                <a16:creationId xmlns:a16="http://schemas.microsoft.com/office/drawing/2014/main" id="{DBAEECD7-D248-4F5C-8556-B18091EDCA55}"/>
+                <a16:creationId xmlns:a16="http://schemas.microsoft.com/office/drawing/2014/main" id="{108356C6-0193-C175-7D49-EAA531AC9FA8}"/>
               </a:ext>
             </a:extLst>
           </p:cNvPr>
@@ -11365,51 +11361,12 @@
           <a:bodyPr/>
           <a:lstStyle/>
           <a:p>
-            <a:r>
-              <a:rPr lang="es-ES" dirty="0" err="1"/>
-              <a:t>Null</a:t>
-            </a:r>
-            <a:endParaRPr lang="es-ES" dirty="0"/>
-          </a:p>
-          <a:p>
             <a:pPr marL="0" indent="0">
               <a:buNone/>
             </a:pPr>
             <a:r>
               <a:rPr lang="es-ES" dirty="0"/>
-              <a:t>El primitivo </a:t>
-            </a:r>
-            <a:r>
-              <a:rPr lang="es-ES" dirty="0" err="1"/>
-              <a:t>null</a:t>
-            </a:r>
-            <a:r>
-              <a:rPr lang="es-ES" dirty="0"/>
-              <a:t> en realidad no tiene tipo, </a:t>
-            </a:r>
-            <a:r>
-              <a:rPr lang="es-ES" dirty="0" err="1"/>
-              <a:t>typeof</a:t>
-            </a:r>
-            <a:r>
-              <a:rPr lang="es-ES" dirty="0"/>
-              <a:t> </a:t>
-            </a:r>
-            <a:r>
-              <a:rPr lang="es-ES" dirty="0" err="1"/>
-              <a:t>null</a:t>
-            </a:r>
-            <a:r>
-              <a:rPr lang="es-ES" dirty="0"/>
-              <a:t> === “</a:t>
-            </a:r>
-            <a:r>
-              <a:rPr lang="es-ES" dirty="0" err="1"/>
-              <a:t>object</a:t>
-            </a:r>
-            <a:r>
-              <a:rPr lang="es-ES" dirty="0"/>
-              <a:t>”</a:t>
+              <a:t>¿No se echa en falta algún tipo primitivo del listado anterior?</a:t>
             </a:r>
           </a:p>
         </p:txBody>
@@ -11417,7 +11374,7 @@
     </p:spTree>
     <p:extLst>
       <p:ext uri="{BB962C8B-B14F-4D97-AF65-F5344CB8AC3E}">
-        <p14:creationId xmlns:p14="http://schemas.microsoft.com/office/powerpoint/2010/main" val="31522813"/>
+        <p14:creationId xmlns:p14="http://schemas.microsoft.com/office/powerpoint/2010/main" val="3506554904"/>
       </p:ext>
     </p:extLst>
   </p:cSld>
@@ -11449,6 +11406,134 @@
           <p:cNvPr id="2" name="Título 1">
             <a:extLst>
               <a:ext uri="{FF2B5EF4-FFF2-40B4-BE49-F238E27FC236}">
+                <a16:creationId xmlns:a16="http://schemas.microsoft.com/office/drawing/2014/main" id="{3214D62A-D721-1C7E-1BBA-4A4D70E2EA11}"/>
+              </a:ext>
+            </a:extLst>
+          </p:cNvPr>
+          <p:cNvSpPr>
+            <a:spLocks noGrp="1"/>
+          </p:cNvSpPr>
+          <p:nvPr>
+            <p:ph type="title"/>
+          </p:nvPr>
+        </p:nvSpPr>
+        <p:spPr/>
+        <p:txBody>
+          <a:bodyPr/>
+          <a:lstStyle/>
+          <a:p>
+            <a:r>
+              <a:rPr lang="es-ES" dirty="0"/>
+              <a:t>Resolviendo la Curiosidad de los tipados en JavaScript</a:t>
+            </a:r>
+          </a:p>
+        </p:txBody>
+      </p:sp>
+      <p:sp>
+        <p:nvSpPr>
+          <p:cNvPr id="3" name="Marcador de contenido 2">
+            <a:extLst>
+              <a:ext uri="{FF2B5EF4-FFF2-40B4-BE49-F238E27FC236}">
+                <a16:creationId xmlns:a16="http://schemas.microsoft.com/office/drawing/2014/main" id="{DBAEECD7-D248-4F5C-8556-B18091EDCA55}"/>
+              </a:ext>
+            </a:extLst>
+          </p:cNvPr>
+          <p:cNvSpPr>
+            <a:spLocks noGrp="1"/>
+          </p:cNvSpPr>
+          <p:nvPr>
+            <p:ph idx="1"/>
+          </p:nvPr>
+        </p:nvSpPr>
+        <p:spPr/>
+        <p:txBody>
+          <a:bodyPr/>
+          <a:lstStyle/>
+          <a:p>
+            <a:r>
+              <a:rPr lang="es-ES" dirty="0" err="1"/>
+              <a:t>Null</a:t>
+            </a:r>
+            <a:endParaRPr lang="es-ES" dirty="0"/>
+          </a:p>
+          <a:p>
+            <a:pPr marL="0" indent="0">
+              <a:buNone/>
+            </a:pPr>
+            <a:r>
+              <a:rPr lang="es-ES" dirty="0"/>
+              <a:t>El primitivo </a:t>
+            </a:r>
+            <a:r>
+              <a:rPr lang="es-ES" dirty="0" err="1"/>
+              <a:t>null</a:t>
+            </a:r>
+            <a:r>
+              <a:rPr lang="es-ES" dirty="0"/>
+              <a:t> en realidad no tiene tipo, </a:t>
+            </a:r>
+            <a:r>
+              <a:rPr lang="es-ES" dirty="0" err="1"/>
+              <a:t>typeof</a:t>
+            </a:r>
+            <a:r>
+              <a:rPr lang="es-ES" dirty="0"/>
+              <a:t> </a:t>
+            </a:r>
+            <a:r>
+              <a:rPr lang="es-ES" dirty="0" err="1"/>
+              <a:t>null</a:t>
+            </a:r>
+            <a:r>
+              <a:rPr lang="es-ES" dirty="0"/>
+              <a:t> === “</a:t>
+            </a:r>
+            <a:r>
+              <a:rPr lang="es-ES" dirty="0" err="1"/>
+              <a:t>object</a:t>
+            </a:r>
+            <a:r>
+              <a:rPr lang="es-ES" dirty="0"/>
+              <a:t>”</a:t>
+            </a:r>
+          </a:p>
+        </p:txBody>
+      </p:sp>
+    </p:spTree>
+    <p:extLst>
+      <p:ext uri="{BB962C8B-B14F-4D97-AF65-F5344CB8AC3E}">
+        <p14:creationId xmlns:p14="http://schemas.microsoft.com/office/powerpoint/2010/main" val="31522813"/>
+      </p:ext>
+    </p:extLst>
+  </p:cSld>
+  <p:clrMapOvr>
+    <a:masterClrMapping/>
+  </p:clrMapOvr>
+</p:sld>
+</file>
+
+<file path=ppt/slides/slide16.xml><?xml version="1.0" encoding="utf-8"?>
+<p:sld xmlns:a="http://schemas.openxmlformats.org/drawingml/2006/main" xmlns:r="http://schemas.openxmlformats.org/officeDocument/2006/relationships" xmlns:p="http://schemas.openxmlformats.org/presentationml/2006/main">
+  <p:cSld>
+    <p:spTree>
+      <p:nvGrpSpPr>
+        <p:cNvPr id="1" name=""/>
+        <p:cNvGrpSpPr/>
+        <p:nvPr/>
+      </p:nvGrpSpPr>
+      <p:grpSpPr>
+        <a:xfrm>
+          <a:off x="0" y="0"/>
+          <a:ext cx="0" cy="0"/>
+          <a:chOff x="0" y="0"/>
+          <a:chExt cx="0" cy="0"/>
+        </a:xfrm>
+      </p:grpSpPr>
+      <p:sp>
+        <p:nvSpPr>
+          <p:cNvPr id="2" name="Título 1">
+            <a:extLst>
+              <a:ext uri="{FF2B5EF4-FFF2-40B4-BE49-F238E27FC236}">
                 <a16:creationId xmlns:a16="http://schemas.microsoft.com/office/drawing/2014/main" id="{35AD9B73-69F0-0F65-121B-0BACB29E1F87}"/>
               </a:ext>
             </a:extLst>
@@ -11586,7 +11671,7 @@
 </p:sld>
 </file>
 
-<file path=ppt/slides/slide16.xml><?xml version="1.0" encoding="utf-8"?>
+<file path=ppt/slides/slide17.xml><?xml version="1.0" encoding="utf-8"?>
 <p:sld xmlns:a="http://schemas.openxmlformats.org/drawingml/2006/main" xmlns:r="http://schemas.openxmlformats.org/officeDocument/2006/relationships" xmlns:p="http://schemas.openxmlformats.org/presentationml/2006/main">
   <p:cSld>
     <p:bg>
@@ -12443,7 +12528,7 @@
 </p:sld>
 </file>
 
-<file path=ppt/slides/slide17.xml><?xml version="1.0" encoding="utf-8"?>
+<file path=ppt/slides/slide18.xml><?xml version="1.0" encoding="utf-8"?>
 <p:sld xmlns:a="http://schemas.openxmlformats.org/drawingml/2006/main" xmlns:r="http://schemas.openxmlformats.org/officeDocument/2006/relationships" xmlns:p="http://schemas.openxmlformats.org/presentationml/2006/main">
   <p:cSld>
     <p:spTree>
@@ -12604,7 +12689,7 @@
 </p:sld>
 </file>
 
-<file path=ppt/slides/slide18.xml><?xml version="1.0" encoding="utf-8"?>
+<file path=ppt/slides/slide19.xml><?xml version="1.0" encoding="utf-8"?>
 <p:sld xmlns:a="http://schemas.openxmlformats.org/drawingml/2006/main" xmlns:r="http://schemas.openxmlformats.org/officeDocument/2006/relationships" xmlns:p="http://schemas.openxmlformats.org/presentationml/2006/main">
   <p:cSld>
     <p:spTree>
@@ -12781,7 +12866,243 @@
 </p:sld>
 </file>
 
-<file path=ppt/slides/slide19.xml><?xml version="1.0" encoding="utf-8"?>
+<file path=ppt/slides/slide2.xml><?xml version="1.0" encoding="utf-8"?>
+<p:sld xmlns:a="http://schemas.openxmlformats.org/drawingml/2006/main" xmlns:r="http://schemas.openxmlformats.org/officeDocument/2006/relationships" xmlns:p="http://schemas.openxmlformats.org/presentationml/2006/main">
+  <p:cSld>
+    <p:bg>
+      <p:bgPr>
+        <a:solidFill>
+          <a:schemeClr val="bg1"/>
+        </a:solidFill>
+        <a:effectLst/>
+      </p:bgPr>
+    </p:bg>
+    <p:spTree>
+      <p:nvGrpSpPr>
+        <p:cNvPr id="1" name=""/>
+        <p:cNvGrpSpPr/>
+        <p:nvPr/>
+      </p:nvGrpSpPr>
+      <p:grpSpPr>
+        <a:xfrm>
+          <a:off x="0" y="0"/>
+          <a:ext cx="0" cy="0"/>
+          <a:chOff x="0" y="0"/>
+          <a:chExt cx="0" cy="0"/>
+        </a:xfrm>
+      </p:grpSpPr>
+      <p:sp useBgFill="1">
+        <p:nvSpPr>
+          <p:cNvPr id="33" name="Rectangle 21">
+            <a:extLst>
+              <a:ext uri="{FF2B5EF4-FFF2-40B4-BE49-F238E27FC236}">
+                <a16:creationId xmlns:a16="http://schemas.microsoft.com/office/drawing/2014/main" id="{8F4E830A-06F9-4EAA-9E65-110CF2421798}"/>
+              </a:ext>
+              <a:ext uri="{C183D7F6-B498-43B3-948B-1728B52AA6E4}">
+                <adec:decorative xmlns:adec="http://schemas.microsoft.com/office/drawing/2017/decorative" val="1"/>
+              </a:ext>
+            </a:extLst>
+          </p:cNvPr>
+          <p:cNvSpPr>
+            <a:spLocks noGrp="1" noRot="1" noChangeAspect="1" noMove="1" noResize="1" noEditPoints="1" noAdjustHandles="1" noChangeArrowheads="1" noChangeShapeType="1" noTextEdit="1"/>
+          </p:cNvSpPr>
+          <p:nvPr>
+            <p:extLst>
+              <p:ext uri="{386F3935-93C4-4BCD-93E2-E3B085C9AB24}">
+                <p16:designElem xmlns:p16="http://schemas.microsoft.com/office/powerpoint/2015/main" val="1"/>
+              </p:ext>
+            </p:extLst>
+          </p:nvPr>
+        </p:nvSpPr>
+        <p:spPr>
+          <a:xfrm>
+            <a:off x="-3175" y="0"/>
+            <a:ext cx="12192000" cy="6858000"/>
+          </a:xfrm>
+          <a:prstGeom prst="rect">
+            <a:avLst/>
+          </a:prstGeom>
+          <a:ln>
+            <a:noFill/>
+          </a:ln>
+        </p:spPr>
+        <p:style>
+          <a:lnRef idx="2">
+            <a:schemeClr val="accent1">
+              <a:shade val="50000"/>
+            </a:schemeClr>
+          </a:lnRef>
+          <a:fillRef idx="1">
+            <a:schemeClr val="accent1"/>
+          </a:fillRef>
+          <a:effectRef idx="0">
+            <a:schemeClr val="accent1"/>
+          </a:effectRef>
+          <a:fontRef idx="minor">
+            <a:schemeClr val="lt1"/>
+          </a:fontRef>
+        </p:style>
+        <p:txBody>
+          <a:bodyPr rtlCol="0" anchor="ctr"/>
+          <a:lstStyle/>
+          <a:p>
+            <a:pPr algn="ctr"/>
+            <a:endParaRPr lang="en-US"/>
+          </a:p>
+        </p:txBody>
+      </p:sp>
+      <p:pic>
+        <p:nvPicPr>
+          <p:cNvPr id="5" name="Picture 4" descr="Persona señalando un mapa">
+            <a:extLst>
+              <a:ext uri="{FF2B5EF4-FFF2-40B4-BE49-F238E27FC236}">
+                <a16:creationId xmlns:a16="http://schemas.microsoft.com/office/drawing/2014/main" id="{A4D1ACCA-FD49-F964-2116-4214723652CE}"/>
+              </a:ext>
+            </a:extLst>
+          </p:cNvPr>
+          <p:cNvPicPr>
+            <a:picLocks noChangeAspect="1"/>
+          </p:cNvPicPr>
+          <p:nvPr/>
+        </p:nvPicPr>
+        <p:blipFill rotWithShape="1">
+          <a:blip r:embed="rId2">
+            <a:alphaModFix amt="35000"/>
+          </a:blip>
+          <a:srcRect b="15730"/>
+          <a:stretch/>
+        </p:blipFill>
+        <p:spPr>
+          <a:xfrm>
+            <a:off x="3174" y="10"/>
+            <a:ext cx="12192000" cy="6857990"/>
+          </a:xfrm>
+          <a:prstGeom prst="rect">
+            <a:avLst/>
+          </a:prstGeom>
+        </p:spPr>
+      </p:pic>
+      <p:sp>
+        <p:nvSpPr>
+          <p:cNvPr id="2" name="Título 1">
+            <a:extLst>
+              <a:ext uri="{FF2B5EF4-FFF2-40B4-BE49-F238E27FC236}">
+                <a16:creationId xmlns:a16="http://schemas.microsoft.com/office/drawing/2014/main" id="{B32F81E7-6256-BB0B-42FF-EC62C5315783}"/>
+              </a:ext>
+            </a:extLst>
+          </p:cNvPr>
+          <p:cNvSpPr>
+            <a:spLocks noGrp="1"/>
+          </p:cNvSpPr>
+          <p:nvPr>
+            <p:ph type="title"/>
+          </p:nvPr>
+        </p:nvSpPr>
+        <p:spPr>
+          <a:xfrm>
+            <a:off x="684212" y="4487332"/>
+            <a:ext cx="8534400" cy="1507067"/>
+          </a:xfrm>
+        </p:spPr>
+        <p:txBody>
+          <a:bodyPr>
+            <a:normAutofit/>
+          </a:bodyPr>
+          <a:lstStyle/>
+          <a:p>
+            <a:r>
+              <a:rPr lang="es-ES" dirty="0"/>
+              <a:t>¡¡Aviso a navegantes!!</a:t>
+            </a:r>
+          </a:p>
+        </p:txBody>
+      </p:sp>
+      <p:sp>
+        <p:nvSpPr>
+          <p:cNvPr id="3" name="Marcador de contenido 2">
+            <a:extLst>
+              <a:ext uri="{FF2B5EF4-FFF2-40B4-BE49-F238E27FC236}">
+                <a16:creationId xmlns:a16="http://schemas.microsoft.com/office/drawing/2014/main" id="{D578740B-0850-3D8C-07AD-460BA7B858B0}"/>
+              </a:ext>
+            </a:extLst>
+          </p:cNvPr>
+          <p:cNvSpPr>
+            <a:spLocks noGrp="1"/>
+          </p:cNvSpPr>
+          <p:nvPr>
+            <p:ph idx="1"/>
+          </p:nvPr>
+        </p:nvSpPr>
+        <p:spPr>
+          <a:xfrm>
+            <a:off x="684212" y="685800"/>
+            <a:ext cx="8534400" cy="3615267"/>
+          </a:xfrm>
+        </p:spPr>
+        <p:txBody>
+          <a:bodyPr>
+            <a:normAutofit/>
+          </a:bodyPr>
+          <a:lstStyle/>
+          <a:p>
+            <a:pPr marL="0" indent="0">
+              <a:buNone/>
+            </a:pPr>
+            <a:r>
+              <a:rPr lang="es-ES" dirty="0">
+                <a:solidFill>
+                  <a:schemeClr val="tx1"/>
+                </a:solidFill>
+              </a:rPr>
+              <a:t>Al terminar la charla se compartirá el acceso:</a:t>
+            </a:r>
+          </a:p>
+          <a:p>
+            <a:r>
+              <a:rPr lang="es-ES" dirty="0">
+                <a:solidFill>
+                  <a:schemeClr val="tx1"/>
+                </a:solidFill>
+              </a:rPr>
+              <a:t>A la grabación</a:t>
+            </a:r>
+          </a:p>
+          <a:p>
+            <a:r>
+              <a:rPr lang="es-ES" dirty="0">
+                <a:solidFill>
+                  <a:schemeClr val="tx1"/>
+                </a:solidFill>
+              </a:rPr>
+              <a:t>A las diapositivas</a:t>
+            </a:r>
+          </a:p>
+          <a:p>
+            <a:r>
+              <a:rPr lang="es-ES" dirty="0">
+                <a:solidFill>
+                  <a:schemeClr val="tx1"/>
+                </a:solidFill>
+              </a:rPr>
+              <a:t>A los recursos de la sesión</a:t>
+            </a:r>
+          </a:p>
+        </p:txBody>
+      </p:sp>
+    </p:spTree>
+    <p:extLst>
+      <p:ext uri="{BB962C8B-B14F-4D97-AF65-F5344CB8AC3E}">
+        <p14:creationId xmlns:p14="http://schemas.microsoft.com/office/powerpoint/2010/main" val="1280098929"/>
+      </p:ext>
+    </p:extLst>
+  </p:cSld>
+  <p:clrMapOvr>
+    <a:masterClrMapping/>
+  </p:clrMapOvr>
+</p:sld>
+</file>
+
+<file path=ppt/slides/slide20.xml><?xml version="1.0" encoding="utf-8"?>
 <p:sld xmlns:a="http://schemas.openxmlformats.org/drawingml/2006/main" xmlns:r="http://schemas.openxmlformats.org/officeDocument/2006/relationships" xmlns:p="http://schemas.openxmlformats.org/presentationml/2006/main">
   <p:cSld>
     <p:bg>
@@ -13513,7 +13834,1153 @@
 </p:sld>
 </file>
 
-<file path=ppt/slides/slide2.xml><?xml version="1.0" encoding="utf-8"?>
+<file path=ppt/slides/slide21.xml><?xml version="1.0" encoding="utf-8"?>
+<p:sld xmlns:a="http://schemas.openxmlformats.org/drawingml/2006/main" xmlns:r="http://schemas.openxmlformats.org/officeDocument/2006/relationships" xmlns:p="http://schemas.openxmlformats.org/presentationml/2006/main">
+  <p:cSld>
+    <p:spTree>
+      <p:nvGrpSpPr>
+        <p:cNvPr id="1" name=""/>
+        <p:cNvGrpSpPr/>
+        <p:nvPr/>
+      </p:nvGrpSpPr>
+      <p:grpSpPr>
+        <a:xfrm>
+          <a:off x="0" y="0"/>
+          <a:ext cx="0" cy="0"/>
+          <a:chOff x="0" y="0"/>
+          <a:chExt cx="0" cy="0"/>
+        </a:xfrm>
+      </p:grpSpPr>
+      <p:sp>
+        <p:nvSpPr>
+          <p:cNvPr id="2" name="Título 1">
+            <a:extLst>
+              <a:ext uri="{FF2B5EF4-FFF2-40B4-BE49-F238E27FC236}">
+                <a16:creationId xmlns:a16="http://schemas.microsoft.com/office/drawing/2014/main" id="{D9047B89-486F-E62E-105E-90CA5E6018DE}"/>
+              </a:ext>
+            </a:extLst>
+          </p:cNvPr>
+          <p:cNvSpPr>
+            <a:spLocks noGrp="1"/>
+          </p:cNvSpPr>
+          <p:nvPr>
+            <p:ph type="title"/>
+          </p:nvPr>
+        </p:nvSpPr>
+        <p:spPr/>
+        <p:txBody>
+          <a:bodyPr/>
+          <a:lstStyle/>
+          <a:p>
+            <a:r>
+              <a:rPr lang="es-ES" dirty="0"/>
+              <a:t>?Qué es serializar¿</a:t>
+            </a:r>
+          </a:p>
+        </p:txBody>
+      </p:sp>
+      <p:sp>
+        <p:nvSpPr>
+          <p:cNvPr id="3" name="Marcador de contenido 2">
+            <a:extLst>
+              <a:ext uri="{FF2B5EF4-FFF2-40B4-BE49-F238E27FC236}">
+                <a16:creationId xmlns:a16="http://schemas.microsoft.com/office/drawing/2014/main" id="{D86029DD-390D-806C-2B25-0F6004CC021E}"/>
+              </a:ext>
+            </a:extLst>
+          </p:cNvPr>
+          <p:cNvSpPr>
+            <a:spLocks noGrp="1"/>
+          </p:cNvSpPr>
+          <p:nvPr>
+            <p:ph idx="1"/>
+          </p:nvPr>
+        </p:nvSpPr>
+        <p:spPr/>
+        <p:txBody>
+          <a:bodyPr/>
+          <a:lstStyle/>
+          <a:p>
+            <a:endParaRPr lang="es-ES"/>
+          </a:p>
+        </p:txBody>
+      </p:sp>
+    </p:spTree>
+    <p:extLst>
+      <p:ext uri="{BB962C8B-B14F-4D97-AF65-F5344CB8AC3E}">
+        <p14:creationId xmlns:p14="http://schemas.microsoft.com/office/powerpoint/2010/main" val="710375688"/>
+      </p:ext>
+    </p:extLst>
+  </p:cSld>
+  <p:clrMapOvr>
+    <a:masterClrMapping/>
+  </p:clrMapOvr>
+</p:sld>
+</file>
+
+<file path=ppt/slides/slide22.xml><?xml version="1.0" encoding="utf-8"?>
+<p:sld xmlns:a="http://schemas.openxmlformats.org/drawingml/2006/main" xmlns:r="http://schemas.openxmlformats.org/officeDocument/2006/relationships" xmlns:p="http://schemas.openxmlformats.org/presentationml/2006/main">
+  <p:cSld>
+    <p:spTree>
+      <p:nvGrpSpPr>
+        <p:cNvPr id="1" name=""/>
+        <p:cNvGrpSpPr/>
+        <p:nvPr/>
+      </p:nvGrpSpPr>
+      <p:grpSpPr>
+        <a:xfrm>
+          <a:off x="0" y="0"/>
+          <a:ext cx="0" cy="0"/>
+          <a:chOff x="0" y="0"/>
+          <a:chExt cx="0" cy="0"/>
+        </a:xfrm>
+      </p:grpSpPr>
+      <p:sp>
+        <p:nvSpPr>
+          <p:cNvPr id="2" name="Título 1">
+            <a:extLst>
+              <a:ext uri="{FF2B5EF4-FFF2-40B4-BE49-F238E27FC236}">
+                <a16:creationId xmlns:a16="http://schemas.microsoft.com/office/drawing/2014/main" id="{9F5EEB6A-61A9-DDC4-0C81-E06E737066F1}"/>
+              </a:ext>
+            </a:extLst>
+          </p:cNvPr>
+          <p:cNvSpPr>
+            <a:spLocks noGrp="1"/>
+          </p:cNvSpPr>
+          <p:nvPr>
+            <p:ph type="title"/>
+          </p:nvPr>
+        </p:nvSpPr>
+        <p:spPr/>
+        <p:txBody>
+          <a:bodyPr/>
+          <a:lstStyle/>
+          <a:p>
+            <a:r>
+              <a:rPr lang="es-ES" dirty="0"/>
+              <a:t>¿Por qué lo necesitamos?</a:t>
+            </a:r>
+          </a:p>
+        </p:txBody>
+      </p:sp>
+      <p:sp>
+        <p:nvSpPr>
+          <p:cNvPr id="3" name="Marcador de contenido 2">
+            <a:extLst>
+              <a:ext uri="{FF2B5EF4-FFF2-40B4-BE49-F238E27FC236}">
+                <a16:creationId xmlns:a16="http://schemas.microsoft.com/office/drawing/2014/main" id="{328BBA5C-5E45-35F3-3223-D4B4B8DB2237}"/>
+              </a:ext>
+            </a:extLst>
+          </p:cNvPr>
+          <p:cNvSpPr>
+            <a:spLocks noGrp="1"/>
+          </p:cNvSpPr>
+          <p:nvPr>
+            <p:ph idx="1"/>
+          </p:nvPr>
+        </p:nvSpPr>
+        <p:spPr/>
+        <p:txBody>
+          <a:bodyPr/>
+          <a:lstStyle/>
+          <a:p>
+            <a:endParaRPr lang="es-ES"/>
+          </a:p>
+        </p:txBody>
+      </p:sp>
+    </p:spTree>
+    <p:extLst>
+      <p:ext uri="{BB962C8B-B14F-4D97-AF65-F5344CB8AC3E}">
+        <p14:creationId xmlns:p14="http://schemas.microsoft.com/office/powerpoint/2010/main" val="353119239"/>
+      </p:ext>
+    </p:extLst>
+  </p:cSld>
+  <p:clrMapOvr>
+    <a:masterClrMapping/>
+  </p:clrMapOvr>
+</p:sld>
+</file>
+
+<file path=ppt/slides/slide23.xml><?xml version="1.0" encoding="utf-8"?>
+<p:sld xmlns:a="http://schemas.openxmlformats.org/drawingml/2006/main" xmlns:r="http://schemas.openxmlformats.org/officeDocument/2006/relationships" xmlns:p="http://schemas.openxmlformats.org/presentationml/2006/main">
+  <p:cSld>
+    <p:spTree>
+      <p:nvGrpSpPr>
+        <p:cNvPr id="1" name=""/>
+        <p:cNvGrpSpPr/>
+        <p:nvPr/>
+      </p:nvGrpSpPr>
+      <p:grpSpPr>
+        <a:xfrm>
+          <a:off x="0" y="0"/>
+          <a:ext cx="0" cy="0"/>
+          <a:chOff x="0" y="0"/>
+          <a:chExt cx="0" cy="0"/>
+        </a:xfrm>
+      </p:grpSpPr>
+      <p:sp>
+        <p:nvSpPr>
+          <p:cNvPr id="2" name="Título 1">
+            <a:extLst>
+              <a:ext uri="{FF2B5EF4-FFF2-40B4-BE49-F238E27FC236}">
+                <a16:creationId xmlns:a16="http://schemas.microsoft.com/office/drawing/2014/main" id="{0893C7A8-E61C-3DCD-DA28-92991C115508}"/>
+              </a:ext>
+            </a:extLst>
+          </p:cNvPr>
+          <p:cNvSpPr>
+            <a:spLocks noGrp="1"/>
+          </p:cNvSpPr>
+          <p:nvPr>
+            <p:ph type="title"/>
+          </p:nvPr>
+        </p:nvSpPr>
+        <p:spPr/>
+        <p:txBody>
+          <a:bodyPr/>
+          <a:lstStyle/>
+          <a:p>
+            <a:r>
+              <a:rPr lang="es-ES" dirty="0"/>
+              <a:t>¿Cuál será el resultado de esta expresión?</a:t>
+            </a:r>
+          </a:p>
+        </p:txBody>
+      </p:sp>
+      <p:sp>
+        <p:nvSpPr>
+          <p:cNvPr id="3" name="Marcador de contenido 2">
+            <a:extLst>
+              <a:ext uri="{FF2B5EF4-FFF2-40B4-BE49-F238E27FC236}">
+                <a16:creationId xmlns:a16="http://schemas.microsoft.com/office/drawing/2014/main" id="{3C3AFF87-0185-CB22-6903-91830B6D0D8E}"/>
+              </a:ext>
+            </a:extLst>
+          </p:cNvPr>
+          <p:cNvSpPr>
+            <a:spLocks noGrp="1"/>
+          </p:cNvSpPr>
+          <p:nvPr>
+            <p:ph idx="1"/>
+          </p:nvPr>
+        </p:nvSpPr>
+        <p:spPr/>
+        <p:txBody>
+          <a:bodyPr/>
+          <a:lstStyle/>
+          <a:p>
+            <a:pPr marL="0" indent="0">
+              <a:buNone/>
+            </a:pPr>
+            <a:r>
+              <a:rPr lang="es-ES" b="1" dirty="0">
+                <a:effectLst/>
+                <a:latin typeface="JetBrains Mono" panose="02000009000000000000" pitchFamily="49" charset="0"/>
+              </a:rPr>
+              <a:t>{ </a:t>
+            </a:r>
+            <a:r>
+              <a:rPr lang="es-ES" b="1" dirty="0" err="1">
+                <a:effectLst/>
+                <a:latin typeface="JetBrains Mono" panose="02000009000000000000" pitchFamily="49" charset="0"/>
+              </a:rPr>
+              <a:t>foo</a:t>
+            </a:r>
+            <a:r>
+              <a:rPr lang="es-ES" b="1" dirty="0">
+                <a:effectLst/>
+                <a:latin typeface="JetBrains Mono" panose="02000009000000000000" pitchFamily="49" charset="0"/>
+              </a:rPr>
+              <a:t>: "bar" } === { </a:t>
+            </a:r>
+            <a:r>
+              <a:rPr lang="es-ES" b="1" dirty="0" err="1">
+                <a:effectLst/>
+                <a:latin typeface="JetBrains Mono" panose="02000009000000000000" pitchFamily="49" charset="0"/>
+              </a:rPr>
+              <a:t>foo</a:t>
+            </a:r>
+            <a:r>
+              <a:rPr lang="es-ES" b="1" dirty="0">
+                <a:effectLst/>
+                <a:latin typeface="JetBrains Mono" panose="02000009000000000000" pitchFamily="49" charset="0"/>
+              </a:rPr>
+              <a:t>: "bar" };</a:t>
+            </a:r>
+          </a:p>
+        </p:txBody>
+      </p:sp>
+    </p:spTree>
+    <p:extLst>
+      <p:ext uri="{BB962C8B-B14F-4D97-AF65-F5344CB8AC3E}">
+        <p14:creationId xmlns:p14="http://schemas.microsoft.com/office/powerpoint/2010/main" val="1246579930"/>
+      </p:ext>
+    </p:extLst>
+  </p:cSld>
+  <p:clrMapOvr>
+    <a:masterClrMapping/>
+  </p:clrMapOvr>
+</p:sld>
+</file>
+
+<file path=ppt/slides/slide24.xml><?xml version="1.0" encoding="utf-8"?>
+<p:sld xmlns:a="http://schemas.openxmlformats.org/drawingml/2006/main" xmlns:r="http://schemas.openxmlformats.org/officeDocument/2006/relationships" xmlns:p="http://schemas.openxmlformats.org/presentationml/2006/main">
+  <p:cSld>
+    <p:spTree>
+      <p:nvGrpSpPr>
+        <p:cNvPr id="1" name=""/>
+        <p:cNvGrpSpPr/>
+        <p:nvPr/>
+      </p:nvGrpSpPr>
+      <p:grpSpPr>
+        <a:xfrm>
+          <a:off x="0" y="0"/>
+          <a:ext cx="0" cy="0"/>
+          <a:chOff x="0" y="0"/>
+          <a:chExt cx="0" cy="0"/>
+        </a:xfrm>
+      </p:grpSpPr>
+      <p:sp>
+        <p:nvSpPr>
+          <p:cNvPr id="2" name="Título 1">
+            <a:extLst>
+              <a:ext uri="{FF2B5EF4-FFF2-40B4-BE49-F238E27FC236}">
+                <a16:creationId xmlns:a16="http://schemas.microsoft.com/office/drawing/2014/main" id="{0893C7A8-E61C-3DCD-DA28-92991C115508}"/>
+              </a:ext>
+            </a:extLst>
+          </p:cNvPr>
+          <p:cNvSpPr>
+            <a:spLocks noGrp="1"/>
+          </p:cNvSpPr>
+          <p:nvPr>
+            <p:ph type="title"/>
+          </p:nvPr>
+        </p:nvSpPr>
+        <p:spPr/>
+        <p:txBody>
+          <a:bodyPr/>
+          <a:lstStyle/>
+          <a:p>
+            <a:r>
+              <a:rPr lang="es-ES" dirty="0"/>
+              <a:t>Vamos a simplificarlo…</a:t>
+            </a:r>
+          </a:p>
+        </p:txBody>
+      </p:sp>
+      <p:sp>
+        <p:nvSpPr>
+          <p:cNvPr id="3" name="Marcador de contenido 2">
+            <a:extLst>
+              <a:ext uri="{FF2B5EF4-FFF2-40B4-BE49-F238E27FC236}">
+                <a16:creationId xmlns:a16="http://schemas.microsoft.com/office/drawing/2014/main" id="{3C3AFF87-0185-CB22-6903-91830B6D0D8E}"/>
+              </a:ext>
+            </a:extLst>
+          </p:cNvPr>
+          <p:cNvSpPr>
+            <a:spLocks noGrp="1"/>
+          </p:cNvSpPr>
+          <p:nvPr>
+            <p:ph idx="1"/>
+          </p:nvPr>
+        </p:nvSpPr>
+        <p:spPr/>
+        <p:txBody>
+          <a:bodyPr/>
+          <a:lstStyle/>
+          <a:p>
+            <a:pPr marL="0" indent="0">
+              <a:buNone/>
+            </a:pPr>
+            <a:r>
+              <a:rPr lang="es-ES" b="1" dirty="0">
+                <a:effectLst/>
+                <a:latin typeface="JetBrains Mono" panose="02000009000000000000" pitchFamily="49" charset="0"/>
+              </a:rPr>
+              <a:t>{} === {};</a:t>
+            </a:r>
+          </a:p>
+        </p:txBody>
+      </p:sp>
+    </p:spTree>
+    <p:extLst>
+      <p:ext uri="{BB962C8B-B14F-4D97-AF65-F5344CB8AC3E}">
+        <p14:creationId xmlns:p14="http://schemas.microsoft.com/office/powerpoint/2010/main" val="2724643961"/>
+      </p:ext>
+    </p:extLst>
+  </p:cSld>
+  <p:clrMapOvr>
+    <a:masterClrMapping/>
+  </p:clrMapOvr>
+</p:sld>
+</file>
+
+<file path=ppt/slides/slide25.xml><?xml version="1.0" encoding="utf-8"?>
+<p:sld xmlns:a="http://schemas.openxmlformats.org/drawingml/2006/main" xmlns:r="http://schemas.openxmlformats.org/officeDocument/2006/relationships" xmlns:p="http://schemas.openxmlformats.org/presentationml/2006/main">
+  <p:cSld>
+    <p:spTree>
+      <p:nvGrpSpPr>
+        <p:cNvPr id="1" name=""/>
+        <p:cNvGrpSpPr/>
+        <p:nvPr/>
+      </p:nvGrpSpPr>
+      <p:grpSpPr>
+        <a:xfrm>
+          <a:off x="0" y="0"/>
+          <a:ext cx="0" cy="0"/>
+          <a:chOff x="0" y="0"/>
+          <a:chExt cx="0" cy="0"/>
+        </a:xfrm>
+      </p:grpSpPr>
+      <p:sp>
+        <p:nvSpPr>
+          <p:cNvPr id="2" name="Título 1">
+            <a:extLst>
+              <a:ext uri="{FF2B5EF4-FFF2-40B4-BE49-F238E27FC236}">
+                <a16:creationId xmlns:a16="http://schemas.microsoft.com/office/drawing/2014/main" id="{5A792696-3C0E-3DD0-99A9-EA981DBF2827}"/>
+              </a:ext>
+            </a:extLst>
+          </p:cNvPr>
+          <p:cNvSpPr>
+            <a:spLocks noGrp="1"/>
+          </p:cNvSpPr>
+          <p:nvPr>
+            <p:ph type="title"/>
+          </p:nvPr>
+        </p:nvSpPr>
+        <p:spPr/>
+        <p:txBody>
+          <a:bodyPr/>
+          <a:lstStyle/>
+          <a:p>
+            <a:r>
+              <a:rPr lang="es-ES" dirty="0"/>
+              <a:t>La raíz del problema en las comparaciones</a:t>
+            </a:r>
+          </a:p>
+        </p:txBody>
+      </p:sp>
+      <p:sp>
+        <p:nvSpPr>
+          <p:cNvPr id="3" name="Marcador de contenido 2">
+            <a:extLst>
+              <a:ext uri="{FF2B5EF4-FFF2-40B4-BE49-F238E27FC236}">
+                <a16:creationId xmlns:a16="http://schemas.microsoft.com/office/drawing/2014/main" id="{FAE858D3-CB09-5B9A-0C66-8CE2EF9C9DE1}"/>
+              </a:ext>
+            </a:extLst>
+          </p:cNvPr>
+          <p:cNvSpPr>
+            <a:spLocks noGrp="1"/>
+          </p:cNvSpPr>
+          <p:nvPr>
+            <p:ph idx="1"/>
+          </p:nvPr>
+        </p:nvSpPr>
+        <p:spPr/>
+        <p:txBody>
+          <a:bodyPr/>
+          <a:lstStyle/>
+          <a:p>
+            <a:pPr marL="0" indent="0">
+              <a:buNone/>
+            </a:pPr>
+            <a:r>
+              <a:rPr lang="es-ES" b="1" i="1" dirty="0">
+                <a:effectLst/>
+                <a:latin typeface="JetBrains Mono" panose="02000009000000000000" pitchFamily="49" charset="0"/>
+              </a:rPr>
+              <a:t>new</a:t>
+            </a:r>
+            <a:r>
+              <a:rPr lang="es-ES" b="1" dirty="0">
+                <a:effectLst/>
+                <a:latin typeface="JetBrains Mono" panose="02000009000000000000" pitchFamily="49" charset="0"/>
+              </a:rPr>
+              <a:t> </a:t>
+            </a:r>
+            <a:r>
+              <a:rPr lang="es-ES" b="1" dirty="0" err="1">
+                <a:effectLst/>
+                <a:latin typeface="JetBrains Mono" panose="02000009000000000000" pitchFamily="49" charset="0"/>
+              </a:rPr>
+              <a:t>Object</a:t>
+            </a:r>
+            <a:r>
+              <a:rPr lang="es-ES" b="1" dirty="0">
+                <a:effectLst/>
+                <a:latin typeface="JetBrains Mono" panose="02000009000000000000" pitchFamily="49" charset="0"/>
+              </a:rPr>
+              <a:t>() === </a:t>
+            </a:r>
+            <a:r>
+              <a:rPr lang="es-ES" b="1" i="1" dirty="0">
+                <a:effectLst/>
+                <a:latin typeface="JetBrains Mono" panose="02000009000000000000" pitchFamily="49" charset="0"/>
+              </a:rPr>
+              <a:t>new</a:t>
+            </a:r>
+            <a:r>
+              <a:rPr lang="es-ES" b="1" dirty="0">
+                <a:effectLst/>
+                <a:latin typeface="JetBrains Mono" panose="02000009000000000000" pitchFamily="49" charset="0"/>
+              </a:rPr>
+              <a:t> </a:t>
+            </a:r>
+            <a:r>
+              <a:rPr lang="es-ES" b="1" dirty="0" err="1">
+                <a:effectLst/>
+                <a:latin typeface="JetBrains Mono" panose="02000009000000000000" pitchFamily="49" charset="0"/>
+              </a:rPr>
+              <a:t>Object</a:t>
+            </a:r>
+            <a:r>
+              <a:rPr lang="es-ES" b="1" dirty="0">
+                <a:effectLst/>
+                <a:latin typeface="JetBrains Mono" panose="02000009000000000000" pitchFamily="49" charset="0"/>
+              </a:rPr>
+              <a:t>();</a:t>
+            </a:r>
+          </a:p>
+          <a:p>
+            <a:pPr marL="0" indent="0">
+              <a:buNone/>
+            </a:pPr>
+            <a:r>
+              <a:rPr lang="es-ES" dirty="0">
+                <a:effectLst/>
+              </a:rPr>
+              <a:t>Cuando usamos la </a:t>
+            </a:r>
+            <a:r>
+              <a:rPr lang="es-ES" i="1" dirty="0" err="1">
+                <a:effectLst/>
+              </a:rPr>
+              <a:t>keyword</a:t>
+            </a:r>
+            <a:r>
+              <a:rPr lang="es-ES" i="1" dirty="0">
+                <a:effectLst/>
+              </a:rPr>
+              <a:t> </a:t>
+            </a:r>
+            <a:r>
+              <a:rPr lang="es-ES" b="1" i="1" dirty="0">
+                <a:effectLst/>
+              </a:rPr>
+              <a:t>new</a:t>
+            </a:r>
+            <a:r>
+              <a:rPr lang="es-ES" dirty="0"/>
+              <a:t> estamos asignando una nueva dirección en memoria.</a:t>
+            </a:r>
+          </a:p>
+          <a:p>
+            <a:pPr marL="0" indent="0">
+              <a:buNone/>
+            </a:pPr>
+            <a:r>
+              <a:rPr lang="es-ES" dirty="0"/>
+              <a:t>Entonces, lo que estamos comparando, no son los “valores”, sino sus referencias en memoria, dos direcciones completamente diferentes.</a:t>
+            </a:r>
+          </a:p>
+          <a:p>
+            <a:pPr marL="0" indent="0">
+              <a:buNone/>
+            </a:pPr>
+            <a:endParaRPr lang="es-ES" dirty="0">
+              <a:effectLst/>
+            </a:endParaRPr>
+          </a:p>
+          <a:p>
+            <a:pPr marL="0" indent="0">
+              <a:buNone/>
+            </a:pPr>
+            <a:r>
+              <a:rPr lang="es-ES" dirty="0"/>
+              <a:t>Esto se debe a cómo se pueden pasar los argumentos en programación</a:t>
+            </a:r>
+            <a:endParaRPr lang="es-ES" dirty="0">
+              <a:effectLst/>
+            </a:endParaRPr>
+          </a:p>
+        </p:txBody>
+      </p:sp>
+    </p:spTree>
+    <p:extLst>
+      <p:ext uri="{BB962C8B-B14F-4D97-AF65-F5344CB8AC3E}">
+        <p14:creationId xmlns:p14="http://schemas.microsoft.com/office/powerpoint/2010/main" val="3499429894"/>
+      </p:ext>
+    </p:extLst>
+  </p:cSld>
+  <p:clrMapOvr>
+    <a:masterClrMapping/>
+  </p:clrMapOvr>
+</p:sld>
+</file>
+
+<file path=ppt/slides/slide26.xml><?xml version="1.0" encoding="utf-8"?>
+<p:sld xmlns:a="http://schemas.openxmlformats.org/drawingml/2006/main" xmlns:r="http://schemas.openxmlformats.org/officeDocument/2006/relationships" xmlns:p="http://schemas.openxmlformats.org/presentationml/2006/main">
+  <p:cSld>
+    <p:spTree>
+      <p:nvGrpSpPr>
+        <p:cNvPr id="1" name=""/>
+        <p:cNvGrpSpPr/>
+        <p:nvPr/>
+      </p:nvGrpSpPr>
+      <p:grpSpPr>
+        <a:xfrm>
+          <a:off x="0" y="0"/>
+          <a:ext cx="0" cy="0"/>
+          <a:chOff x="0" y="0"/>
+          <a:chExt cx="0" cy="0"/>
+        </a:xfrm>
+      </p:grpSpPr>
+      <p:sp>
+        <p:nvSpPr>
+          <p:cNvPr id="2" name="Título 1">
+            <a:extLst>
+              <a:ext uri="{FF2B5EF4-FFF2-40B4-BE49-F238E27FC236}">
+                <a16:creationId xmlns:a16="http://schemas.microsoft.com/office/drawing/2014/main" id="{453C5357-130B-319E-D9A5-5BE3FDFFDBBE}"/>
+              </a:ext>
+            </a:extLst>
+          </p:cNvPr>
+          <p:cNvSpPr>
+            <a:spLocks noGrp="1"/>
+          </p:cNvSpPr>
+          <p:nvPr>
+            <p:ph type="title"/>
+          </p:nvPr>
+        </p:nvSpPr>
+        <p:spPr/>
+        <p:txBody>
+          <a:bodyPr/>
+          <a:lstStyle/>
+          <a:p>
+            <a:r>
+              <a:rPr lang="es-ES" dirty="0"/>
+              <a:t>Argumentos en programación</a:t>
+            </a:r>
+          </a:p>
+        </p:txBody>
+      </p:sp>
+      <p:sp>
+        <p:nvSpPr>
+          <p:cNvPr id="3" name="Marcador de contenido 2">
+            <a:extLst>
+              <a:ext uri="{FF2B5EF4-FFF2-40B4-BE49-F238E27FC236}">
+                <a16:creationId xmlns:a16="http://schemas.microsoft.com/office/drawing/2014/main" id="{5E428D39-A4B2-C6FB-1713-FA95C1C363DF}"/>
+              </a:ext>
+            </a:extLst>
+          </p:cNvPr>
+          <p:cNvSpPr>
+            <a:spLocks noGrp="1"/>
+          </p:cNvSpPr>
+          <p:nvPr>
+            <p:ph idx="1"/>
+          </p:nvPr>
+        </p:nvSpPr>
+        <p:spPr/>
+        <p:txBody>
+          <a:bodyPr/>
+          <a:lstStyle/>
+          <a:p>
+            <a:pPr marL="0" indent="0">
+              <a:buNone/>
+            </a:pPr>
+            <a:r>
+              <a:rPr lang="es-ES" dirty="0"/>
+              <a:t>Los argumentos se pueden pasar de dos maneras diferentes</a:t>
+            </a:r>
+          </a:p>
+          <a:p>
+            <a:r>
+              <a:rPr lang="es-ES" dirty="0"/>
+              <a:t>Por </a:t>
+            </a:r>
+            <a:r>
+              <a:rPr lang="es-ES" b="1" dirty="0"/>
+              <a:t>valor</a:t>
+            </a:r>
+            <a:r>
+              <a:rPr lang="es-ES" dirty="0"/>
+              <a:t>, tipos primitivos (</a:t>
+            </a:r>
+            <a:r>
+              <a:rPr lang="es-ES" dirty="0" err="1"/>
+              <a:t>number</a:t>
+            </a:r>
+            <a:r>
+              <a:rPr lang="es-ES" dirty="0"/>
+              <a:t>, </a:t>
+            </a:r>
+            <a:r>
+              <a:rPr lang="es-ES" dirty="0" err="1"/>
+              <a:t>string</a:t>
+            </a:r>
+            <a:r>
+              <a:rPr lang="es-ES" dirty="0"/>
+              <a:t>, </a:t>
+            </a:r>
+            <a:r>
+              <a:rPr lang="es-ES" dirty="0" err="1"/>
+              <a:t>bool</a:t>
+            </a:r>
+            <a:r>
+              <a:rPr lang="es-ES" dirty="0"/>
+              <a:t>, etc.)</a:t>
+            </a:r>
+          </a:p>
+          <a:p>
+            <a:r>
+              <a:rPr lang="es-ES" dirty="0"/>
+              <a:t>Por </a:t>
+            </a:r>
+            <a:r>
+              <a:rPr lang="es-ES" b="1" dirty="0"/>
+              <a:t>referencia</a:t>
+            </a:r>
+            <a:r>
+              <a:rPr lang="es-ES" dirty="0"/>
+              <a:t>, tipos no primitivos (</a:t>
+            </a:r>
+            <a:r>
+              <a:rPr lang="es-ES" dirty="0" err="1"/>
+              <a:t>objects</a:t>
+            </a:r>
+            <a:r>
+              <a:rPr lang="es-ES" dirty="0"/>
+              <a:t>, </a:t>
+            </a:r>
+            <a:r>
+              <a:rPr lang="es-ES" dirty="0" err="1"/>
+              <a:t>functions</a:t>
+            </a:r>
+            <a:r>
+              <a:rPr lang="es-ES" dirty="0"/>
+              <a:t>, etc.)</a:t>
+            </a:r>
+          </a:p>
+          <a:p>
+            <a:pPr marL="0" indent="0">
+              <a:buNone/>
+            </a:pPr>
+            <a:r>
+              <a:rPr lang="es-ES" dirty="0"/>
+              <a:t>Los valores por </a:t>
+            </a:r>
+            <a:r>
+              <a:rPr lang="es-ES" b="1" dirty="0"/>
+              <a:t>referencia</a:t>
+            </a:r>
+            <a:r>
+              <a:rPr lang="es-ES" dirty="0"/>
+              <a:t> son los costosos de comparar</a:t>
+            </a:r>
+          </a:p>
+        </p:txBody>
+      </p:sp>
+    </p:spTree>
+    <p:extLst>
+      <p:ext uri="{BB962C8B-B14F-4D97-AF65-F5344CB8AC3E}">
+        <p14:creationId xmlns:p14="http://schemas.microsoft.com/office/powerpoint/2010/main" val="1865008409"/>
+      </p:ext>
+    </p:extLst>
+  </p:cSld>
+  <p:clrMapOvr>
+    <a:masterClrMapping/>
+  </p:clrMapOvr>
+</p:sld>
+</file>
+
+<file path=ppt/slides/slide27.xml><?xml version="1.0" encoding="utf-8"?>
+<p:sld xmlns:a="http://schemas.openxmlformats.org/drawingml/2006/main" xmlns:r="http://schemas.openxmlformats.org/officeDocument/2006/relationships" xmlns:p="http://schemas.openxmlformats.org/presentationml/2006/main">
+  <p:cSld>
+    <p:spTree>
+      <p:nvGrpSpPr>
+        <p:cNvPr id="1" name=""/>
+        <p:cNvGrpSpPr/>
+        <p:nvPr/>
+      </p:nvGrpSpPr>
+      <p:grpSpPr>
+        <a:xfrm>
+          <a:off x="0" y="0"/>
+          <a:ext cx="0" cy="0"/>
+          <a:chOff x="0" y="0"/>
+          <a:chExt cx="0" cy="0"/>
+        </a:xfrm>
+      </p:grpSpPr>
+      <p:sp>
+        <p:nvSpPr>
+          <p:cNvPr id="2" name="Título 1">
+            <a:extLst>
+              <a:ext uri="{FF2B5EF4-FFF2-40B4-BE49-F238E27FC236}">
+                <a16:creationId xmlns:a16="http://schemas.microsoft.com/office/drawing/2014/main" id="{CC9508E0-06D7-2EE3-1996-992C22930864}"/>
+              </a:ext>
+            </a:extLst>
+          </p:cNvPr>
+          <p:cNvSpPr>
+            <a:spLocks noGrp="1"/>
+          </p:cNvSpPr>
+          <p:nvPr>
+            <p:ph type="title"/>
+          </p:nvPr>
+        </p:nvSpPr>
+        <p:spPr/>
+        <p:txBody>
+          <a:bodyPr/>
+          <a:lstStyle/>
+          <a:p>
+            <a:r>
+              <a:rPr lang="es-ES" dirty="0"/>
+              <a:t>Situando el problema</a:t>
+            </a:r>
+          </a:p>
+        </p:txBody>
+      </p:sp>
+      <p:sp>
+        <p:nvSpPr>
+          <p:cNvPr id="3" name="Marcador de contenido 2">
+            <a:extLst>
+              <a:ext uri="{FF2B5EF4-FFF2-40B4-BE49-F238E27FC236}">
+                <a16:creationId xmlns:a16="http://schemas.microsoft.com/office/drawing/2014/main" id="{CBAB2F6B-62B1-795D-D974-B85155DFF2AF}"/>
+              </a:ext>
+            </a:extLst>
+          </p:cNvPr>
+          <p:cNvSpPr>
+            <a:spLocks noGrp="1"/>
+          </p:cNvSpPr>
+          <p:nvPr>
+            <p:ph idx="1"/>
+          </p:nvPr>
+        </p:nvSpPr>
+        <p:spPr/>
+        <p:txBody>
+          <a:bodyPr/>
+          <a:lstStyle/>
+          <a:p>
+            <a:pPr marL="0" indent="0">
+              <a:buNone/>
+            </a:pPr>
+            <a:r>
+              <a:rPr lang="es-ES" dirty="0"/>
+              <a:t>Como hemos visto anteriormente, la comparación de valores, y por tanto la serialización, trae quebraderos de cabeza, en especial en JavaScript.</a:t>
+            </a:r>
+          </a:p>
+          <a:p>
+            <a:pPr marL="0" indent="0">
+              <a:buNone/>
+            </a:pPr>
+            <a:endParaRPr lang="es-ES" dirty="0"/>
+          </a:p>
+          <a:p>
+            <a:pPr marL="0" indent="0">
+              <a:buNone/>
+            </a:pPr>
+            <a:r>
+              <a:rPr lang="es-ES" dirty="0"/>
+              <a:t>Pero necesitamos poder serializar para </a:t>
+            </a:r>
+            <a:r>
+              <a:rPr lang="es-ES" dirty="0" err="1"/>
+              <a:t>memoizar</a:t>
+            </a:r>
+            <a:r>
+              <a:rPr lang="es-ES" dirty="0"/>
+              <a:t>…</a:t>
+            </a:r>
+          </a:p>
+        </p:txBody>
+      </p:sp>
+    </p:spTree>
+    <p:extLst>
+      <p:ext uri="{BB962C8B-B14F-4D97-AF65-F5344CB8AC3E}">
+        <p14:creationId xmlns:p14="http://schemas.microsoft.com/office/powerpoint/2010/main" val="4062364091"/>
+      </p:ext>
+    </p:extLst>
+  </p:cSld>
+  <p:clrMapOvr>
+    <a:masterClrMapping/>
+  </p:clrMapOvr>
+</p:sld>
+</file>
+
+<file path=ppt/slides/slide28.xml><?xml version="1.0" encoding="utf-8"?>
+<p:sld xmlns:a="http://schemas.openxmlformats.org/drawingml/2006/main" xmlns:r="http://schemas.openxmlformats.org/officeDocument/2006/relationships" xmlns:p="http://schemas.openxmlformats.org/presentationml/2006/main">
+  <p:cSld>
+    <p:spTree>
+      <p:nvGrpSpPr>
+        <p:cNvPr id="1" name=""/>
+        <p:cNvGrpSpPr/>
+        <p:nvPr/>
+      </p:nvGrpSpPr>
+      <p:grpSpPr>
+        <a:xfrm>
+          <a:off x="0" y="0"/>
+          <a:ext cx="0" cy="0"/>
+          <a:chOff x="0" y="0"/>
+          <a:chExt cx="0" cy="0"/>
+        </a:xfrm>
+      </p:grpSpPr>
+      <p:sp>
+        <p:nvSpPr>
+          <p:cNvPr id="2" name="Título 1">
+            <a:extLst>
+              <a:ext uri="{FF2B5EF4-FFF2-40B4-BE49-F238E27FC236}">
+                <a16:creationId xmlns:a16="http://schemas.microsoft.com/office/drawing/2014/main" id="{77FEB6F0-DF08-9D6B-1D0E-1BA9EF92F6A8}"/>
+              </a:ext>
+            </a:extLst>
+          </p:cNvPr>
+          <p:cNvSpPr>
+            <a:spLocks noGrp="1"/>
+          </p:cNvSpPr>
+          <p:nvPr>
+            <p:ph type="title"/>
+          </p:nvPr>
+        </p:nvSpPr>
+        <p:spPr/>
+        <p:txBody>
+          <a:bodyPr/>
+          <a:lstStyle/>
+          <a:p>
+            <a:r>
+              <a:rPr lang="es-ES" dirty="0"/>
+              <a:t>Entonces, ¿cómo lo hacemos?</a:t>
+            </a:r>
+          </a:p>
+        </p:txBody>
+      </p:sp>
+      <p:sp>
+        <p:nvSpPr>
+          <p:cNvPr id="3" name="Marcador de contenido 2">
+            <a:extLst>
+              <a:ext uri="{FF2B5EF4-FFF2-40B4-BE49-F238E27FC236}">
+                <a16:creationId xmlns:a16="http://schemas.microsoft.com/office/drawing/2014/main" id="{3C218B5E-628A-F97B-4D77-5F07EB7E385B}"/>
+              </a:ext>
+            </a:extLst>
+          </p:cNvPr>
+          <p:cNvSpPr>
+            <a:spLocks noGrp="1"/>
+          </p:cNvSpPr>
+          <p:nvPr>
+            <p:ph idx="1"/>
+          </p:nvPr>
+        </p:nvSpPr>
+        <p:spPr/>
+        <p:txBody>
+          <a:bodyPr/>
+          <a:lstStyle/>
+          <a:p>
+            <a:pPr marL="0" indent="0">
+              <a:buNone/>
+            </a:pPr>
+            <a:r>
+              <a:rPr lang="es-ES" dirty="0"/>
+              <a:t>Tenemos varias opciones:</a:t>
+            </a:r>
+          </a:p>
+          <a:p>
+            <a:r>
+              <a:rPr lang="es-ES" dirty="0" err="1"/>
+              <a:t>JSON.stringify</a:t>
+            </a:r>
+            <a:r>
+              <a:rPr lang="es-ES" dirty="0"/>
+              <a:t>, que no es de fiar</a:t>
+            </a:r>
+          </a:p>
+          <a:p>
+            <a:r>
+              <a:rPr lang="es-ES" dirty="0"/>
+              <a:t>Implementar una solución a mano</a:t>
+            </a:r>
+          </a:p>
+          <a:p>
+            <a:r>
+              <a:rPr lang="es-ES" dirty="0"/>
+              <a:t>Buscar soluciones existentes, </a:t>
+            </a:r>
+            <a:r>
+              <a:rPr lang="es-ES" i="1" dirty="0"/>
+              <a:t>no adivinarás cuál es la más recomendable…</a:t>
+            </a:r>
+          </a:p>
+        </p:txBody>
+      </p:sp>
+    </p:spTree>
+    <p:extLst>
+      <p:ext uri="{BB962C8B-B14F-4D97-AF65-F5344CB8AC3E}">
+        <p14:creationId xmlns:p14="http://schemas.microsoft.com/office/powerpoint/2010/main" val="492215301"/>
+      </p:ext>
+    </p:extLst>
+  </p:cSld>
+  <p:clrMapOvr>
+    <a:masterClrMapping/>
+  </p:clrMapOvr>
+</p:sld>
+</file>
+
+<file path=ppt/slides/slide29.xml><?xml version="1.0" encoding="utf-8"?>
+<p:sld xmlns:a="http://schemas.openxmlformats.org/drawingml/2006/main" xmlns:r="http://schemas.openxmlformats.org/officeDocument/2006/relationships" xmlns:p="http://schemas.openxmlformats.org/presentationml/2006/main">
+  <p:cSld>
+    <p:spTree>
+      <p:nvGrpSpPr>
+        <p:cNvPr id="1" name=""/>
+        <p:cNvGrpSpPr/>
+        <p:nvPr/>
+      </p:nvGrpSpPr>
+      <p:grpSpPr>
+        <a:xfrm>
+          <a:off x="0" y="0"/>
+          <a:ext cx="0" cy="0"/>
+          <a:chOff x="0" y="0"/>
+          <a:chExt cx="0" cy="0"/>
+        </a:xfrm>
+      </p:grpSpPr>
+      <p:sp>
+        <p:nvSpPr>
+          <p:cNvPr id="2" name="Título 1">
+            <a:extLst>
+              <a:ext uri="{FF2B5EF4-FFF2-40B4-BE49-F238E27FC236}">
+                <a16:creationId xmlns:a16="http://schemas.microsoft.com/office/drawing/2014/main" id="{B2040791-5DE4-A492-FD6F-E9D4300B0AAC}"/>
+              </a:ext>
+            </a:extLst>
+          </p:cNvPr>
+          <p:cNvSpPr>
+            <a:spLocks noGrp="1"/>
+          </p:cNvSpPr>
+          <p:nvPr>
+            <p:ph type="title"/>
+          </p:nvPr>
+        </p:nvSpPr>
+        <p:spPr/>
+        <p:txBody>
+          <a:bodyPr/>
+          <a:lstStyle/>
+          <a:p>
+            <a:r>
+              <a:rPr lang="es-ES" dirty="0"/>
+              <a:t>Por qué no deberías fiarte de JSON.STRINGIFY</a:t>
+            </a:r>
+          </a:p>
+        </p:txBody>
+      </p:sp>
+      <p:sp>
+        <p:nvSpPr>
+          <p:cNvPr id="3" name="Marcador de contenido 2">
+            <a:extLst>
+              <a:ext uri="{FF2B5EF4-FFF2-40B4-BE49-F238E27FC236}">
+                <a16:creationId xmlns:a16="http://schemas.microsoft.com/office/drawing/2014/main" id="{D504D809-36E1-EC2F-988D-8BE65F3D4000}"/>
+              </a:ext>
+            </a:extLst>
+          </p:cNvPr>
+          <p:cNvSpPr>
+            <a:spLocks noGrp="1"/>
+          </p:cNvSpPr>
+          <p:nvPr>
+            <p:ph idx="1"/>
+          </p:nvPr>
+        </p:nvSpPr>
+        <p:spPr/>
+        <p:txBody>
+          <a:bodyPr/>
+          <a:lstStyle/>
+          <a:p>
+            <a:pPr marL="0" indent="0">
+              <a:buNone/>
+            </a:pPr>
+            <a:r>
+              <a:rPr lang="es-ES" dirty="0">
+                <a:ea typeface="JetBrains Mono" panose="02000009000000000000" pitchFamily="49" charset="0"/>
+                <a:cs typeface="JetBrains Mono" panose="02000009000000000000" pitchFamily="49" charset="0"/>
+              </a:rPr>
+              <a:t>Si bien es cierto que puede serializar valores, es demasiado preciso.</a:t>
+            </a:r>
+          </a:p>
+          <a:p>
+            <a:pPr marL="0" indent="0">
+              <a:buNone/>
+            </a:pPr>
+            <a:r>
+              <a:rPr lang="es-ES" b="1" dirty="0" err="1">
+                <a:latin typeface="JetBrains Mono" panose="02000009000000000000" pitchFamily="49" charset="0"/>
+                <a:ea typeface="JetBrains Mono" panose="02000009000000000000" pitchFamily="49" charset="0"/>
+                <a:cs typeface="JetBrains Mono" panose="02000009000000000000" pitchFamily="49" charset="0"/>
+              </a:rPr>
+              <a:t>JSON.stringify</a:t>
+            </a:r>
+            <a:r>
+              <a:rPr lang="es-ES" b="1" dirty="0">
+                <a:latin typeface="JetBrains Mono" panose="02000009000000000000" pitchFamily="49" charset="0"/>
+                <a:ea typeface="JetBrains Mono" panose="02000009000000000000" pitchFamily="49" charset="0"/>
+                <a:cs typeface="JetBrains Mono" panose="02000009000000000000" pitchFamily="49" charset="0"/>
+              </a:rPr>
+              <a:t>({</a:t>
+            </a:r>
+            <a:r>
+              <a:rPr lang="es-ES" b="1" dirty="0" err="1">
+                <a:latin typeface="JetBrains Mono" panose="02000009000000000000" pitchFamily="49" charset="0"/>
+                <a:ea typeface="JetBrains Mono" panose="02000009000000000000" pitchFamily="49" charset="0"/>
+                <a:cs typeface="JetBrains Mono" panose="02000009000000000000" pitchFamily="49" charset="0"/>
+              </a:rPr>
+              <a:t>a:”B</a:t>
+            </a:r>
+            <a:r>
+              <a:rPr lang="es-ES" b="1" dirty="0">
+                <a:latin typeface="JetBrains Mono" panose="02000009000000000000" pitchFamily="49" charset="0"/>
+                <a:ea typeface="JetBrains Mono" panose="02000009000000000000" pitchFamily="49" charset="0"/>
+                <a:cs typeface="JetBrains Mono" panose="02000009000000000000" pitchFamily="49" charset="0"/>
+              </a:rPr>
+              <a:t>”, b:”A”}) !== </a:t>
+            </a:r>
+            <a:r>
+              <a:rPr lang="es-ES" b="1" dirty="0" err="1">
+                <a:latin typeface="JetBrains Mono" panose="02000009000000000000" pitchFamily="49" charset="0"/>
+                <a:ea typeface="JetBrains Mono" panose="02000009000000000000" pitchFamily="49" charset="0"/>
+                <a:cs typeface="JetBrains Mono" panose="02000009000000000000" pitchFamily="49" charset="0"/>
+              </a:rPr>
+              <a:t>JSON.stringify</a:t>
+            </a:r>
+            <a:r>
+              <a:rPr lang="es-ES" b="1" dirty="0">
+                <a:latin typeface="JetBrains Mono" panose="02000009000000000000" pitchFamily="49" charset="0"/>
+                <a:ea typeface="JetBrains Mono" panose="02000009000000000000" pitchFamily="49" charset="0"/>
+                <a:cs typeface="JetBrains Mono" panose="02000009000000000000" pitchFamily="49" charset="0"/>
+              </a:rPr>
+              <a:t>({</a:t>
+            </a:r>
+            <a:r>
+              <a:rPr lang="es-ES" b="1" dirty="0" err="1">
+                <a:latin typeface="JetBrains Mono" panose="02000009000000000000" pitchFamily="49" charset="0"/>
+                <a:ea typeface="JetBrains Mono" panose="02000009000000000000" pitchFamily="49" charset="0"/>
+                <a:cs typeface="JetBrains Mono" panose="02000009000000000000" pitchFamily="49" charset="0"/>
+              </a:rPr>
+              <a:t>b:”A</a:t>
+            </a:r>
+            <a:r>
+              <a:rPr lang="es-ES" b="1" dirty="0">
+                <a:latin typeface="JetBrains Mono" panose="02000009000000000000" pitchFamily="49" charset="0"/>
+                <a:ea typeface="JetBrains Mono" panose="02000009000000000000" pitchFamily="49" charset="0"/>
+                <a:cs typeface="JetBrains Mono" panose="02000009000000000000" pitchFamily="49" charset="0"/>
+              </a:rPr>
+              <a:t>”, a:”B”})</a:t>
+            </a:r>
+            <a:endParaRPr lang="pt-BR" dirty="0">
+              <a:effectLst/>
+            </a:endParaRPr>
+          </a:p>
+        </p:txBody>
+      </p:sp>
+    </p:spTree>
+    <p:extLst>
+      <p:ext uri="{BB962C8B-B14F-4D97-AF65-F5344CB8AC3E}">
+        <p14:creationId xmlns:p14="http://schemas.microsoft.com/office/powerpoint/2010/main" val="4046875436"/>
+      </p:ext>
+    </p:extLst>
+  </p:cSld>
+  <p:clrMapOvr>
+    <a:masterClrMapping/>
+  </p:clrMapOvr>
+</p:sld>
+</file>
+
+<file path=ppt/slides/slide3.xml><?xml version="1.0" encoding="utf-8"?>
 <p:sld xmlns:a="http://schemas.openxmlformats.org/drawingml/2006/main" xmlns:r="http://schemas.openxmlformats.org/officeDocument/2006/relationships" xmlns:p="http://schemas.openxmlformats.org/presentationml/2006/main">
   <p:cSld>
     <p:bg>
@@ -14007,989 +15474,7 @@
 </p:sld>
 </file>
 
-<file path=ppt/slides/slide20.xml><?xml version="1.0" encoding="utf-8"?>
-<p:sld xmlns:a="http://schemas.openxmlformats.org/drawingml/2006/main" xmlns:r="http://schemas.openxmlformats.org/officeDocument/2006/relationships" xmlns:p="http://schemas.openxmlformats.org/presentationml/2006/main">
-  <p:cSld>
-    <p:spTree>
-      <p:nvGrpSpPr>
-        <p:cNvPr id="1" name=""/>
-        <p:cNvGrpSpPr/>
-        <p:nvPr/>
-      </p:nvGrpSpPr>
-      <p:grpSpPr>
-        <a:xfrm>
-          <a:off x="0" y="0"/>
-          <a:ext cx="0" cy="0"/>
-          <a:chOff x="0" y="0"/>
-          <a:chExt cx="0" cy="0"/>
-        </a:xfrm>
-      </p:grpSpPr>
-      <p:sp>
-        <p:nvSpPr>
-          <p:cNvPr id="2" name="Título 1">
-            <a:extLst>
-              <a:ext uri="{FF2B5EF4-FFF2-40B4-BE49-F238E27FC236}">
-                <a16:creationId xmlns:a16="http://schemas.microsoft.com/office/drawing/2014/main" id="{D9047B89-486F-E62E-105E-90CA5E6018DE}"/>
-              </a:ext>
-            </a:extLst>
-          </p:cNvPr>
-          <p:cNvSpPr>
-            <a:spLocks noGrp="1"/>
-          </p:cNvSpPr>
-          <p:nvPr>
-            <p:ph type="title"/>
-          </p:nvPr>
-        </p:nvSpPr>
-        <p:spPr/>
-        <p:txBody>
-          <a:bodyPr/>
-          <a:lstStyle/>
-          <a:p>
-            <a:r>
-              <a:rPr lang="es-ES" dirty="0"/>
-              <a:t>?Qué es serializar¿</a:t>
-            </a:r>
-          </a:p>
-        </p:txBody>
-      </p:sp>
-      <p:sp>
-        <p:nvSpPr>
-          <p:cNvPr id="3" name="Marcador de contenido 2">
-            <a:extLst>
-              <a:ext uri="{FF2B5EF4-FFF2-40B4-BE49-F238E27FC236}">
-                <a16:creationId xmlns:a16="http://schemas.microsoft.com/office/drawing/2014/main" id="{D86029DD-390D-806C-2B25-0F6004CC021E}"/>
-              </a:ext>
-            </a:extLst>
-          </p:cNvPr>
-          <p:cNvSpPr>
-            <a:spLocks noGrp="1"/>
-          </p:cNvSpPr>
-          <p:nvPr>
-            <p:ph idx="1"/>
-          </p:nvPr>
-        </p:nvSpPr>
-        <p:spPr/>
-        <p:txBody>
-          <a:bodyPr/>
-          <a:lstStyle/>
-          <a:p>
-            <a:endParaRPr lang="es-ES"/>
-          </a:p>
-        </p:txBody>
-      </p:sp>
-    </p:spTree>
-    <p:extLst>
-      <p:ext uri="{BB962C8B-B14F-4D97-AF65-F5344CB8AC3E}">
-        <p14:creationId xmlns:p14="http://schemas.microsoft.com/office/powerpoint/2010/main" val="710375688"/>
-      </p:ext>
-    </p:extLst>
-  </p:cSld>
-  <p:clrMapOvr>
-    <a:masterClrMapping/>
-  </p:clrMapOvr>
-</p:sld>
-</file>
-
-<file path=ppt/slides/slide21.xml><?xml version="1.0" encoding="utf-8"?>
-<p:sld xmlns:a="http://schemas.openxmlformats.org/drawingml/2006/main" xmlns:r="http://schemas.openxmlformats.org/officeDocument/2006/relationships" xmlns:p="http://schemas.openxmlformats.org/presentationml/2006/main">
-  <p:cSld>
-    <p:spTree>
-      <p:nvGrpSpPr>
-        <p:cNvPr id="1" name=""/>
-        <p:cNvGrpSpPr/>
-        <p:nvPr/>
-      </p:nvGrpSpPr>
-      <p:grpSpPr>
-        <a:xfrm>
-          <a:off x="0" y="0"/>
-          <a:ext cx="0" cy="0"/>
-          <a:chOff x="0" y="0"/>
-          <a:chExt cx="0" cy="0"/>
-        </a:xfrm>
-      </p:grpSpPr>
-      <p:sp>
-        <p:nvSpPr>
-          <p:cNvPr id="2" name="Título 1">
-            <a:extLst>
-              <a:ext uri="{FF2B5EF4-FFF2-40B4-BE49-F238E27FC236}">
-                <a16:creationId xmlns:a16="http://schemas.microsoft.com/office/drawing/2014/main" id="{9F5EEB6A-61A9-DDC4-0C81-E06E737066F1}"/>
-              </a:ext>
-            </a:extLst>
-          </p:cNvPr>
-          <p:cNvSpPr>
-            <a:spLocks noGrp="1"/>
-          </p:cNvSpPr>
-          <p:nvPr>
-            <p:ph type="title"/>
-          </p:nvPr>
-        </p:nvSpPr>
-        <p:spPr/>
-        <p:txBody>
-          <a:bodyPr/>
-          <a:lstStyle/>
-          <a:p>
-            <a:r>
-              <a:rPr lang="es-ES" dirty="0"/>
-              <a:t>¿Por qué lo necesitamos?</a:t>
-            </a:r>
-          </a:p>
-        </p:txBody>
-      </p:sp>
-      <p:sp>
-        <p:nvSpPr>
-          <p:cNvPr id="3" name="Marcador de contenido 2">
-            <a:extLst>
-              <a:ext uri="{FF2B5EF4-FFF2-40B4-BE49-F238E27FC236}">
-                <a16:creationId xmlns:a16="http://schemas.microsoft.com/office/drawing/2014/main" id="{328BBA5C-5E45-35F3-3223-D4B4B8DB2237}"/>
-              </a:ext>
-            </a:extLst>
-          </p:cNvPr>
-          <p:cNvSpPr>
-            <a:spLocks noGrp="1"/>
-          </p:cNvSpPr>
-          <p:nvPr>
-            <p:ph idx="1"/>
-          </p:nvPr>
-        </p:nvSpPr>
-        <p:spPr/>
-        <p:txBody>
-          <a:bodyPr/>
-          <a:lstStyle/>
-          <a:p>
-            <a:endParaRPr lang="es-ES"/>
-          </a:p>
-        </p:txBody>
-      </p:sp>
-    </p:spTree>
-    <p:extLst>
-      <p:ext uri="{BB962C8B-B14F-4D97-AF65-F5344CB8AC3E}">
-        <p14:creationId xmlns:p14="http://schemas.microsoft.com/office/powerpoint/2010/main" val="353119239"/>
-      </p:ext>
-    </p:extLst>
-  </p:cSld>
-  <p:clrMapOvr>
-    <a:masterClrMapping/>
-  </p:clrMapOvr>
-</p:sld>
-</file>
-
-<file path=ppt/slides/slide22.xml><?xml version="1.0" encoding="utf-8"?>
-<p:sld xmlns:a="http://schemas.openxmlformats.org/drawingml/2006/main" xmlns:r="http://schemas.openxmlformats.org/officeDocument/2006/relationships" xmlns:p="http://schemas.openxmlformats.org/presentationml/2006/main">
-  <p:cSld>
-    <p:spTree>
-      <p:nvGrpSpPr>
-        <p:cNvPr id="1" name=""/>
-        <p:cNvGrpSpPr/>
-        <p:nvPr/>
-      </p:nvGrpSpPr>
-      <p:grpSpPr>
-        <a:xfrm>
-          <a:off x="0" y="0"/>
-          <a:ext cx="0" cy="0"/>
-          <a:chOff x="0" y="0"/>
-          <a:chExt cx="0" cy="0"/>
-        </a:xfrm>
-      </p:grpSpPr>
-      <p:sp>
-        <p:nvSpPr>
-          <p:cNvPr id="2" name="Título 1">
-            <a:extLst>
-              <a:ext uri="{FF2B5EF4-FFF2-40B4-BE49-F238E27FC236}">
-                <a16:creationId xmlns:a16="http://schemas.microsoft.com/office/drawing/2014/main" id="{0893C7A8-E61C-3DCD-DA28-92991C115508}"/>
-              </a:ext>
-            </a:extLst>
-          </p:cNvPr>
-          <p:cNvSpPr>
-            <a:spLocks noGrp="1"/>
-          </p:cNvSpPr>
-          <p:nvPr>
-            <p:ph type="title"/>
-          </p:nvPr>
-        </p:nvSpPr>
-        <p:spPr/>
-        <p:txBody>
-          <a:bodyPr/>
-          <a:lstStyle/>
-          <a:p>
-            <a:r>
-              <a:rPr lang="es-ES" dirty="0"/>
-              <a:t>¿Cuál será el resultado de esta expresión?</a:t>
-            </a:r>
-          </a:p>
-        </p:txBody>
-      </p:sp>
-      <p:sp>
-        <p:nvSpPr>
-          <p:cNvPr id="3" name="Marcador de contenido 2">
-            <a:extLst>
-              <a:ext uri="{FF2B5EF4-FFF2-40B4-BE49-F238E27FC236}">
-                <a16:creationId xmlns:a16="http://schemas.microsoft.com/office/drawing/2014/main" id="{3C3AFF87-0185-CB22-6903-91830B6D0D8E}"/>
-              </a:ext>
-            </a:extLst>
-          </p:cNvPr>
-          <p:cNvSpPr>
-            <a:spLocks noGrp="1"/>
-          </p:cNvSpPr>
-          <p:nvPr>
-            <p:ph idx="1"/>
-          </p:nvPr>
-        </p:nvSpPr>
-        <p:spPr/>
-        <p:txBody>
-          <a:bodyPr/>
-          <a:lstStyle/>
-          <a:p>
-            <a:pPr marL="0" indent="0">
-              <a:buNone/>
-            </a:pPr>
-            <a:r>
-              <a:rPr lang="es-ES" b="1" dirty="0">
-                <a:effectLst/>
-                <a:latin typeface="JetBrains Mono" panose="02000009000000000000" pitchFamily="49" charset="0"/>
-              </a:rPr>
-              <a:t>{ </a:t>
-            </a:r>
-            <a:r>
-              <a:rPr lang="es-ES" b="1" dirty="0" err="1">
-                <a:effectLst/>
-                <a:latin typeface="JetBrains Mono" panose="02000009000000000000" pitchFamily="49" charset="0"/>
-              </a:rPr>
-              <a:t>foo</a:t>
-            </a:r>
-            <a:r>
-              <a:rPr lang="es-ES" b="1" dirty="0">
-                <a:effectLst/>
-                <a:latin typeface="JetBrains Mono" panose="02000009000000000000" pitchFamily="49" charset="0"/>
-              </a:rPr>
-              <a:t>: "bar" } === { </a:t>
-            </a:r>
-            <a:r>
-              <a:rPr lang="es-ES" b="1" dirty="0" err="1">
-                <a:effectLst/>
-                <a:latin typeface="JetBrains Mono" panose="02000009000000000000" pitchFamily="49" charset="0"/>
-              </a:rPr>
-              <a:t>foo</a:t>
-            </a:r>
-            <a:r>
-              <a:rPr lang="es-ES" b="1" dirty="0">
-                <a:effectLst/>
-                <a:latin typeface="JetBrains Mono" panose="02000009000000000000" pitchFamily="49" charset="0"/>
-              </a:rPr>
-              <a:t>: "bar" };</a:t>
-            </a:r>
-          </a:p>
-        </p:txBody>
-      </p:sp>
-    </p:spTree>
-    <p:extLst>
-      <p:ext uri="{BB962C8B-B14F-4D97-AF65-F5344CB8AC3E}">
-        <p14:creationId xmlns:p14="http://schemas.microsoft.com/office/powerpoint/2010/main" val="1246579930"/>
-      </p:ext>
-    </p:extLst>
-  </p:cSld>
-  <p:clrMapOvr>
-    <a:masterClrMapping/>
-  </p:clrMapOvr>
-</p:sld>
-</file>
-
-<file path=ppt/slides/slide23.xml><?xml version="1.0" encoding="utf-8"?>
-<p:sld xmlns:a="http://schemas.openxmlformats.org/drawingml/2006/main" xmlns:r="http://schemas.openxmlformats.org/officeDocument/2006/relationships" xmlns:p="http://schemas.openxmlformats.org/presentationml/2006/main">
-  <p:cSld>
-    <p:spTree>
-      <p:nvGrpSpPr>
-        <p:cNvPr id="1" name=""/>
-        <p:cNvGrpSpPr/>
-        <p:nvPr/>
-      </p:nvGrpSpPr>
-      <p:grpSpPr>
-        <a:xfrm>
-          <a:off x="0" y="0"/>
-          <a:ext cx="0" cy="0"/>
-          <a:chOff x="0" y="0"/>
-          <a:chExt cx="0" cy="0"/>
-        </a:xfrm>
-      </p:grpSpPr>
-      <p:sp>
-        <p:nvSpPr>
-          <p:cNvPr id="2" name="Título 1">
-            <a:extLst>
-              <a:ext uri="{FF2B5EF4-FFF2-40B4-BE49-F238E27FC236}">
-                <a16:creationId xmlns:a16="http://schemas.microsoft.com/office/drawing/2014/main" id="{0893C7A8-E61C-3DCD-DA28-92991C115508}"/>
-              </a:ext>
-            </a:extLst>
-          </p:cNvPr>
-          <p:cNvSpPr>
-            <a:spLocks noGrp="1"/>
-          </p:cNvSpPr>
-          <p:nvPr>
-            <p:ph type="title"/>
-          </p:nvPr>
-        </p:nvSpPr>
-        <p:spPr/>
-        <p:txBody>
-          <a:bodyPr/>
-          <a:lstStyle/>
-          <a:p>
-            <a:r>
-              <a:rPr lang="es-ES" dirty="0"/>
-              <a:t>Vamos a simplificarlo…</a:t>
-            </a:r>
-          </a:p>
-        </p:txBody>
-      </p:sp>
-      <p:sp>
-        <p:nvSpPr>
-          <p:cNvPr id="3" name="Marcador de contenido 2">
-            <a:extLst>
-              <a:ext uri="{FF2B5EF4-FFF2-40B4-BE49-F238E27FC236}">
-                <a16:creationId xmlns:a16="http://schemas.microsoft.com/office/drawing/2014/main" id="{3C3AFF87-0185-CB22-6903-91830B6D0D8E}"/>
-              </a:ext>
-            </a:extLst>
-          </p:cNvPr>
-          <p:cNvSpPr>
-            <a:spLocks noGrp="1"/>
-          </p:cNvSpPr>
-          <p:nvPr>
-            <p:ph idx="1"/>
-          </p:nvPr>
-        </p:nvSpPr>
-        <p:spPr/>
-        <p:txBody>
-          <a:bodyPr/>
-          <a:lstStyle/>
-          <a:p>
-            <a:pPr marL="0" indent="0">
-              <a:buNone/>
-            </a:pPr>
-            <a:r>
-              <a:rPr lang="es-ES" b="1" dirty="0">
-                <a:effectLst/>
-                <a:latin typeface="JetBrains Mono" panose="02000009000000000000" pitchFamily="49" charset="0"/>
-              </a:rPr>
-              <a:t>{} === {};</a:t>
-            </a:r>
-          </a:p>
-        </p:txBody>
-      </p:sp>
-    </p:spTree>
-    <p:extLst>
-      <p:ext uri="{BB962C8B-B14F-4D97-AF65-F5344CB8AC3E}">
-        <p14:creationId xmlns:p14="http://schemas.microsoft.com/office/powerpoint/2010/main" val="2724643961"/>
-      </p:ext>
-    </p:extLst>
-  </p:cSld>
-  <p:clrMapOvr>
-    <a:masterClrMapping/>
-  </p:clrMapOvr>
-</p:sld>
-</file>
-
-<file path=ppt/slides/slide24.xml><?xml version="1.0" encoding="utf-8"?>
-<p:sld xmlns:a="http://schemas.openxmlformats.org/drawingml/2006/main" xmlns:r="http://schemas.openxmlformats.org/officeDocument/2006/relationships" xmlns:p="http://schemas.openxmlformats.org/presentationml/2006/main">
-  <p:cSld>
-    <p:spTree>
-      <p:nvGrpSpPr>
-        <p:cNvPr id="1" name=""/>
-        <p:cNvGrpSpPr/>
-        <p:nvPr/>
-      </p:nvGrpSpPr>
-      <p:grpSpPr>
-        <a:xfrm>
-          <a:off x="0" y="0"/>
-          <a:ext cx="0" cy="0"/>
-          <a:chOff x="0" y="0"/>
-          <a:chExt cx="0" cy="0"/>
-        </a:xfrm>
-      </p:grpSpPr>
-      <p:sp>
-        <p:nvSpPr>
-          <p:cNvPr id="2" name="Título 1">
-            <a:extLst>
-              <a:ext uri="{FF2B5EF4-FFF2-40B4-BE49-F238E27FC236}">
-                <a16:creationId xmlns:a16="http://schemas.microsoft.com/office/drawing/2014/main" id="{5A792696-3C0E-3DD0-99A9-EA981DBF2827}"/>
-              </a:ext>
-            </a:extLst>
-          </p:cNvPr>
-          <p:cNvSpPr>
-            <a:spLocks noGrp="1"/>
-          </p:cNvSpPr>
-          <p:nvPr>
-            <p:ph type="title"/>
-          </p:nvPr>
-        </p:nvSpPr>
-        <p:spPr/>
-        <p:txBody>
-          <a:bodyPr/>
-          <a:lstStyle/>
-          <a:p>
-            <a:r>
-              <a:rPr lang="es-ES" dirty="0"/>
-              <a:t>La raíz del problema en las comparaciones</a:t>
-            </a:r>
-          </a:p>
-        </p:txBody>
-      </p:sp>
-      <p:sp>
-        <p:nvSpPr>
-          <p:cNvPr id="3" name="Marcador de contenido 2">
-            <a:extLst>
-              <a:ext uri="{FF2B5EF4-FFF2-40B4-BE49-F238E27FC236}">
-                <a16:creationId xmlns:a16="http://schemas.microsoft.com/office/drawing/2014/main" id="{FAE858D3-CB09-5B9A-0C66-8CE2EF9C9DE1}"/>
-              </a:ext>
-            </a:extLst>
-          </p:cNvPr>
-          <p:cNvSpPr>
-            <a:spLocks noGrp="1"/>
-          </p:cNvSpPr>
-          <p:nvPr>
-            <p:ph idx="1"/>
-          </p:nvPr>
-        </p:nvSpPr>
-        <p:spPr/>
-        <p:txBody>
-          <a:bodyPr/>
-          <a:lstStyle/>
-          <a:p>
-            <a:pPr marL="0" indent="0">
-              <a:buNone/>
-            </a:pPr>
-            <a:r>
-              <a:rPr lang="es-ES" b="1" i="1" dirty="0">
-                <a:effectLst/>
-                <a:latin typeface="JetBrains Mono" panose="02000009000000000000" pitchFamily="49" charset="0"/>
-              </a:rPr>
-              <a:t>new</a:t>
-            </a:r>
-            <a:r>
-              <a:rPr lang="es-ES" b="1" dirty="0">
-                <a:effectLst/>
-                <a:latin typeface="JetBrains Mono" panose="02000009000000000000" pitchFamily="49" charset="0"/>
-              </a:rPr>
-              <a:t> </a:t>
-            </a:r>
-            <a:r>
-              <a:rPr lang="es-ES" b="1" dirty="0" err="1">
-                <a:effectLst/>
-                <a:latin typeface="JetBrains Mono" panose="02000009000000000000" pitchFamily="49" charset="0"/>
-              </a:rPr>
-              <a:t>Object</a:t>
-            </a:r>
-            <a:r>
-              <a:rPr lang="es-ES" b="1" dirty="0">
-                <a:effectLst/>
-                <a:latin typeface="JetBrains Mono" panose="02000009000000000000" pitchFamily="49" charset="0"/>
-              </a:rPr>
-              <a:t>() === </a:t>
-            </a:r>
-            <a:r>
-              <a:rPr lang="es-ES" b="1" i="1" dirty="0">
-                <a:effectLst/>
-                <a:latin typeface="JetBrains Mono" panose="02000009000000000000" pitchFamily="49" charset="0"/>
-              </a:rPr>
-              <a:t>new</a:t>
-            </a:r>
-            <a:r>
-              <a:rPr lang="es-ES" b="1" dirty="0">
-                <a:effectLst/>
-                <a:latin typeface="JetBrains Mono" panose="02000009000000000000" pitchFamily="49" charset="0"/>
-              </a:rPr>
-              <a:t> </a:t>
-            </a:r>
-            <a:r>
-              <a:rPr lang="es-ES" b="1" dirty="0" err="1">
-                <a:effectLst/>
-                <a:latin typeface="JetBrains Mono" panose="02000009000000000000" pitchFamily="49" charset="0"/>
-              </a:rPr>
-              <a:t>Object</a:t>
-            </a:r>
-            <a:r>
-              <a:rPr lang="es-ES" b="1" dirty="0">
-                <a:effectLst/>
-                <a:latin typeface="JetBrains Mono" panose="02000009000000000000" pitchFamily="49" charset="0"/>
-              </a:rPr>
-              <a:t>();</a:t>
-            </a:r>
-          </a:p>
-          <a:p>
-            <a:pPr marL="0" indent="0">
-              <a:buNone/>
-            </a:pPr>
-            <a:r>
-              <a:rPr lang="es-ES" dirty="0">
-                <a:effectLst/>
-              </a:rPr>
-              <a:t>Cuando usamos la </a:t>
-            </a:r>
-            <a:r>
-              <a:rPr lang="es-ES" i="1" dirty="0" err="1">
-                <a:effectLst/>
-              </a:rPr>
-              <a:t>keyword</a:t>
-            </a:r>
-            <a:r>
-              <a:rPr lang="es-ES" i="1" dirty="0">
-                <a:effectLst/>
-              </a:rPr>
-              <a:t> </a:t>
-            </a:r>
-            <a:r>
-              <a:rPr lang="es-ES" b="1" i="1" dirty="0">
-                <a:effectLst/>
-              </a:rPr>
-              <a:t>new</a:t>
-            </a:r>
-            <a:r>
-              <a:rPr lang="es-ES" dirty="0"/>
-              <a:t> estamos asignando una nueva dirección en memoria.</a:t>
-            </a:r>
-          </a:p>
-          <a:p>
-            <a:pPr marL="0" indent="0">
-              <a:buNone/>
-            </a:pPr>
-            <a:r>
-              <a:rPr lang="es-ES" dirty="0"/>
-              <a:t>Entonces, lo que estamos comparando, no son los “valores”, sino sus referencias en memoria, dos direcciones completamente diferentes.</a:t>
-            </a:r>
-          </a:p>
-          <a:p>
-            <a:pPr marL="0" indent="0">
-              <a:buNone/>
-            </a:pPr>
-            <a:endParaRPr lang="es-ES" dirty="0">
-              <a:effectLst/>
-            </a:endParaRPr>
-          </a:p>
-          <a:p>
-            <a:pPr marL="0" indent="0">
-              <a:buNone/>
-            </a:pPr>
-            <a:r>
-              <a:rPr lang="es-ES" dirty="0"/>
-              <a:t>Esto se debe a cómo se pueden pasar los argumentos en programación</a:t>
-            </a:r>
-            <a:endParaRPr lang="es-ES" dirty="0">
-              <a:effectLst/>
-            </a:endParaRPr>
-          </a:p>
-        </p:txBody>
-      </p:sp>
-    </p:spTree>
-    <p:extLst>
-      <p:ext uri="{BB962C8B-B14F-4D97-AF65-F5344CB8AC3E}">
-        <p14:creationId xmlns:p14="http://schemas.microsoft.com/office/powerpoint/2010/main" val="3499429894"/>
-      </p:ext>
-    </p:extLst>
-  </p:cSld>
-  <p:clrMapOvr>
-    <a:masterClrMapping/>
-  </p:clrMapOvr>
-</p:sld>
-</file>
-
-<file path=ppt/slides/slide25.xml><?xml version="1.0" encoding="utf-8"?>
-<p:sld xmlns:a="http://schemas.openxmlformats.org/drawingml/2006/main" xmlns:r="http://schemas.openxmlformats.org/officeDocument/2006/relationships" xmlns:p="http://schemas.openxmlformats.org/presentationml/2006/main">
-  <p:cSld>
-    <p:spTree>
-      <p:nvGrpSpPr>
-        <p:cNvPr id="1" name=""/>
-        <p:cNvGrpSpPr/>
-        <p:nvPr/>
-      </p:nvGrpSpPr>
-      <p:grpSpPr>
-        <a:xfrm>
-          <a:off x="0" y="0"/>
-          <a:ext cx="0" cy="0"/>
-          <a:chOff x="0" y="0"/>
-          <a:chExt cx="0" cy="0"/>
-        </a:xfrm>
-      </p:grpSpPr>
-      <p:sp>
-        <p:nvSpPr>
-          <p:cNvPr id="2" name="Título 1">
-            <a:extLst>
-              <a:ext uri="{FF2B5EF4-FFF2-40B4-BE49-F238E27FC236}">
-                <a16:creationId xmlns:a16="http://schemas.microsoft.com/office/drawing/2014/main" id="{453C5357-130B-319E-D9A5-5BE3FDFFDBBE}"/>
-              </a:ext>
-            </a:extLst>
-          </p:cNvPr>
-          <p:cNvSpPr>
-            <a:spLocks noGrp="1"/>
-          </p:cNvSpPr>
-          <p:nvPr>
-            <p:ph type="title"/>
-          </p:nvPr>
-        </p:nvSpPr>
-        <p:spPr/>
-        <p:txBody>
-          <a:bodyPr/>
-          <a:lstStyle/>
-          <a:p>
-            <a:r>
-              <a:rPr lang="es-ES" dirty="0"/>
-              <a:t>Argumentos en programación</a:t>
-            </a:r>
-          </a:p>
-        </p:txBody>
-      </p:sp>
-      <p:sp>
-        <p:nvSpPr>
-          <p:cNvPr id="3" name="Marcador de contenido 2">
-            <a:extLst>
-              <a:ext uri="{FF2B5EF4-FFF2-40B4-BE49-F238E27FC236}">
-                <a16:creationId xmlns:a16="http://schemas.microsoft.com/office/drawing/2014/main" id="{5E428D39-A4B2-C6FB-1713-FA95C1C363DF}"/>
-              </a:ext>
-            </a:extLst>
-          </p:cNvPr>
-          <p:cNvSpPr>
-            <a:spLocks noGrp="1"/>
-          </p:cNvSpPr>
-          <p:nvPr>
-            <p:ph idx="1"/>
-          </p:nvPr>
-        </p:nvSpPr>
-        <p:spPr/>
-        <p:txBody>
-          <a:bodyPr/>
-          <a:lstStyle/>
-          <a:p>
-            <a:pPr marL="0" indent="0">
-              <a:buNone/>
-            </a:pPr>
-            <a:r>
-              <a:rPr lang="es-ES" dirty="0"/>
-              <a:t>Los argumentos se pueden pasar de dos maneras diferentes</a:t>
-            </a:r>
-          </a:p>
-          <a:p>
-            <a:r>
-              <a:rPr lang="es-ES" dirty="0"/>
-              <a:t>Por </a:t>
-            </a:r>
-            <a:r>
-              <a:rPr lang="es-ES" b="1" dirty="0"/>
-              <a:t>valor</a:t>
-            </a:r>
-            <a:r>
-              <a:rPr lang="es-ES" dirty="0"/>
-              <a:t>, tipos primitivos (</a:t>
-            </a:r>
-            <a:r>
-              <a:rPr lang="es-ES" dirty="0" err="1"/>
-              <a:t>number</a:t>
-            </a:r>
-            <a:r>
-              <a:rPr lang="es-ES" dirty="0"/>
-              <a:t>, </a:t>
-            </a:r>
-            <a:r>
-              <a:rPr lang="es-ES" dirty="0" err="1"/>
-              <a:t>string</a:t>
-            </a:r>
-            <a:r>
-              <a:rPr lang="es-ES" dirty="0"/>
-              <a:t>, </a:t>
-            </a:r>
-            <a:r>
-              <a:rPr lang="es-ES" dirty="0" err="1"/>
-              <a:t>bool</a:t>
-            </a:r>
-            <a:r>
-              <a:rPr lang="es-ES" dirty="0"/>
-              <a:t>, etc.)</a:t>
-            </a:r>
-          </a:p>
-          <a:p>
-            <a:r>
-              <a:rPr lang="es-ES" dirty="0"/>
-              <a:t>Por </a:t>
-            </a:r>
-            <a:r>
-              <a:rPr lang="es-ES" b="1" dirty="0"/>
-              <a:t>referencia</a:t>
-            </a:r>
-            <a:r>
-              <a:rPr lang="es-ES" dirty="0"/>
-              <a:t>, tipos no primitivos (</a:t>
-            </a:r>
-            <a:r>
-              <a:rPr lang="es-ES" dirty="0" err="1"/>
-              <a:t>objects</a:t>
-            </a:r>
-            <a:r>
-              <a:rPr lang="es-ES" dirty="0"/>
-              <a:t>, </a:t>
-            </a:r>
-            <a:r>
-              <a:rPr lang="es-ES" dirty="0" err="1"/>
-              <a:t>functions</a:t>
-            </a:r>
-            <a:r>
-              <a:rPr lang="es-ES" dirty="0"/>
-              <a:t>, etc.)</a:t>
-            </a:r>
-          </a:p>
-          <a:p>
-            <a:pPr marL="0" indent="0">
-              <a:buNone/>
-            </a:pPr>
-            <a:r>
-              <a:rPr lang="es-ES" dirty="0"/>
-              <a:t>Los valores por </a:t>
-            </a:r>
-            <a:r>
-              <a:rPr lang="es-ES" b="1" dirty="0"/>
-              <a:t>referencia</a:t>
-            </a:r>
-            <a:r>
-              <a:rPr lang="es-ES" dirty="0"/>
-              <a:t> son los costosos de comparar</a:t>
-            </a:r>
-          </a:p>
-        </p:txBody>
-      </p:sp>
-    </p:spTree>
-    <p:extLst>
-      <p:ext uri="{BB962C8B-B14F-4D97-AF65-F5344CB8AC3E}">
-        <p14:creationId xmlns:p14="http://schemas.microsoft.com/office/powerpoint/2010/main" val="1865008409"/>
-      </p:ext>
-    </p:extLst>
-  </p:cSld>
-  <p:clrMapOvr>
-    <a:masterClrMapping/>
-  </p:clrMapOvr>
-</p:sld>
-</file>
-
-<file path=ppt/slides/slide26.xml><?xml version="1.0" encoding="utf-8"?>
-<p:sld xmlns:a="http://schemas.openxmlformats.org/drawingml/2006/main" xmlns:r="http://schemas.openxmlformats.org/officeDocument/2006/relationships" xmlns:p="http://schemas.openxmlformats.org/presentationml/2006/main">
-  <p:cSld>
-    <p:spTree>
-      <p:nvGrpSpPr>
-        <p:cNvPr id="1" name=""/>
-        <p:cNvGrpSpPr/>
-        <p:nvPr/>
-      </p:nvGrpSpPr>
-      <p:grpSpPr>
-        <a:xfrm>
-          <a:off x="0" y="0"/>
-          <a:ext cx="0" cy="0"/>
-          <a:chOff x="0" y="0"/>
-          <a:chExt cx="0" cy="0"/>
-        </a:xfrm>
-      </p:grpSpPr>
-      <p:sp>
-        <p:nvSpPr>
-          <p:cNvPr id="2" name="Título 1">
-            <a:extLst>
-              <a:ext uri="{FF2B5EF4-FFF2-40B4-BE49-F238E27FC236}">
-                <a16:creationId xmlns:a16="http://schemas.microsoft.com/office/drawing/2014/main" id="{CC9508E0-06D7-2EE3-1996-992C22930864}"/>
-              </a:ext>
-            </a:extLst>
-          </p:cNvPr>
-          <p:cNvSpPr>
-            <a:spLocks noGrp="1"/>
-          </p:cNvSpPr>
-          <p:nvPr>
-            <p:ph type="title"/>
-          </p:nvPr>
-        </p:nvSpPr>
-        <p:spPr/>
-        <p:txBody>
-          <a:bodyPr/>
-          <a:lstStyle/>
-          <a:p>
-            <a:r>
-              <a:rPr lang="es-ES" dirty="0"/>
-              <a:t>Situando el problema</a:t>
-            </a:r>
-          </a:p>
-        </p:txBody>
-      </p:sp>
-      <p:sp>
-        <p:nvSpPr>
-          <p:cNvPr id="3" name="Marcador de contenido 2">
-            <a:extLst>
-              <a:ext uri="{FF2B5EF4-FFF2-40B4-BE49-F238E27FC236}">
-                <a16:creationId xmlns:a16="http://schemas.microsoft.com/office/drawing/2014/main" id="{CBAB2F6B-62B1-795D-D974-B85155DFF2AF}"/>
-              </a:ext>
-            </a:extLst>
-          </p:cNvPr>
-          <p:cNvSpPr>
-            <a:spLocks noGrp="1"/>
-          </p:cNvSpPr>
-          <p:nvPr>
-            <p:ph idx="1"/>
-          </p:nvPr>
-        </p:nvSpPr>
-        <p:spPr/>
-        <p:txBody>
-          <a:bodyPr/>
-          <a:lstStyle/>
-          <a:p>
-            <a:pPr marL="0" indent="0">
-              <a:buNone/>
-            </a:pPr>
-            <a:r>
-              <a:rPr lang="es-ES" dirty="0"/>
-              <a:t>Como hemos visto anteriormente, la comparación de valores, y por tanto la serialización, trae quebraderos de cabeza, en especial en JavaScript.</a:t>
-            </a:r>
-          </a:p>
-          <a:p>
-            <a:pPr marL="0" indent="0">
-              <a:buNone/>
-            </a:pPr>
-            <a:endParaRPr lang="es-ES" dirty="0"/>
-          </a:p>
-          <a:p>
-            <a:pPr marL="0" indent="0">
-              <a:buNone/>
-            </a:pPr>
-            <a:r>
-              <a:rPr lang="es-ES" dirty="0"/>
-              <a:t>Pero necesitamos poder serializar para </a:t>
-            </a:r>
-            <a:r>
-              <a:rPr lang="es-ES" dirty="0" err="1"/>
-              <a:t>memoizar</a:t>
-            </a:r>
-            <a:r>
-              <a:rPr lang="es-ES" dirty="0"/>
-              <a:t>…</a:t>
-            </a:r>
-          </a:p>
-        </p:txBody>
-      </p:sp>
-    </p:spTree>
-    <p:extLst>
-      <p:ext uri="{BB962C8B-B14F-4D97-AF65-F5344CB8AC3E}">
-        <p14:creationId xmlns:p14="http://schemas.microsoft.com/office/powerpoint/2010/main" val="4062364091"/>
-      </p:ext>
-    </p:extLst>
-  </p:cSld>
-  <p:clrMapOvr>
-    <a:masterClrMapping/>
-  </p:clrMapOvr>
-</p:sld>
-</file>
-
-<file path=ppt/slides/slide27.xml><?xml version="1.0" encoding="utf-8"?>
-<p:sld xmlns:a="http://schemas.openxmlformats.org/drawingml/2006/main" xmlns:r="http://schemas.openxmlformats.org/officeDocument/2006/relationships" xmlns:p="http://schemas.openxmlformats.org/presentationml/2006/main">
-  <p:cSld>
-    <p:spTree>
-      <p:nvGrpSpPr>
-        <p:cNvPr id="1" name=""/>
-        <p:cNvGrpSpPr/>
-        <p:nvPr/>
-      </p:nvGrpSpPr>
-      <p:grpSpPr>
-        <a:xfrm>
-          <a:off x="0" y="0"/>
-          <a:ext cx="0" cy="0"/>
-          <a:chOff x="0" y="0"/>
-          <a:chExt cx="0" cy="0"/>
-        </a:xfrm>
-      </p:grpSpPr>
-      <p:sp>
-        <p:nvSpPr>
-          <p:cNvPr id="2" name="Título 1">
-            <a:extLst>
-              <a:ext uri="{FF2B5EF4-FFF2-40B4-BE49-F238E27FC236}">
-                <a16:creationId xmlns:a16="http://schemas.microsoft.com/office/drawing/2014/main" id="{77FEB6F0-DF08-9D6B-1D0E-1BA9EF92F6A8}"/>
-              </a:ext>
-            </a:extLst>
-          </p:cNvPr>
-          <p:cNvSpPr>
-            <a:spLocks noGrp="1"/>
-          </p:cNvSpPr>
-          <p:nvPr>
-            <p:ph type="title"/>
-          </p:nvPr>
-        </p:nvSpPr>
-        <p:spPr/>
-        <p:txBody>
-          <a:bodyPr/>
-          <a:lstStyle/>
-          <a:p>
-            <a:r>
-              <a:rPr lang="es-ES" dirty="0"/>
-              <a:t>Entonces, ¿cómo lo hacemos?</a:t>
-            </a:r>
-          </a:p>
-        </p:txBody>
-      </p:sp>
-      <p:sp>
-        <p:nvSpPr>
-          <p:cNvPr id="3" name="Marcador de contenido 2">
-            <a:extLst>
-              <a:ext uri="{FF2B5EF4-FFF2-40B4-BE49-F238E27FC236}">
-                <a16:creationId xmlns:a16="http://schemas.microsoft.com/office/drawing/2014/main" id="{3C218B5E-628A-F97B-4D77-5F07EB7E385B}"/>
-              </a:ext>
-            </a:extLst>
-          </p:cNvPr>
-          <p:cNvSpPr>
-            <a:spLocks noGrp="1"/>
-          </p:cNvSpPr>
-          <p:nvPr>
-            <p:ph idx="1"/>
-          </p:nvPr>
-        </p:nvSpPr>
-        <p:spPr/>
-        <p:txBody>
-          <a:bodyPr/>
-          <a:lstStyle/>
-          <a:p>
-            <a:pPr marL="0" indent="0">
-              <a:buNone/>
-            </a:pPr>
-            <a:r>
-              <a:rPr lang="es-ES" dirty="0"/>
-              <a:t>Tenemos varias opciones:</a:t>
-            </a:r>
-          </a:p>
-          <a:p>
-            <a:r>
-              <a:rPr lang="es-ES" dirty="0" err="1"/>
-              <a:t>JSON.stringify</a:t>
-            </a:r>
-            <a:r>
-              <a:rPr lang="es-ES" dirty="0"/>
-              <a:t>, que no es de fiar</a:t>
-            </a:r>
-          </a:p>
-          <a:p>
-            <a:r>
-              <a:rPr lang="es-ES" dirty="0"/>
-              <a:t>Implementar una solución a mano</a:t>
-            </a:r>
-          </a:p>
-          <a:p>
-            <a:r>
-              <a:rPr lang="es-ES" dirty="0"/>
-              <a:t>Buscar soluciones existentes, </a:t>
-            </a:r>
-            <a:r>
-              <a:rPr lang="es-ES" i="1" dirty="0"/>
-              <a:t>no adivinarás cuál es la más recomendable…</a:t>
-            </a:r>
-          </a:p>
-        </p:txBody>
-      </p:sp>
-    </p:spTree>
-    <p:extLst>
-      <p:ext uri="{BB962C8B-B14F-4D97-AF65-F5344CB8AC3E}">
-        <p14:creationId xmlns:p14="http://schemas.microsoft.com/office/powerpoint/2010/main" val="492215301"/>
-      </p:ext>
-    </p:extLst>
-  </p:cSld>
-  <p:clrMapOvr>
-    <a:masterClrMapping/>
-  </p:clrMapOvr>
-</p:sld>
-</file>
-
-<file path=ppt/slides/slide28.xml><?xml version="1.0" encoding="utf-8"?>
+<file path=ppt/slides/slide30.xml><?xml version="1.0" encoding="utf-8"?>
 <p:sld xmlns:a="http://schemas.openxmlformats.org/drawingml/2006/main" xmlns:r="http://schemas.openxmlformats.org/officeDocument/2006/relationships" xmlns:p="http://schemas.openxmlformats.org/presentationml/2006/main">
   <p:cSld>
     <p:spTree>
@@ -15134,6 +15619,165 @@
               </a:rPr>
               <a:t>”, a:”B”})</a:t>
             </a:r>
+          </a:p>
+          <a:p>
+            <a:pPr marL="0" indent="0">
+              <a:buNone/>
+            </a:pPr>
+            <a:r>
+              <a:rPr lang="es-ES" dirty="0">
+                <a:ea typeface="JetBrains Mono" panose="02000009000000000000" pitchFamily="49" charset="0"/>
+                <a:cs typeface="JetBrains Mono" panose="02000009000000000000" pitchFamily="49" charset="0"/>
+              </a:rPr>
+              <a:t>Al compararlo, nos dirá que no es el mismo valor, porque el orden de las </a:t>
+            </a:r>
+            <a:r>
+              <a:rPr lang="es-ES" dirty="0" err="1">
+                <a:ea typeface="JetBrains Mono" panose="02000009000000000000" pitchFamily="49" charset="0"/>
+                <a:cs typeface="JetBrains Mono" panose="02000009000000000000" pitchFamily="49" charset="0"/>
+              </a:rPr>
+              <a:t>keys</a:t>
+            </a:r>
+            <a:r>
+              <a:rPr lang="es-ES" dirty="0">
+                <a:ea typeface="JetBrains Mono" panose="02000009000000000000" pitchFamily="49" charset="0"/>
+                <a:cs typeface="JetBrains Mono" panose="02000009000000000000" pitchFamily="49" charset="0"/>
+              </a:rPr>
+              <a:t> ha cambiado, entonces ha comparado</a:t>
+            </a:r>
+          </a:p>
+          <a:p>
+            <a:pPr marL="0" indent="0">
+              <a:buNone/>
+            </a:pPr>
+            <a:r>
+              <a:rPr lang="es-ES" dirty="0">
+                <a:ea typeface="JetBrains Mono" panose="02000009000000000000" pitchFamily="49" charset="0"/>
+                <a:cs typeface="JetBrains Mono" panose="02000009000000000000" pitchFamily="49" charset="0"/>
+              </a:rPr>
+              <a:t>El orden de las claves influye en el resultado de la comparación</a:t>
+            </a:r>
+          </a:p>
+          <a:p>
+            <a:pPr marL="0" indent="0">
+              <a:buNone/>
+            </a:pPr>
+            <a:r>
+              <a:rPr lang="pt-BR" b="1" dirty="0">
+                <a:effectLst/>
+                <a:latin typeface="JetBrains Mono" panose="02000009000000000000" pitchFamily="49" charset="0"/>
+              </a:rPr>
+              <a:t>'{"</a:t>
+            </a:r>
+            <a:r>
+              <a:rPr lang="pt-BR" b="1" dirty="0" err="1">
+                <a:effectLst/>
+                <a:latin typeface="JetBrains Mono" panose="02000009000000000000" pitchFamily="49" charset="0"/>
+              </a:rPr>
+              <a:t>a":"B</a:t>
+            </a:r>
+            <a:r>
+              <a:rPr lang="pt-BR" b="1" dirty="0">
+                <a:effectLst/>
+                <a:latin typeface="JetBrains Mono" panose="02000009000000000000" pitchFamily="49" charset="0"/>
+              </a:rPr>
+              <a:t>", "</a:t>
+            </a:r>
+            <a:r>
+              <a:rPr lang="pt-BR" b="1" dirty="0" err="1">
+                <a:effectLst/>
+                <a:latin typeface="JetBrains Mono" panose="02000009000000000000" pitchFamily="49" charset="0"/>
+              </a:rPr>
+              <a:t>b":"A</a:t>
+            </a:r>
+            <a:r>
+              <a:rPr lang="pt-BR" b="1" dirty="0">
+                <a:effectLst/>
+                <a:latin typeface="JetBrains Mono" panose="02000009000000000000" pitchFamily="49" charset="0"/>
+              </a:rPr>
+              <a:t>"}' !== '{"</a:t>
+            </a:r>
+            <a:r>
+              <a:rPr lang="pt-BR" b="1" dirty="0" err="1">
+                <a:effectLst/>
+                <a:latin typeface="JetBrains Mono" panose="02000009000000000000" pitchFamily="49" charset="0"/>
+              </a:rPr>
+              <a:t>b":"A</a:t>
+            </a:r>
+            <a:r>
+              <a:rPr lang="pt-BR" b="1" dirty="0">
+                <a:effectLst/>
+                <a:latin typeface="JetBrains Mono" panose="02000009000000000000" pitchFamily="49" charset="0"/>
+              </a:rPr>
+              <a:t>", "</a:t>
+            </a:r>
+            <a:r>
+              <a:rPr lang="pt-BR" b="1" dirty="0" err="1">
+                <a:effectLst/>
+                <a:latin typeface="JetBrains Mono" panose="02000009000000000000" pitchFamily="49" charset="0"/>
+              </a:rPr>
+              <a:t>a":"B</a:t>
+            </a:r>
+            <a:r>
+              <a:rPr lang="pt-BR" b="1" dirty="0">
+                <a:effectLst/>
+                <a:latin typeface="JetBrains Mono" panose="02000009000000000000" pitchFamily="49" charset="0"/>
+              </a:rPr>
+              <a:t>"}’</a:t>
+            </a:r>
+          </a:p>
+          <a:p>
+            <a:pPr marL="0" indent="0">
+              <a:buNone/>
+            </a:pPr>
+            <a:r>
+              <a:rPr lang="pt-BR" dirty="0"/>
+              <a:t>El </a:t>
+            </a:r>
+            <a:r>
+              <a:rPr lang="pt-BR" dirty="0" err="1"/>
+              <a:t>orden</a:t>
+            </a:r>
+            <a:r>
+              <a:rPr lang="pt-BR" dirty="0"/>
+              <a:t> de </a:t>
+            </a:r>
+            <a:r>
+              <a:rPr lang="pt-BR" dirty="0" err="1"/>
+              <a:t>los</a:t>
+            </a:r>
+            <a:r>
+              <a:rPr lang="pt-BR" dirty="0"/>
+              <a:t> </a:t>
+            </a:r>
+            <a:r>
+              <a:rPr lang="pt-BR" dirty="0" err="1"/>
+              <a:t>factores</a:t>
+            </a:r>
+            <a:r>
+              <a:rPr lang="pt-BR" dirty="0"/>
+              <a:t> </a:t>
+            </a:r>
+            <a:r>
+              <a:rPr lang="pt-BR" b="1" dirty="0" err="1"/>
+              <a:t>sí</a:t>
+            </a:r>
+            <a:r>
+              <a:rPr lang="pt-BR" dirty="0"/>
+              <a:t> altera </a:t>
+            </a:r>
+            <a:r>
+              <a:rPr lang="pt-BR" dirty="0" err="1"/>
+              <a:t>el</a:t>
+            </a:r>
+            <a:r>
+              <a:rPr lang="pt-BR" dirty="0"/>
+              <a:t> </a:t>
+            </a:r>
+            <a:r>
+              <a:rPr lang="pt-BR" dirty="0" err="1"/>
+              <a:t>producto</a:t>
+            </a:r>
             <a:endParaRPr lang="pt-BR" dirty="0">
               <a:effectLst/>
             </a:endParaRPr>
@@ -15143,7 +15787,1587 @@
     </p:spTree>
     <p:extLst>
       <p:ext uri="{BB962C8B-B14F-4D97-AF65-F5344CB8AC3E}">
-        <p14:creationId xmlns:p14="http://schemas.microsoft.com/office/powerpoint/2010/main" val="4046875436"/>
+        <p14:creationId xmlns:p14="http://schemas.microsoft.com/office/powerpoint/2010/main" val="3044886721"/>
+      </p:ext>
+    </p:extLst>
+  </p:cSld>
+  <p:clrMapOvr>
+    <a:masterClrMapping/>
+  </p:clrMapOvr>
+  <mc:AlternateContent xmlns:mc="http://schemas.openxmlformats.org/markup-compatibility/2006" xmlns:p159="http://schemas.microsoft.com/office/powerpoint/2015/09/main">
+    <mc:Choice Requires="p159">
+      <p:transition xmlns:p14="http://schemas.microsoft.com/office/powerpoint/2010/main" spd="slow" p14:dur="2000">
+        <p159:morph option="byWord"/>
+      </p:transition>
+    </mc:Choice>
+    <mc:Fallback xmlns="">
+      <p:transition spd="slow">
+        <p:fade/>
+      </p:transition>
+    </mc:Fallback>
+  </mc:AlternateContent>
+</p:sld>
+</file>
+
+<file path=ppt/slides/slide31.xml><?xml version="1.0" encoding="utf-8"?>
+<p:sld xmlns:a="http://schemas.openxmlformats.org/drawingml/2006/main" xmlns:r="http://schemas.openxmlformats.org/officeDocument/2006/relationships" xmlns:p="http://schemas.openxmlformats.org/presentationml/2006/main">
+  <p:cSld>
+    <p:spTree>
+      <p:nvGrpSpPr>
+        <p:cNvPr id="1" name=""/>
+        <p:cNvGrpSpPr/>
+        <p:nvPr/>
+      </p:nvGrpSpPr>
+      <p:grpSpPr>
+        <a:xfrm>
+          <a:off x="0" y="0"/>
+          <a:ext cx="0" cy="0"/>
+          <a:chOff x="0" y="0"/>
+          <a:chExt cx="0" cy="0"/>
+        </a:xfrm>
+      </p:grpSpPr>
+      <p:sp>
+        <p:nvSpPr>
+          <p:cNvPr id="6" name="CuadroTexto 5">
+            <a:extLst>
+              <a:ext uri="{FF2B5EF4-FFF2-40B4-BE49-F238E27FC236}">
+                <a16:creationId xmlns:a16="http://schemas.microsoft.com/office/drawing/2014/main" id="{34E74A14-8422-8C84-9E63-FBE65FB44419}"/>
+              </a:ext>
+            </a:extLst>
+          </p:cNvPr>
+          <p:cNvSpPr txBox="1"/>
+          <p:nvPr/>
+        </p:nvSpPr>
+        <p:spPr>
+          <a:xfrm>
+            <a:off x="4347712" y="2189893"/>
+            <a:ext cx="5891841" cy="3416320"/>
+          </a:xfrm>
+          <a:prstGeom prst="rect">
+            <a:avLst/>
+          </a:prstGeom>
+          <a:solidFill>
+            <a:srgbClr val="1E1E1E"/>
+          </a:solidFill>
+        </p:spPr>
+        <p:txBody>
+          <a:bodyPr wrap="square">
+            <a:spAutoFit/>
+          </a:bodyPr>
+          <a:lstStyle/>
+          <a:p>
+            <a:r>
+              <a:rPr lang="es-ES" sz="1200" b="0" dirty="0" err="1">
+                <a:solidFill>
+                  <a:srgbClr val="569CD6"/>
+                </a:solidFill>
+                <a:effectLst/>
+                <a:latin typeface="JetBrains Mono" panose="02000009000000000000" pitchFamily="49" charset="0"/>
+              </a:rPr>
+              <a:t>function</a:t>
+            </a:r>
+            <a:r>
+              <a:rPr lang="es-ES" sz="1200" b="0" dirty="0">
+                <a:solidFill>
+                  <a:srgbClr val="D4D4D4"/>
+                </a:solidFill>
+                <a:effectLst/>
+                <a:latin typeface="JetBrains Mono" panose="02000009000000000000" pitchFamily="49" charset="0"/>
+              </a:rPr>
+              <a:t> </a:t>
+            </a:r>
+            <a:r>
+              <a:rPr lang="es-ES" sz="1200" b="0" dirty="0" err="1">
+                <a:solidFill>
+                  <a:srgbClr val="DCDCAA"/>
+                </a:solidFill>
+                <a:effectLst/>
+                <a:latin typeface="JetBrains Mono" panose="02000009000000000000" pitchFamily="49" charset="0"/>
+              </a:rPr>
+              <a:t>serializeValue</a:t>
+            </a:r>
+            <a:r>
+              <a:rPr lang="es-ES" sz="1200" b="0" dirty="0">
+                <a:solidFill>
+                  <a:srgbClr val="D4D4D4"/>
+                </a:solidFill>
+                <a:effectLst/>
+                <a:latin typeface="JetBrains Mono" panose="02000009000000000000" pitchFamily="49" charset="0"/>
+              </a:rPr>
+              <a:t>(</a:t>
+            </a:r>
+            <a:r>
+              <a:rPr lang="es-ES" sz="1200" b="0" dirty="0" err="1">
+                <a:solidFill>
+                  <a:srgbClr val="9CDCFE"/>
+                </a:solidFill>
+                <a:effectLst/>
+                <a:latin typeface="JetBrains Mono" panose="02000009000000000000" pitchFamily="49" charset="0"/>
+              </a:rPr>
+              <a:t>value</a:t>
+            </a:r>
+            <a:r>
+              <a:rPr lang="es-ES" sz="1200" b="0" dirty="0">
+                <a:solidFill>
+                  <a:srgbClr val="D4D4D4"/>
+                </a:solidFill>
+                <a:effectLst/>
+                <a:latin typeface="JetBrains Mono" panose="02000009000000000000" pitchFamily="49" charset="0"/>
+              </a:rPr>
+              <a:t>) {</a:t>
+            </a:r>
+          </a:p>
+          <a:p>
+            <a:r>
+              <a:rPr lang="es-ES" sz="1200" b="0" dirty="0">
+                <a:solidFill>
+                  <a:srgbClr val="D4D4D4"/>
+                </a:solidFill>
+                <a:effectLst/>
+                <a:latin typeface="JetBrains Mono" panose="02000009000000000000" pitchFamily="49" charset="0"/>
+              </a:rPr>
+              <a:t>  </a:t>
+            </a:r>
+            <a:r>
+              <a:rPr lang="es-ES" sz="1200" b="0" dirty="0" err="1">
+                <a:solidFill>
+                  <a:srgbClr val="C586C0"/>
+                </a:solidFill>
+                <a:effectLst/>
+                <a:latin typeface="JetBrains Mono" panose="02000009000000000000" pitchFamily="49" charset="0"/>
+              </a:rPr>
+              <a:t>if</a:t>
+            </a:r>
+            <a:r>
+              <a:rPr lang="es-ES" sz="1200" b="0" dirty="0">
+                <a:solidFill>
+                  <a:srgbClr val="D4D4D4"/>
+                </a:solidFill>
+                <a:effectLst/>
+                <a:latin typeface="JetBrains Mono" panose="02000009000000000000" pitchFamily="49" charset="0"/>
+              </a:rPr>
+              <a:t> (</a:t>
+            </a:r>
+            <a:r>
+              <a:rPr lang="es-ES" sz="1200" b="0" dirty="0" err="1">
+                <a:solidFill>
+                  <a:srgbClr val="9CDCFE"/>
+                </a:solidFill>
+                <a:effectLst/>
+                <a:latin typeface="JetBrains Mono" panose="02000009000000000000" pitchFamily="49" charset="0"/>
+              </a:rPr>
+              <a:t>value</a:t>
+            </a:r>
+            <a:r>
+              <a:rPr lang="es-ES" sz="1200" b="0" dirty="0">
+                <a:solidFill>
+                  <a:srgbClr val="D4D4D4"/>
+                </a:solidFill>
+                <a:effectLst/>
+                <a:latin typeface="JetBrains Mono" panose="02000009000000000000" pitchFamily="49" charset="0"/>
+              </a:rPr>
+              <a:t> === </a:t>
+            </a:r>
+            <a:r>
+              <a:rPr lang="es-ES" sz="1200" b="0" dirty="0" err="1">
+                <a:solidFill>
+                  <a:srgbClr val="569CD6"/>
+                </a:solidFill>
+                <a:effectLst/>
+                <a:latin typeface="JetBrains Mono" panose="02000009000000000000" pitchFamily="49" charset="0"/>
+              </a:rPr>
+              <a:t>null</a:t>
+            </a:r>
+            <a:r>
+              <a:rPr lang="es-ES" sz="1200" b="0" dirty="0">
+                <a:solidFill>
+                  <a:srgbClr val="D4D4D4"/>
+                </a:solidFill>
+                <a:effectLst/>
+                <a:latin typeface="JetBrains Mono" panose="02000009000000000000" pitchFamily="49" charset="0"/>
+              </a:rPr>
+              <a:t> || </a:t>
+            </a:r>
+            <a:r>
+              <a:rPr lang="es-ES" sz="1200" b="0" dirty="0" err="1">
+                <a:solidFill>
+                  <a:srgbClr val="9CDCFE"/>
+                </a:solidFill>
+                <a:effectLst/>
+                <a:latin typeface="JetBrains Mono" panose="02000009000000000000" pitchFamily="49" charset="0"/>
+              </a:rPr>
+              <a:t>value</a:t>
+            </a:r>
+            <a:r>
+              <a:rPr lang="es-ES" sz="1200" b="0" dirty="0">
+                <a:solidFill>
+                  <a:srgbClr val="D4D4D4"/>
+                </a:solidFill>
+                <a:effectLst/>
+                <a:latin typeface="JetBrains Mono" panose="02000009000000000000" pitchFamily="49" charset="0"/>
+              </a:rPr>
+              <a:t> === </a:t>
+            </a:r>
+            <a:r>
+              <a:rPr lang="es-ES" sz="1200" b="0" dirty="0" err="1">
+                <a:solidFill>
+                  <a:srgbClr val="569CD6"/>
+                </a:solidFill>
+                <a:effectLst/>
+                <a:latin typeface="JetBrains Mono" panose="02000009000000000000" pitchFamily="49" charset="0"/>
+              </a:rPr>
+              <a:t>undefined</a:t>
+            </a:r>
+            <a:r>
+              <a:rPr lang="es-ES" sz="1200" b="0" dirty="0">
+                <a:solidFill>
+                  <a:srgbClr val="D4D4D4"/>
+                </a:solidFill>
+                <a:effectLst/>
+                <a:latin typeface="JetBrains Mono" panose="02000009000000000000" pitchFamily="49" charset="0"/>
+              </a:rPr>
+              <a:t>) {</a:t>
+            </a:r>
+          </a:p>
+          <a:p>
+            <a:r>
+              <a:rPr lang="es-ES" sz="1200" b="0" dirty="0">
+                <a:solidFill>
+                  <a:srgbClr val="D4D4D4"/>
+                </a:solidFill>
+                <a:effectLst/>
+                <a:latin typeface="JetBrains Mono" panose="02000009000000000000" pitchFamily="49" charset="0"/>
+              </a:rPr>
+              <a:t>    </a:t>
+            </a:r>
+            <a:r>
+              <a:rPr lang="es-ES" sz="1200" b="0" dirty="0" err="1">
+                <a:solidFill>
+                  <a:srgbClr val="C586C0"/>
+                </a:solidFill>
+                <a:effectLst/>
+                <a:latin typeface="JetBrains Mono" panose="02000009000000000000" pitchFamily="49" charset="0"/>
+              </a:rPr>
+              <a:t>return</a:t>
+            </a:r>
+            <a:r>
+              <a:rPr lang="es-ES" sz="1200" b="0" dirty="0">
+                <a:solidFill>
+                  <a:srgbClr val="D4D4D4"/>
+                </a:solidFill>
+                <a:effectLst/>
+                <a:latin typeface="JetBrains Mono" panose="02000009000000000000" pitchFamily="49" charset="0"/>
+              </a:rPr>
+              <a:t> </a:t>
+            </a:r>
+            <a:r>
+              <a:rPr lang="es-ES" sz="1200" b="0" dirty="0" err="1">
+                <a:solidFill>
+                  <a:srgbClr val="9CDCFE"/>
+                </a:solidFill>
+                <a:effectLst/>
+                <a:latin typeface="JetBrains Mono" panose="02000009000000000000" pitchFamily="49" charset="0"/>
+              </a:rPr>
+              <a:t>value</a:t>
+            </a:r>
+            <a:r>
+              <a:rPr lang="es-ES" sz="1200" b="0" dirty="0">
+                <a:solidFill>
+                  <a:srgbClr val="D4D4D4"/>
+                </a:solidFill>
+                <a:effectLst/>
+                <a:latin typeface="JetBrains Mono" panose="02000009000000000000" pitchFamily="49" charset="0"/>
+              </a:rPr>
+              <a:t>;</a:t>
+            </a:r>
+          </a:p>
+          <a:p>
+            <a:r>
+              <a:rPr lang="es-ES" sz="1200" b="0" dirty="0">
+                <a:solidFill>
+                  <a:srgbClr val="D4D4D4"/>
+                </a:solidFill>
+                <a:effectLst/>
+                <a:latin typeface="JetBrains Mono" panose="02000009000000000000" pitchFamily="49" charset="0"/>
+              </a:rPr>
+              <a:t>  } </a:t>
+            </a:r>
+            <a:r>
+              <a:rPr lang="es-ES" sz="1200" b="0" dirty="0" err="1">
+                <a:solidFill>
+                  <a:srgbClr val="C586C0"/>
+                </a:solidFill>
+                <a:effectLst/>
+                <a:latin typeface="JetBrains Mono" panose="02000009000000000000" pitchFamily="49" charset="0"/>
+              </a:rPr>
+              <a:t>else</a:t>
+            </a:r>
+            <a:r>
+              <a:rPr lang="es-ES" sz="1200" b="0" dirty="0">
+                <a:solidFill>
+                  <a:srgbClr val="D4D4D4"/>
+                </a:solidFill>
+                <a:effectLst/>
+                <a:latin typeface="JetBrains Mono" panose="02000009000000000000" pitchFamily="49" charset="0"/>
+              </a:rPr>
+              <a:t> </a:t>
+            </a:r>
+            <a:r>
+              <a:rPr lang="es-ES" sz="1200" b="0" dirty="0" err="1">
+                <a:solidFill>
+                  <a:srgbClr val="C586C0"/>
+                </a:solidFill>
+                <a:effectLst/>
+                <a:latin typeface="JetBrains Mono" panose="02000009000000000000" pitchFamily="49" charset="0"/>
+              </a:rPr>
+              <a:t>if</a:t>
+            </a:r>
+            <a:r>
+              <a:rPr lang="es-ES" sz="1200" b="0" dirty="0">
+                <a:solidFill>
+                  <a:srgbClr val="D4D4D4"/>
+                </a:solidFill>
+                <a:effectLst/>
+                <a:latin typeface="JetBrains Mono" panose="02000009000000000000" pitchFamily="49" charset="0"/>
+              </a:rPr>
+              <a:t> (</a:t>
+            </a:r>
+            <a:r>
+              <a:rPr lang="es-ES" sz="1200" b="0" dirty="0" err="1">
+                <a:solidFill>
+                  <a:srgbClr val="569CD6"/>
+                </a:solidFill>
+                <a:effectLst/>
+                <a:latin typeface="JetBrains Mono" panose="02000009000000000000" pitchFamily="49" charset="0"/>
+              </a:rPr>
+              <a:t>typeof</a:t>
+            </a:r>
+            <a:r>
+              <a:rPr lang="es-ES" sz="1200" b="0" dirty="0">
+                <a:solidFill>
+                  <a:srgbClr val="D4D4D4"/>
+                </a:solidFill>
+                <a:effectLst/>
+                <a:latin typeface="JetBrains Mono" panose="02000009000000000000" pitchFamily="49" charset="0"/>
+              </a:rPr>
+              <a:t> </a:t>
+            </a:r>
+            <a:r>
+              <a:rPr lang="es-ES" sz="1200" b="0" dirty="0" err="1">
+                <a:solidFill>
+                  <a:srgbClr val="9CDCFE"/>
+                </a:solidFill>
+                <a:effectLst/>
+                <a:latin typeface="JetBrains Mono" panose="02000009000000000000" pitchFamily="49" charset="0"/>
+              </a:rPr>
+              <a:t>value</a:t>
+            </a:r>
+            <a:r>
+              <a:rPr lang="es-ES" sz="1200" b="0" dirty="0">
+                <a:solidFill>
+                  <a:srgbClr val="D4D4D4"/>
+                </a:solidFill>
+                <a:effectLst/>
+                <a:latin typeface="JetBrains Mono" panose="02000009000000000000" pitchFamily="49" charset="0"/>
+              </a:rPr>
+              <a:t> === </a:t>
+            </a:r>
+            <a:r>
+              <a:rPr lang="es-ES" sz="1200" b="0" dirty="0">
+                <a:solidFill>
+                  <a:srgbClr val="CE9178"/>
+                </a:solidFill>
+                <a:effectLst/>
+                <a:latin typeface="JetBrains Mono" panose="02000009000000000000" pitchFamily="49" charset="0"/>
+              </a:rPr>
+              <a:t>"</a:t>
+            </a:r>
+            <a:r>
+              <a:rPr lang="es-ES" sz="1200" b="0" dirty="0" err="1">
+                <a:solidFill>
+                  <a:srgbClr val="CE9178"/>
+                </a:solidFill>
+                <a:effectLst/>
+                <a:latin typeface="JetBrains Mono" panose="02000009000000000000" pitchFamily="49" charset="0"/>
+              </a:rPr>
+              <a:t>object</a:t>
+            </a:r>
+            <a:r>
+              <a:rPr lang="es-ES" sz="1200" b="0" dirty="0">
+                <a:solidFill>
+                  <a:srgbClr val="CE9178"/>
+                </a:solidFill>
+                <a:effectLst/>
+                <a:latin typeface="JetBrains Mono" panose="02000009000000000000" pitchFamily="49" charset="0"/>
+              </a:rPr>
+              <a:t>"</a:t>
+            </a:r>
+            <a:r>
+              <a:rPr lang="es-ES" sz="1200" b="0" dirty="0">
+                <a:solidFill>
+                  <a:srgbClr val="D4D4D4"/>
+                </a:solidFill>
+                <a:effectLst/>
+                <a:latin typeface="JetBrains Mono" panose="02000009000000000000" pitchFamily="49" charset="0"/>
+              </a:rPr>
+              <a:t>) {</a:t>
+            </a:r>
+          </a:p>
+          <a:p>
+            <a:r>
+              <a:rPr lang="es-ES" sz="1200" b="0" dirty="0">
+                <a:solidFill>
+                  <a:srgbClr val="D4D4D4"/>
+                </a:solidFill>
+                <a:effectLst/>
+                <a:latin typeface="JetBrains Mono" panose="02000009000000000000" pitchFamily="49" charset="0"/>
+              </a:rPr>
+              <a:t>    </a:t>
+            </a:r>
+            <a:r>
+              <a:rPr lang="es-ES" sz="1200" b="0" dirty="0" err="1">
+                <a:solidFill>
+                  <a:srgbClr val="C586C0"/>
+                </a:solidFill>
+                <a:effectLst/>
+                <a:latin typeface="JetBrains Mono" panose="02000009000000000000" pitchFamily="49" charset="0"/>
+              </a:rPr>
+              <a:t>return</a:t>
+            </a:r>
+            <a:r>
+              <a:rPr lang="es-ES" sz="1200" b="0" dirty="0">
+                <a:solidFill>
+                  <a:srgbClr val="D4D4D4"/>
+                </a:solidFill>
+                <a:effectLst/>
+                <a:latin typeface="JetBrains Mono" panose="02000009000000000000" pitchFamily="49" charset="0"/>
+              </a:rPr>
+              <a:t> </a:t>
+            </a:r>
+            <a:r>
+              <a:rPr lang="es-ES" sz="1200" b="0" dirty="0" err="1">
+                <a:solidFill>
+                  <a:srgbClr val="DCDCAA"/>
+                </a:solidFill>
+                <a:effectLst/>
+                <a:latin typeface="JetBrains Mono" panose="02000009000000000000" pitchFamily="49" charset="0"/>
+              </a:rPr>
+              <a:t>serializeObject</a:t>
+            </a:r>
+            <a:r>
+              <a:rPr lang="es-ES" sz="1200" b="0" dirty="0">
+                <a:solidFill>
+                  <a:srgbClr val="D4D4D4"/>
+                </a:solidFill>
+                <a:effectLst/>
+                <a:latin typeface="JetBrains Mono" panose="02000009000000000000" pitchFamily="49" charset="0"/>
+              </a:rPr>
+              <a:t>(</a:t>
+            </a:r>
+            <a:r>
+              <a:rPr lang="es-ES" sz="1200" b="0" dirty="0" err="1">
+                <a:solidFill>
+                  <a:srgbClr val="9CDCFE"/>
+                </a:solidFill>
+                <a:effectLst/>
+                <a:latin typeface="JetBrains Mono" panose="02000009000000000000" pitchFamily="49" charset="0"/>
+              </a:rPr>
+              <a:t>value</a:t>
+            </a:r>
+            <a:r>
+              <a:rPr lang="es-ES" sz="1200" b="0" dirty="0">
+                <a:solidFill>
+                  <a:srgbClr val="D4D4D4"/>
+                </a:solidFill>
+                <a:effectLst/>
+                <a:latin typeface="JetBrains Mono" panose="02000009000000000000" pitchFamily="49" charset="0"/>
+              </a:rPr>
+              <a:t>);</a:t>
+            </a:r>
+          </a:p>
+          <a:p>
+            <a:r>
+              <a:rPr lang="es-ES" sz="1200" b="0" dirty="0">
+                <a:solidFill>
+                  <a:srgbClr val="D4D4D4"/>
+                </a:solidFill>
+                <a:effectLst/>
+                <a:latin typeface="JetBrains Mono" panose="02000009000000000000" pitchFamily="49" charset="0"/>
+              </a:rPr>
+              <a:t>  } </a:t>
+            </a:r>
+            <a:r>
+              <a:rPr lang="es-ES" sz="1200" b="0" dirty="0" err="1">
+                <a:solidFill>
+                  <a:srgbClr val="C586C0"/>
+                </a:solidFill>
+                <a:effectLst/>
+                <a:latin typeface="JetBrains Mono" panose="02000009000000000000" pitchFamily="49" charset="0"/>
+              </a:rPr>
+              <a:t>else</a:t>
+            </a:r>
+            <a:r>
+              <a:rPr lang="es-ES" sz="1200" b="0" dirty="0">
+                <a:solidFill>
+                  <a:srgbClr val="D4D4D4"/>
+                </a:solidFill>
+                <a:effectLst/>
+                <a:latin typeface="JetBrains Mono" panose="02000009000000000000" pitchFamily="49" charset="0"/>
+              </a:rPr>
+              <a:t> </a:t>
+            </a:r>
+            <a:r>
+              <a:rPr lang="es-ES" sz="1200" b="0" dirty="0" err="1">
+                <a:solidFill>
+                  <a:srgbClr val="C586C0"/>
+                </a:solidFill>
+                <a:effectLst/>
+                <a:latin typeface="JetBrains Mono" panose="02000009000000000000" pitchFamily="49" charset="0"/>
+              </a:rPr>
+              <a:t>if</a:t>
+            </a:r>
+            <a:r>
+              <a:rPr lang="es-ES" sz="1200" b="0" dirty="0">
+                <a:solidFill>
+                  <a:srgbClr val="D4D4D4"/>
+                </a:solidFill>
+                <a:effectLst/>
+                <a:latin typeface="JetBrains Mono" panose="02000009000000000000" pitchFamily="49" charset="0"/>
+              </a:rPr>
+              <a:t> (</a:t>
+            </a:r>
+            <a:r>
+              <a:rPr lang="es-ES" sz="1200" b="0" dirty="0" err="1">
+                <a:solidFill>
+                  <a:srgbClr val="569CD6"/>
+                </a:solidFill>
+                <a:effectLst/>
+                <a:latin typeface="JetBrains Mono" panose="02000009000000000000" pitchFamily="49" charset="0"/>
+              </a:rPr>
+              <a:t>typeof</a:t>
+            </a:r>
+            <a:r>
+              <a:rPr lang="es-ES" sz="1200" b="0" dirty="0">
+                <a:solidFill>
+                  <a:srgbClr val="D4D4D4"/>
+                </a:solidFill>
+                <a:effectLst/>
+                <a:latin typeface="JetBrains Mono" panose="02000009000000000000" pitchFamily="49" charset="0"/>
+              </a:rPr>
+              <a:t> </a:t>
+            </a:r>
+            <a:r>
+              <a:rPr lang="es-ES" sz="1200" b="0" dirty="0" err="1">
+                <a:solidFill>
+                  <a:srgbClr val="9CDCFE"/>
+                </a:solidFill>
+                <a:effectLst/>
+                <a:latin typeface="JetBrains Mono" panose="02000009000000000000" pitchFamily="49" charset="0"/>
+              </a:rPr>
+              <a:t>value</a:t>
+            </a:r>
+            <a:r>
+              <a:rPr lang="es-ES" sz="1200" b="0" dirty="0">
+                <a:solidFill>
+                  <a:srgbClr val="D4D4D4"/>
+                </a:solidFill>
+                <a:effectLst/>
+                <a:latin typeface="JetBrains Mono" panose="02000009000000000000" pitchFamily="49" charset="0"/>
+              </a:rPr>
+              <a:t> === </a:t>
+            </a:r>
+            <a:r>
+              <a:rPr lang="es-ES" sz="1200" b="0" dirty="0">
+                <a:solidFill>
+                  <a:srgbClr val="CE9178"/>
+                </a:solidFill>
+                <a:effectLst/>
+                <a:latin typeface="JetBrains Mono" panose="02000009000000000000" pitchFamily="49" charset="0"/>
+              </a:rPr>
+              <a:t>"</a:t>
+            </a:r>
+            <a:r>
+              <a:rPr lang="es-ES" sz="1200" b="0" dirty="0" err="1">
+                <a:solidFill>
+                  <a:srgbClr val="CE9178"/>
+                </a:solidFill>
+                <a:effectLst/>
+                <a:latin typeface="JetBrains Mono" panose="02000009000000000000" pitchFamily="49" charset="0"/>
+              </a:rPr>
+              <a:t>number</a:t>
+            </a:r>
+            <a:r>
+              <a:rPr lang="es-ES" sz="1200" b="0" dirty="0">
+                <a:solidFill>
+                  <a:srgbClr val="CE9178"/>
+                </a:solidFill>
+                <a:effectLst/>
+                <a:latin typeface="JetBrains Mono" panose="02000009000000000000" pitchFamily="49" charset="0"/>
+              </a:rPr>
+              <a:t>"</a:t>
+            </a:r>
+            <a:r>
+              <a:rPr lang="es-ES" sz="1200" b="0" dirty="0">
+                <a:solidFill>
+                  <a:srgbClr val="D4D4D4"/>
+                </a:solidFill>
+                <a:effectLst/>
+                <a:latin typeface="JetBrains Mono" panose="02000009000000000000" pitchFamily="49" charset="0"/>
+              </a:rPr>
+              <a:t>) {</a:t>
+            </a:r>
+          </a:p>
+          <a:p>
+            <a:r>
+              <a:rPr lang="es-ES" sz="1200" b="0" dirty="0">
+                <a:solidFill>
+                  <a:srgbClr val="D4D4D4"/>
+                </a:solidFill>
+                <a:effectLst/>
+                <a:latin typeface="JetBrains Mono" panose="02000009000000000000" pitchFamily="49" charset="0"/>
+              </a:rPr>
+              <a:t>    </a:t>
+            </a:r>
+            <a:r>
+              <a:rPr lang="es-ES" sz="1200" b="0" dirty="0" err="1">
+                <a:solidFill>
+                  <a:srgbClr val="C586C0"/>
+                </a:solidFill>
+                <a:effectLst/>
+                <a:latin typeface="JetBrains Mono" panose="02000009000000000000" pitchFamily="49" charset="0"/>
+              </a:rPr>
+              <a:t>return</a:t>
+            </a:r>
+            <a:r>
+              <a:rPr lang="es-ES" sz="1200" b="0" dirty="0">
+                <a:solidFill>
+                  <a:srgbClr val="D4D4D4"/>
+                </a:solidFill>
+                <a:effectLst/>
+                <a:latin typeface="JetBrains Mono" panose="02000009000000000000" pitchFamily="49" charset="0"/>
+              </a:rPr>
+              <a:t> </a:t>
+            </a:r>
+            <a:r>
+              <a:rPr lang="es-ES" sz="1200" b="0" dirty="0" err="1">
+                <a:solidFill>
+                  <a:srgbClr val="9CDCFE"/>
+                </a:solidFill>
+                <a:effectLst/>
+                <a:latin typeface="JetBrains Mono" panose="02000009000000000000" pitchFamily="49" charset="0"/>
+              </a:rPr>
+              <a:t>value</a:t>
+            </a:r>
+            <a:r>
+              <a:rPr lang="es-ES" sz="1200" b="0" dirty="0">
+                <a:solidFill>
+                  <a:srgbClr val="D4D4D4"/>
+                </a:solidFill>
+                <a:effectLst/>
+                <a:latin typeface="JetBrains Mono" panose="02000009000000000000" pitchFamily="49" charset="0"/>
+              </a:rPr>
+              <a:t>;</a:t>
+            </a:r>
+          </a:p>
+          <a:p>
+            <a:r>
+              <a:rPr lang="es-ES" sz="1200" b="0" dirty="0">
+                <a:solidFill>
+                  <a:srgbClr val="D4D4D4"/>
+                </a:solidFill>
+                <a:effectLst/>
+                <a:latin typeface="JetBrains Mono" panose="02000009000000000000" pitchFamily="49" charset="0"/>
+              </a:rPr>
+              <a:t>  } </a:t>
+            </a:r>
+            <a:r>
+              <a:rPr lang="es-ES" sz="1200" b="0" dirty="0" err="1">
+                <a:solidFill>
+                  <a:srgbClr val="C586C0"/>
+                </a:solidFill>
+                <a:effectLst/>
+                <a:latin typeface="JetBrains Mono" panose="02000009000000000000" pitchFamily="49" charset="0"/>
+              </a:rPr>
+              <a:t>else</a:t>
+            </a:r>
+            <a:r>
+              <a:rPr lang="es-ES" sz="1200" b="0" dirty="0">
+                <a:solidFill>
+                  <a:srgbClr val="D4D4D4"/>
+                </a:solidFill>
+                <a:effectLst/>
+                <a:latin typeface="JetBrains Mono" panose="02000009000000000000" pitchFamily="49" charset="0"/>
+              </a:rPr>
+              <a:t> </a:t>
+            </a:r>
+            <a:r>
+              <a:rPr lang="es-ES" sz="1200" b="0" dirty="0" err="1">
+                <a:solidFill>
+                  <a:srgbClr val="C586C0"/>
+                </a:solidFill>
+                <a:effectLst/>
+                <a:latin typeface="JetBrains Mono" panose="02000009000000000000" pitchFamily="49" charset="0"/>
+              </a:rPr>
+              <a:t>if</a:t>
+            </a:r>
+            <a:r>
+              <a:rPr lang="es-ES" sz="1200" b="0" dirty="0">
+                <a:solidFill>
+                  <a:srgbClr val="D4D4D4"/>
+                </a:solidFill>
+                <a:effectLst/>
+                <a:latin typeface="JetBrains Mono" panose="02000009000000000000" pitchFamily="49" charset="0"/>
+              </a:rPr>
+              <a:t> (</a:t>
+            </a:r>
+            <a:r>
+              <a:rPr lang="es-ES" sz="1200" b="0" dirty="0" err="1">
+                <a:solidFill>
+                  <a:srgbClr val="9CDCFE"/>
+                </a:solidFill>
+                <a:effectLst/>
+                <a:latin typeface="JetBrains Mono" panose="02000009000000000000" pitchFamily="49" charset="0"/>
+              </a:rPr>
+              <a:t>value</a:t>
+            </a:r>
+            <a:r>
+              <a:rPr lang="es-ES" sz="1200" b="0" dirty="0">
+                <a:solidFill>
+                  <a:srgbClr val="D4D4D4"/>
+                </a:solidFill>
+                <a:effectLst/>
+                <a:latin typeface="JetBrains Mono" panose="02000009000000000000" pitchFamily="49" charset="0"/>
+              </a:rPr>
+              <a:t> </a:t>
+            </a:r>
+            <a:r>
+              <a:rPr lang="es-ES" sz="1200" b="0" dirty="0" err="1">
+                <a:solidFill>
+                  <a:srgbClr val="569CD6"/>
+                </a:solidFill>
+                <a:effectLst/>
+                <a:latin typeface="JetBrains Mono" panose="02000009000000000000" pitchFamily="49" charset="0"/>
+              </a:rPr>
+              <a:t>instanceof</a:t>
+            </a:r>
+            <a:r>
+              <a:rPr lang="es-ES" sz="1200" b="0" dirty="0">
+                <a:solidFill>
+                  <a:srgbClr val="D4D4D4"/>
+                </a:solidFill>
+                <a:effectLst/>
+                <a:latin typeface="JetBrains Mono" panose="02000009000000000000" pitchFamily="49" charset="0"/>
+              </a:rPr>
+              <a:t> </a:t>
+            </a:r>
+            <a:r>
+              <a:rPr lang="es-ES" sz="1200" b="0" dirty="0">
+                <a:solidFill>
+                  <a:srgbClr val="4EC9B0"/>
+                </a:solidFill>
+                <a:effectLst/>
+                <a:latin typeface="JetBrains Mono" panose="02000009000000000000" pitchFamily="49" charset="0"/>
+              </a:rPr>
+              <a:t>Set</a:t>
+            </a:r>
+            <a:r>
+              <a:rPr lang="es-ES" sz="1200" b="0" dirty="0">
+                <a:solidFill>
+                  <a:srgbClr val="D4D4D4"/>
+                </a:solidFill>
+                <a:effectLst/>
+                <a:latin typeface="JetBrains Mono" panose="02000009000000000000" pitchFamily="49" charset="0"/>
+              </a:rPr>
+              <a:t>) {</a:t>
+            </a:r>
+          </a:p>
+          <a:p>
+            <a:r>
+              <a:rPr lang="es-ES" sz="1200" b="0" dirty="0">
+                <a:solidFill>
+                  <a:srgbClr val="D4D4D4"/>
+                </a:solidFill>
+                <a:effectLst/>
+                <a:latin typeface="JetBrains Mono" panose="02000009000000000000" pitchFamily="49" charset="0"/>
+              </a:rPr>
+              <a:t>    </a:t>
+            </a:r>
+            <a:r>
+              <a:rPr lang="es-ES" sz="1200" b="0" dirty="0" err="1">
+                <a:solidFill>
+                  <a:srgbClr val="C586C0"/>
+                </a:solidFill>
+                <a:effectLst/>
+                <a:latin typeface="JetBrains Mono" panose="02000009000000000000" pitchFamily="49" charset="0"/>
+              </a:rPr>
+              <a:t>return</a:t>
+            </a:r>
+            <a:r>
+              <a:rPr lang="es-ES" sz="1200" b="0" dirty="0">
+                <a:solidFill>
+                  <a:srgbClr val="D4D4D4"/>
+                </a:solidFill>
+                <a:effectLst/>
+                <a:latin typeface="JetBrains Mono" panose="02000009000000000000" pitchFamily="49" charset="0"/>
+              </a:rPr>
+              <a:t> </a:t>
+            </a:r>
+            <a:r>
+              <a:rPr lang="es-ES" sz="1200" b="0" dirty="0" err="1">
+                <a:solidFill>
+                  <a:srgbClr val="4EC9B0"/>
+                </a:solidFill>
+                <a:effectLst/>
+                <a:latin typeface="JetBrains Mono" panose="02000009000000000000" pitchFamily="49" charset="0"/>
+              </a:rPr>
+              <a:t>Array</a:t>
+            </a:r>
+            <a:r>
+              <a:rPr lang="es-ES" sz="1200" b="0" dirty="0" err="1">
+                <a:solidFill>
+                  <a:srgbClr val="D4D4D4"/>
+                </a:solidFill>
+                <a:effectLst/>
+                <a:latin typeface="JetBrains Mono" panose="02000009000000000000" pitchFamily="49" charset="0"/>
+              </a:rPr>
+              <a:t>.</a:t>
+            </a:r>
+            <a:r>
+              <a:rPr lang="es-ES" sz="1200" b="0" dirty="0" err="1">
+                <a:solidFill>
+                  <a:srgbClr val="DCDCAA"/>
+                </a:solidFill>
+                <a:effectLst/>
+                <a:latin typeface="JetBrains Mono" panose="02000009000000000000" pitchFamily="49" charset="0"/>
+              </a:rPr>
+              <a:t>from</a:t>
+            </a:r>
+            <a:r>
+              <a:rPr lang="es-ES" sz="1200" b="0" dirty="0">
+                <a:solidFill>
+                  <a:srgbClr val="D4D4D4"/>
+                </a:solidFill>
+                <a:effectLst/>
+                <a:latin typeface="JetBrains Mono" panose="02000009000000000000" pitchFamily="49" charset="0"/>
+              </a:rPr>
+              <a:t>(</a:t>
+            </a:r>
+            <a:r>
+              <a:rPr lang="es-ES" sz="1200" b="0" dirty="0" err="1">
+                <a:solidFill>
+                  <a:srgbClr val="9CDCFE"/>
+                </a:solidFill>
+                <a:effectLst/>
+                <a:latin typeface="JetBrains Mono" panose="02000009000000000000" pitchFamily="49" charset="0"/>
+              </a:rPr>
+              <a:t>value</a:t>
+            </a:r>
+            <a:r>
+              <a:rPr lang="es-ES" sz="1200" b="0" dirty="0" err="1">
+                <a:solidFill>
+                  <a:srgbClr val="D4D4D4"/>
+                </a:solidFill>
+                <a:effectLst/>
+                <a:latin typeface="JetBrains Mono" panose="02000009000000000000" pitchFamily="49" charset="0"/>
+              </a:rPr>
+              <a:t>.</a:t>
+            </a:r>
+            <a:r>
+              <a:rPr lang="es-ES" sz="1200" b="0" dirty="0" err="1">
+                <a:solidFill>
+                  <a:srgbClr val="DCDCAA"/>
+                </a:solidFill>
+                <a:effectLst/>
+                <a:latin typeface="JetBrains Mono" panose="02000009000000000000" pitchFamily="49" charset="0"/>
+              </a:rPr>
+              <a:t>values</a:t>
+            </a:r>
+            <a:r>
+              <a:rPr lang="es-ES" sz="1200" b="0" dirty="0">
+                <a:solidFill>
+                  <a:srgbClr val="D4D4D4"/>
+                </a:solidFill>
+                <a:effectLst/>
+                <a:latin typeface="JetBrains Mono" panose="02000009000000000000" pitchFamily="49" charset="0"/>
+              </a:rPr>
+              <a:t>()).</a:t>
+            </a:r>
+            <a:r>
+              <a:rPr lang="es-ES" sz="1200" b="0" dirty="0" err="1">
+                <a:solidFill>
+                  <a:srgbClr val="DCDCAA"/>
+                </a:solidFill>
+                <a:effectLst/>
+                <a:latin typeface="JetBrains Mono" panose="02000009000000000000" pitchFamily="49" charset="0"/>
+              </a:rPr>
+              <a:t>map</a:t>
+            </a:r>
+            <a:r>
+              <a:rPr lang="es-ES" sz="1200" b="0" dirty="0">
+                <a:solidFill>
+                  <a:srgbClr val="D4D4D4"/>
+                </a:solidFill>
+                <a:effectLst/>
+                <a:latin typeface="JetBrains Mono" panose="02000009000000000000" pitchFamily="49" charset="0"/>
+              </a:rPr>
+              <a:t>(</a:t>
+            </a:r>
+            <a:r>
+              <a:rPr lang="es-ES" sz="1200" b="0" dirty="0" err="1">
+                <a:solidFill>
+                  <a:srgbClr val="DCDCAA"/>
+                </a:solidFill>
+                <a:effectLst/>
+                <a:latin typeface="JetBrains Mono" panose="02000009000000000000" pitchFamily="49" charset="0"/>
+              </a:rPr>
+              <a:t>serializeValue</a:t>
+            </a:r>
+            <a:r>
+              <a:rPr lang="es-ES" sz="1200" b="0" dirty="0">
+                <a:solidFill>
+                  <a:srgbClr val="D4D4D4"/>
+                </a:solidFill>
+                <a:effectLst/>
+                <a:latin typeface="JetBrains Mono" panose="02000009000000000000" pitchFamily="49" charset="0"/>
+              </a:rPr>
+              <a:t>);</a:t>
+            </a:r>
+          </a:p>
+          <a:p>
+            <a:r>
+              <a:rPr lang="es-ES" sz="1200" b="0" dirty="0">
+                <a:solidFill>
+                  <a:srgbClr val="D4D4D4"/>
+                </a:solidFill>
+                <a:effectLst/>
+                <a:latin typeface="JetBrains Mono" panose="02000009000000000000" pitchFamily="49" charset="0"/>
+              </a:rPr>
+              <a:t>  } </a:t>
+            </a:r>
+            <a:r>
+              <a:rPr lang="es-ES" sz="1200" b="0" dirty="0" err="1">
+                <a:solidFill>
+                  <a:srgbClr val="C586C0"/>
+                </a:solidFill>
+                <a:effectLst/>
+                <a:latin typeface="JetBrains Mono" panose="02000009000000000000" pitchFamily="49" charset="0"/>
+              </a:rPr>
+              <a:t>else</a:t>
+            </a:r>
+            <a:r>
+              <a:rPr lang="es-ES" sz="1200" b="0" dirty="0">
+                <a:solidFill>
+                  <a:srgbClr val="D4D4D4"/>
+                </a:solidFill>
+                <a:effectLst/>
+                <a:latin typeface="JetBrains Mono" panose="02000009000000000000" pitchFamily="49" charset="0"/>
+              </a:rPr>
+              <a:t> </a:t>
+            </a:r>
+            <a:r>
+              <a:rPr lang="es-ES" sz="1200" b="0" dirty="0" err="1">
+                <a:solidFill>
+                  <a:srgbClr val="C586C0"/>
+                </a:solidFill>
+                <a:effectLst/>
+                <a:latin typeface="JetBrains Mono" panose="02000009000000000000" pitchFamily="49" charset="0"/>
+              </a:rPr>
+              <a:t>if</a:t>
+            </a:r>
+            <a:r>
+              <a:rPr lang="es-ES" sz="1200" b="0" dirty="0">
+                <a:solidFill>
+                  <a:srgbClr val="D4D4D4"/>
+                </a:solidFill>
+                <a:effectLst/>
+                <a:latin typeface="JetBrains Mono" panose="02000009000000000000" pitchFamily="49" charset="0"/>
+              </a:rPr>
+              <a:t> (</a:t>
+            </a:r>
+            <a:r>
+              <a:rPr lang="es-ES" sz="1200" b="0" dirty="0" err="1">
+                <a:solidFill>
+                  <a:srgbClr val="9CDCFE"/>
+                </a:solidFill>
+                <a:effectLst/>
+                <a:latin typeface="JetBrains Mono" panose="02000009000000000000" pitchFamily="49" charset="0"/>
+              </a:rPr>
+              <a:t>value</a:t>
+            </a:r>
+            <a:r>
+              <a:rPr lang="es-ES" sz="1200" b="0" dirty="0">
+                <a:solidFill>
+                  <a:srgbClr val="D4D4D4"/>
+                </a:solidFill>
+                <a:effectLst/>
+                <a:latin typeface="JetBrains Mono" panose="02000009000000000000" pitchFamily="49" charset="0"/>
+              </a:rPr>
+              <a:t> </a:t>
+            </a:r>
+            <a:r>
+              <a:rPr lang="es-ES" sz="1200" b="0" dirty="0" err="1">
+                <a:solidFill>
+                  <a:srgbClr val="569CD6"/>
+                </a:solidFill>
+                <a:effectLst/>
+                <a:latin typeface="JetBrains Mono" panose="02000009000000000000" pitchFamily="49" charset="0"/>
+              </a:rPr>
+              <a:t>instanceof</a:t>
+            </a:r>
+            <a:r>
+              <a:rPr lang="es-ES" sz="1200" b="0" dirty="0">
+                <a:solidFill>
+                  <a:srgbClr val="D4D4D4"/>
+                </a:solidFill>
+                <a:effectLst/>
+                <a:latin typeface="JetBrains Mono" panose="02000009000000000000" pitchFamily="49" charset="0"/>
+              </a:rPr>
+              <a:t> </a:t>
+            </a:r>
+            <a:r>
+              <a:rPr lang="es-ES" sz="1200" b="0" dirty="0" err="1">
+                <a:solidFill>
+                  <a:srgbClr val="4EC9B0"/>
+                </a:solidFill>
+                <a:effectLst/>
+                <a:latin typeface="JetBrains Mono" panose="02000009000000000000" pitchFamily="49" charset="0"/>
+              </a:rPr>
+              <a:t>Map</a:t>
+            </a:r>
+            <a:r>
+              <a:rPr lang="es-ES" sz="1200" b="0" dirty="0">
+                <a:solidFill>
+                  <a:srgbClr val="D4D4D4"/>
+                </a:solidFill>
+                <a:effectLst/>
+                <a:latin typeface="JetBrains Mono" panose="02000009000000000000" pitchFamily="49" charset="0"/>
+              </a:rPr>
+              <a:t>) {</a:t>
+            </a:r>
+          </a:p>
+          <a:p>
+            <a:r>
+              <a:rPr lang="es-ES" sz="1200" b="0" dirty="0">
+                <a:solidFill>
+                  <a:srgbClr val="D4D4D4"/>
+                </a:solidFill>
+                <a:effectLst/>
+                <a:latin typeface="JetBrains Mono" panose="02000009000000000000" pitchFamily="49" charset="0"/>
+              </a:rPr>
+              <a:t>    </a:t>
+            </a:r>
+            <a:r>
+              <a:rPr lang="es-ES" sz="1200" b="0" dirty="0" err="1">
+                <a:solidFill>
+                  <a:srgbClr val="C586C0"/>
+                </a:solidFill>
+                <a:effectLst/>
+                <a:latin typeface="JetBrains Mono" panose="02000009000000000000" pitchFamily="49" charset="0"/>
+              </a:rPr>
+              <a:t>return</a:t>
+            </a:r>
+            <a:r>
+              <a:rPr lang="es-ES" sz="1200" b="0" dirty="0">
+                <a:solidFill>
+                  <a:srgbClr val="D4D4D4"/>
+                </a:solidFill>
+                <a:effectLst/>
+                <a:latin typeface="JetBrains Mono" panose="02000009000000000000" pitchFamily="49" charset="0"/>
+              </a:rPr>
+              <a:t> </a:t>
+            </a:r>
+            <a:r>
+              <a:rPr lang="es-ES" sz="1200" b="0" dirty="0" err="1">
+                <a:solidFill>
+                  <a:srgbClr val="4EC9B0"/>
+                </a:solidFill>
+                <a:effectLst/>
+                <a:latin typeface="JetBrains Mono" panose="02000009000000000000" pitchFamily="49" charset="0"/>
+              </a:rPr>
+              <a:t>Array</a:t>
+            </a:r>
+            <a:r>
+              <a:rPr lang="es-ES" sz="1200" b="0" dirty="0" err="1">
+                <a:solidFill>
+                  <a:srgbClr val="D4D4D4"/>
+                </a:solidFill>
+                <a:effectLst/>
+                <a:latin typeface="JetBrains Mono" panose="02000009000000000000" pitchFamily="49" charset="0"/>
+              </a:rPr>
+              <a:t>.</a:t>
+            </a:r>
+            <a:r>
+              <a:rPr lang="es-ES" sz="1200" b="0" dirty="0" err="1">
+                <a:solidFill>
+                  <a:srgbClr val="DCDCAA"/>
+                </a:solidFill>
+                <a:effectLst/>
+                <a:latin typeface="JetBrains Mono" panose="02000009000000000000" pitchFamily="49" charset="0"/>
+              </a:rPr>
+              <a:t>from</a:t>
+            </a:r>
+            <a:r>
+              <a:rPr lang="es-ES" sz="1200" b="0" dirty="0">
+                <a:solidFill>
+                  <a:srgbClr val="D4D4D4"/>
+                </a:solidFill>
+                <a:effectLst/>
+                <a:latin typeface="JetBrains Mono" panose="02000009000000000000" pitchFamily="49" charset="0"/>
+              </a:rPr>
+              <a:t>(</a:t>
+            </a:r>
+            <a:r>
+              <a:rPr lang="es-ES" sz="1200" b="0" dirty="0" err="1">
+                <a:solidFill>
+                  <a:srgbClr val="9CDCFE"/>
+                </a:solidFill>
+                <a:effectLst/>
+                <a:latin typeface="JetBrains Mono" panose="02000009000000000000" pitchFamily="49" charset="0"/>
+              </a:rPr>
+              <a:t>value</a:t>
+            </a:r>
+            <a:r>
+              <a:rPr lang="es-ES" sz="1200" b="0" dirty="0" err="1">
+                <a:solidFill>
+                  <a:srgbClr val="D4D4D4"/>
+                </a:solidFill>
+                <a:effectLst/>
+                <a:latin typeface="JetBrains Mono" panose="02000009000000000000" pitchFamily="49" charset="0"/>
+              </a:rPr>
+              <a:t>.</a:t>
+            </a:r>
+            <a:r>
+              <a:rPr lang="es-ES" sz="1200" b="0" dirty="0" err="1">
+                <a:solidFill>
+                  <a:srgbClr val="DCDCAA"/>
+                </a:solidFill>
+                <a:effectLst/>
+                <a:latin typeface="JetBrains Mono" panose="02000009000000000000" pitchFamily="49" charset="0"/>
+              </a:rPr>
+              <a:t>entries</a:t>
+            </a:r>
+            <a:r>
+              <a:rPr lang="es-ES" sz="1200" b="0" dirty="0">
+                <a:solidFill>
+                  <a:srgbClr val="D4D4D4"/>
+                </a:solidFill>
+                <a:effectLst/>
+                <a:latin typeface="JetBrains Mono" panose="02000009000000000000" pitchFamily="49" charset="0"/>
+              </a:rPr>
+              <a:t>()).</a:t>
+            </a:r>
+            <a:r>
+              <a:rPr lang="es-ES" sz="1200" b="0" dirty="0" err="1">
+                <a:solidFill>
+                  <a:srgbClr val="DCDCAA"/>
+                </a:solidFill>
+                <a:effectLst/>
+                <a:latin typeface="JetBrains Mono" panose="02000009000000000000" pitchFamily="49" charset="0"/>
+              </a:rPr>
+              <a:t>map</a:t>
+            </a:r>
+            <a:r>
+              <a:rPr lang="es-ES" sz="1200" b="0" dirty="0">
+                <a:solidFill>
+                  <a:srgbClr val="D4D4D4"/>
+                </a:solidFill>
+                <a:effectLst/>
+                <a:latin typeface="JetBrains Mono" panose="02000009000000000000" pitchFamily="49" charset="0"/>
+              </a:rPr>
+              <a:t>(([</a:t>
+            </a:r>
+            <a:r>
+              <a:rPr lang="es-ES" sz="1200" b="0" dirty="0" err="1">
+                <a:solidFill>
+                  <a:srgbClr val="9CDCFE"/>
+                </a:solidFill>
+                <a:effectLst/>
+                <a:latin typeface="JetBrains Mono" panose="02000009000000000000" pitchFamily="49" charset="0"/>
+              </a:rPr>
+              <a:t>key</a:t>
+            </a:r>
+            <a:r>
+              <a:rPr lang="es-ES" sz="1200" b="0" dirty="0">
+                <a:solidFill>
+                  <a:srgbClr val="D4D4D4"/>
+                </a:solidFill>
+                <a:effectLst/>
+                <a:latin typeface="JetBrains Mono" panose="02000009000000000000" pitchFamily="49" charset="0"/>
+              </a:rPr>
+              <a:t>, </a:t>
+            </a:r>
+            <a:r>
+              <a:rPr lang="es-ES" sz="1200" b="0" dirty="0" err="1">
+                <a:solidFill>
+                  <a:srgbClr val="9CDCFE"/>
+                </a:solidFill>
+                <a:effectLst/>
+                <a:latin typeface="JetBrains Mono" panose="02000009000000000000" pitchFamily="49" charset="0"/>
+              </a:rPr>
+              <a:t>value</a:t>
+            </a:r>
+            <a:r>
+              <a:rPr lang="es-ES" sz="1200" b="0" dirty="0">
+                <a:solidFill>
+                  <a:srgbClr val="D4D4D4"/>
+                </a:solidFill>
+                <a:effectLst/>
+                <a:latin typeface="JetBrains Mono" panose="02000009000000000000" pitchFamily="49" charset="0"/>
+              </a:rPr>
+              <a:t>]) </a:t>
+            </a:r>
+            <a:r>
+              <a:rPr lang="es-ES" sz="1200" b="0" dirty="0">
+                <a:solidFill>
+                  <a:srgbClr val="569CD6"/>
+                </a:solidFill>
+                <a:effectLst/>
+                <a:latin typeface="JetBrains Mono" panose="02000009000000000000" pitchFamily="49" charset="0"/>
+              </a:rPr>
+              <a:t>=&gt;</a:t>
+            </a:r>
+            <a:r>
+              <a:rPr lang="es-ES" sz="1200" b="0" dirty="0">
+                <a:solidFill>
+                  <a:srgbClr val="D4D4D4"/>
+                </a:solidFill>
+                <a:effectLst/>
+                <a:latin typeface="JetBrains Mono" panose="02000009000000000000" pitchFamily="49" charset="0"/>
+              </a:rPr>
+              <a:t> [</a:t>
+            </a:r>
+          </a:p>
+          <a:p>
+            <a:r>
+              <a:rPr lang="es-ES" sz="1200" b="0" dirty="0">
+                <a:solidFill>
+                  <a:srgbClr val="D4D4D4"/>
+                </a:solidFill>
+                <a:effectLst/>
+                <a:latin typeface="JetBrains Mono" panose="02000009000000000000" pitchFamily="49" charset="0"/>
+              </a:rPr>
+              <a:t>      </a:t>
+            </a:r>
+            <a:r>
+              <a:rPr lang="es-ES" sz="1200" b="0" dirty="0" err="1">
+                <a:solidFill>
+                  <a:srgbClr val="9CDCFE"/>
+                </a:solidFill>
+                <a:effectLst/>
+                <a:latin typeface="JetBrains Mono" panose="02000009000000000000" pitchFamily="49" charset="0"/>
+              </a:rPr>
+              <a:t>key</a:t>
+            </a:r>
+            <a:r>
+              <a:rPr lang="es-ES" sz="1200" b="0" dirty="0">
+                <a:solidFill>
+                  <a:srgbClr val="D4D4D4"/>
+                </a:solidFill>
+                <a:effectLst/>
+                <a:latin typeface="JetBrains Mono" panose="02000009000000000000" pitchFamily="49" charset="0"/>
+              </a:rPr>
+              <a:t>,</a:t>
+            </a:r>
+          </a:p>
+          <a:p>
+            <a:r>
+              <a:rPr lang="es-ES" sz="1200" b="0" dirty="0">
+                <a:solidFill>
+                  <a:srgbClr val="D4D4D4"/>
+                </a:solidFill>
+                <a:effectLst/>
+                <a:latin typeface="JetBrains Mono" panose="02000009000000000000" pitchFamily="49" charset="0"/>
+              </a:rPr>
+              <a:t>      </a:t>
+            </a:r>
+            <a:r>
+              <a:rPr lang="es-ES" sz="1200" b="0" dirty="0" err="1">
+                <a:solidFill>
+                  <a:srgbClr val="DCDCAA"/>
+                </a:solidFill>
+                <a:effectLst/>
+                <a:latin typeface="JetBrains Mono" panose="02000009000000000000" pitchFamily="49" charset="0"/>
+              </a:rPr>
+              <a:t>serializeValue</a:t>
+            </a:r>
+            <a:r>
+              <a:rPr lang="es-ES" sz="1200" b="0" dirty="0">
+                <a:solidFill>
+                  <a:srgbClr val="D4D4D4"/>
+                </a:solidFill>
+                <a:effectLst/>
+                <a:latin typeface="JetBrains Mono" panose="02000009000000000000" pitchFamily="49" charset="0"/>
+              </a:rPr>
+              <a:t>(</a:t>
+            </a:r>
+            <a:r>
+              <a:rPr lang="es-ES" sz="1200" b="0" dirty="0" err="1">
+                <a:solidFill>
+                  <a:srgbClr val="9CDCFE"/>
+                </a:solidFill>
+                <a:effectLst/>
+                <a:latin typeface="JetBrains Mono" panose="02000009000000000000" pitchFamily="49" charset="0"/>
+              </a:rPr>
+              <a:t>value</a:t>
+            </a:r>
+            <a:r>
+              <a:rPr lang="es-ES" sz="1200" b="0" dirty="0">
+                <a:solidFill>
+                  <a:srgbClr val="D4D4D4"/>
+                </a:solidFill>
+                <a:effectLst/>
+                <a:latin typeface="JetBrains Mono" panose="02000009000000000000" pitchFamily="49" charset="0"/>
+              </a:rPr>
+              <a:t>),</a:t>
+            </a:r>
+          </a:p>
+          <a:p>
+            <a:r>
+              <a:rPr lang="es-ES" sz="1200" b="0" dirty="0">
+                <a:solidFill>
+                  <a:srgbClr val="D4D4D4"/>
+                </a:solidFill>
+                <a:effectLst/>
+                <a:latin typeface="JetBrains Mono" panose="02000009000000000000" pitchFamily="49" charset="0"/>
+              </a:rPr>
+              <a:t>    ]);</a:t>
+            </a:r>
+          </a:p>
+          <a:p>
+            <a:r>
+              <a:rPr lang="es-ES" sz="1200" b="0" dirty="0">
+                <a:solidFill>
+                  <a:srgbClr val="D4D4D4"/>
+                </a:solidFill>
+                <a:effectLst/>
+                <a:latin typeface="JetBrains Mono" panose="02000009000000000000" pitchFamily="49" charset="0"/>
+              </a:rPr>
+              <a:t>  }</a:t>
+            </a:r>
+          </a:p>
+          <a:p>
+            <a:br>
+              <a:rPr lang="es-ES" sz="1200" b="0" dirty="0">
+                <a:solidFill>
+                  <a:srgbClr val="D4D4D4"/>
+                </a:solidFill>
+                <a:effectLst/>
+                <a:latin typeface="JetBrains Mono" panose="02000009000000000000" pitchFamily="49" charset="0"/>
+              </a:rPr>
+            </a:br>
+            <a:r>
+              <a:rPr lang="es-ES" sz="1200" b="0" dirty="0">
+                <a:solidFill>
+                  <a:srgbClr val="D4D4D4"/>
+                </a:solidFill>
+                <a:effectLst/>
+                <a:latin typeface="JetBrains Mono" panose="02000009000000000000" pitchFamily="49" charset="0"/>
+              </a:rPr>
+              <a:t>  </a:t>
+            </a:r>
+            <a:r>
+              <a:rPr lang="es-ES" sz="1200" b="0" dirty="0" err="1">
+                <a:solidFill>
+                  <a:srgbClr val="C586C0"/>
+                </a:solidFill>
+                <a:effectLst/>
+                <a:latin typeface="JetBrains Mono" panose="02000009000000000000" pitchFamily="49" charset="0"/>
+              </a:rPr>
+              <a:t>return</a:t>
+            </a:r>
+            <a:r>
+              <a:rPr lang="es-ES" sz="1200" b="0" dirty="0">
+                <a:solidFill>
+                  <a:srgbClr val="D4D4D4"/>
+                </a:solidFill>
+                <a:effectLst/>
+                <a:latin typeface="JetBrains Mono" panose="02000009000000000000" pitchFamily="49" charset="0"/>
+              </a:rPr>
+              <a:t> </a:t>
+            </a:r>
+            <a:r>
+              <a:rPr lang="es-ES" sz="1200" b="0" dirty="0" err="1">
+                <a:solidFill>
+                  <a:srgbClr val="9CDCFE"/>
+                </a:solidFill>
+                <a:effectLst/>
+                <a:latin typeface="JetBrains Mono" panose="02000009000000000000" pitchFamily="49" charset="0"/>
+              </a:rPr>
+              <a:t>value</a:t>
+            </a:r>
+            <a:r>
+              <a:rPr lang="es-ES" sz="1200" b="0" dirty="0" err="1">
+                <a:solidFill>
+                  <a:srgbClr val="D4D4D4"/>
+                </a:solidFill>
+                <a:effectLst/>
+                <a:latin typeface="JetBrains Mono" panose="02000009000000000000" pitchFamily="49" charset="0"/>
+              </a:rPr>
+              <a:t>.</a:t>
+            </a:r>
+            <a:r>
+              <a:rPr lang="es-ES" sz="1200" b="0" dirty="0" err="1">
+                <a:solidFill>
+                  <a:srgbClr val="DCDCAA"/>
+                </a:solidFill>
+                <a:effectLst/>
+                <a:latin typeface="JetBrains Mono" panose="02000009000000000000" pitchFamily="49" charset="0"/>
+              </a:rPr>
+              <a:t>toString</a:t>
+            </a:r>
+            <a:r>
+              <a:rPr lang="es-ES" sz="1200" b="0" dirty="0">
+                <a:solidFill>
+                  <a:srgbClr val="D4D4D4"/>
+                </a:solidFill>
+                <a:effectLst/>
+                <a:latin typeface="JetBrains Mono" panose="02000009000000000000" pitchFamily="49" charset="0"/>
+              </a:rPr>
+              <a:t>();</a:t>
+            </a:r>
+          </a:p>
+          <a:p>
+            <a:r>
+              <a:rPr lang="es-ES" sz="1200" b="0" dirty="0">
+                <a:solidFill>
+                  <a:srgbClr val="D4D4D4"/>
+                </a:solidFill>
+                <a:effectLst/>
+                <a:latin typeface="JetBrains Mono" panose="02000009000000000000" pitchFamily="49" charset="0"/>
+              </a:rPr>
+              <a:t>}</a:t>
+            </a:r>
+          </a:p>
+        </p:txBody>
+      </p:sp>
+      <p:sp>
+        <p:nvSpPr>
+          <p:cNvPr id="2" name="Título 1">
+            <a:extLst>
+              <a:ext uri="{FF2B5EF4-FFF2-40B4-BE49-F238E27FC236}">
+                <a16:creationId xmlns:a16="http://schemas.microsoft.com/office/drawing/2014/main" id="{1BCBB744-4483-E679-9060-CE5B1A06ECAD}"/>
+              </a:ext>
+            </a:extLst>
+          </p:cNvPr>
+          <p:cNvSpPr>
+            <a:spLocks noGrp="1"/>
+          </p:cNvSpPr>
+          <p:nvPr>
+            <p:ph type="title"/>
+          </p:nvPr>
+        </p:nvSpPr>
+        <p:spPr>
+          <a:xfrm>
+            <a:off x="684212" y="4487332"/>
+            <a:ext cx="3948173" cy="1507067"/>
+          </a:xfrm>
+        </p:spPr>
+        <p:txBody>
+          <a:bodyPr/>
+          <a:lstStyle/>
+          <a:p>
+            <a:r>
+              <a:rPr lang="es-ES" dirty="0"/>
+              <a:t>Solución a mano</a:t>
+            </a:r>
+          </a:p>
+        </p:txBody>
+      </p:sp>
+      <p:sp>
+        <p:nvSpPr>
+          <p:cNvPr id="3" name="Marcador de contenido 2">
+            <a:extLst>
+              <a:ext uri="{FF2B5EF4-FFF2-40B4-BE49-F238E27FC236}">
+                <a16:creationId xmlns:a16="http://schemas.microsoft.com/office/drawing/2014/main" id="{9D5E73A7-3CBB-C24A-9F9B-5B1FEBD1C155}"/>
+              </a:ext>
+            </a:extLst>
+          </p:cNvPr>
+          <p:cNvSpPr>
+            <a:spLocks noGrp="1"/>
+          </p:cNvSpPr>
+          <p:nvPr>
+            <p:ph idx="1"/>
+          </p:nvPr>
+        </p:nvSpPr>
+        <p:spPr>
+          <a:xfrm>
+            <a:off x="684211" y="685801"/>
+            <a:ext cx="9555341" cy="2436962"/>
+          </a:xfrm>
+        </p:spPr>
+        <p:txBody>
+          <a:bodyPr/>
+          <a:lstStyle/>
+          <a:p>
+            <a:pPr marL="0" indent="0">
+              <a:buNone/>
+            </a:pPr>
+            <a:r>
+              <a:rPr lang="es-ES" dirty="0"/>
+              <a:t>Si descartamos el uso de </a:t>
+            </a:r>
+            <a:r>
+              <a:rPr lang="es-ES" dirty="0" err="1"/>
+              <a:t>JSON.stringify</a:t>
+            </a:r>
+            <a:r>
+              <a:rPr lang="es-ES" dirty="0"/>
+              <a:t>, una solución a mano no parece tan mala idea, ¿verdad?</a:t>
+            </a:r>
+          </a:p>
+          <a:p>
+            <a:pPr marL="0" indent="0">
+              <a:buNone/>
+            </a:pPr>
+            <a:endParaRPr lang="es-ES" dirty="0"/>
+          </a:p>
+        </p:txBody>
+      </p:sp>
+      <p:sp>
+        <p:nvSpPr>
+          <p:cNvPr id="9" name="CuadroTexto 8">
+            <a:extLst>
+              <a:ext uri="{FF2B5EF4-FFF2-40B4-BE49-F238E27FC236}">
+                <a16:creationId xmlns:a16="http://schemas.microsoft.com/office/drawing/2014/main" id="{DF53E736-2ADC-5691-5AD0-481B5F0F19BA}"/>
+              </a:ext>
+            </a:extLst>
+          </p:cNvPr>
+          <p:cNvSpPr txBox="1"/>
+          <p:nvPr/>
+        </p:nvSpPr>
+        <p:spPr>
+          <a:xfrm>
+            <a:off x="684210" y="2240563"/>
+            <a:ext cx="3226280" cy="2246769"/>
+          </a:xfrm>
+          <a:prstGeom prst="rect">
+            <a:avLst/>
+          </a:prstGeom>
+          <a:noFill/>
+        </p:spPr>
+        <p:txBody>
+          <a:bodyPr wrap="square" rtlCol="0">
+            <a:spAutoFit/>
+          </a:bodyPr>
+          <a:lstStyle/>
+          <a:p>
+            <a:r>
+              <a:rPr lang="es-ES" sz="2000" dirty="0">
+                <a:solidFill>
+                  <a:schemeClr val="bg2">
+                    <a:lumMod val="50000"/>
+                  </a:schemeClr>
+                </a:solidFill>
+              </a:rPr>
+              <a:t>Todo el código hay que mantenerlo, probarlo bien, y cubrir los casos límite, máxime en secciones genéricas… y todavía no hemos hablado de los objetos.</a:t>
+            </a:r>
+          </a:p>
+        </p:txBody>
+      </p:sp>
+    </p:spTree>
+    <p:extLst>
+      <p:ext uri="{BB962C8B-B14F-4D97-AF65-F5344CB8AC3E}">
+        <p14:creationId xmlns:p14="http://schemas.microsoft.com/office/powerpoint/2010/main" val="2518723700"/>
       </p:ext>
     </p:extLst>
   </p:cSld>
@@ -15153,7 +17377,7 @@
 </p:sld>
 </file>
 
-<file path=ppt/slides/slide29.xml><?xml version="1.0" encoding="utf-8"?>
+<file path=ppt/slides/slide32.xml><?xml version="1.0" encoding="utf-8"?>
 <p:sld xmlns:a="http://schemas.openxmlformats.org/drawingml/2006/main" xmlns:r="http://schemas.openxmlformats.org/officeDocument/2006/relationships" xmlns:p="http://schemas.openxmlformats.org/presentationml/2006/main">
   <p:cSld>
     <p:spTree>
@@ -15175,7 +17399,7 @@
           <p:cNvPr id="2" name="Título 1">
             <a:extLst>
               <a:ext uri="{FF2B5EF4-FFF2-40B4-BE49-F238E27FC236}">
-                <a16:creationId xmlns:a16="http://schemas.microsoft.com/office/drawing/2014/main" id="{B2040791-5DE4-A492-FD6F-E9D4300B0AAC}"/>
+                <a16:creationId xmlns:a16="http://schemas.microsoft.com/office/drawing/2014/main" id="{DD277207-33A8-FDDC-65FC-4486394A945D}"/>
               </a:ext>
             </a:extLst>
           </p:cNvPr>
@@ -15192,8 +17416,20 @@
           <a:lstStyle/>
           <a:p>
             <a:r>
+              <a:rPr lang="es-ES" dirty="0" err="1"/>
+              <a:t>Devalue</a:t>
+            </a:r>
+            <a:r>
               <a:rPr lang="es-ES" dirty="0"/>
-              <a:t>Por qué no deberías fiarte de JSON.STRINGIFY</a:t>
+              <a:t>, implementa lo </a:t>
+            </a:r>
+            <a:r>
+              <a:rPr lang="es-ES" dirty="0" err="1"/>
+              <a:t>JSON.stringify</a:t>
+            </a:r>
+            <a:r>
+              <a:rPr lang="es-ES" dirty="0"/>
+              <a:t> que no</a:t>
             </a:r>
           </a:p>
         </p:txBody>
@@ -15203,7 +17439,7 @@
           <p:cNvPr id="3" name="Marcador de contenido 2">
             <a:extLst>
               <a:ext uri="{FF2B5EF4-FFF2-40B4-BE49-F238E27FC236}">
-                <a16:creationId xmlns:a16="http://schemas.microsoft.com/office/drawing/2014/main" id="{D504D809-36E1-EC2F-988D-8BE65F3D4000}"/>
+                <a16:creationId xmlns:a16="http://schemas.microsoft.com/office/drawing/2014/main" id="{B88E4AE1-CAAE-34A8-3C66-2FAD67875246}"/>
               </a:ext>
             </a:extLst>
           </p:cNvPr>
@@ -15223,106 +17459,100 @@
               <a:buNone/>
             </a:pPr>
             <a:r>
+              <a:rPr lang="es-ES" dirty="0"/>
+              <a:t>Una de las reglas del desarrollo de software es, no reinventar la rueda.</a:t>
+            </a:r>
+          </a:p>
+          <a:p>
+            <a:pPr marL="0" indent="0" algn="ctr">
+              <a:buNone/>
+            </a:pPr>
+            <a:r>
+              <a:rPr lang="en-US" i="1" dirty="0"/>
+              <a:t>A wise engineering solution would produce—or better, exploit—reusable parts.</a:t>
+            </a:r>
+          </a:p>
+          <a:p>
+            <a:pPr marL="0" indent="0" algn="ctr">
+              <a:buNone/>
+            </a:pPr>
+            <a:r>
               <a:rPr lang="es-ES" dirty="0">
-                <a:ea typeface="JetBrains Mono" panose="02000009000000000000" pitchFamily="49" charset="0"/>
-                <a:cs typeface="JetBrains Mono" panose="02000009000000000000" pitchFamily="49" charset="0"/>
+                <a:hlinkClick r:id="rId2"/>
               </a:rPr>
-              <a:t>Si bien es cierto que puede serializar valores, es demasiado preciso.</a:t>
-            </a:r>
+              <a:t>Doug McIlroy</a:t>
+            </a:r>
+            <a:r>
+              <a:rPr lang="es-ES" dirty="0"/>
+              <a:t>, </a:t>
+            </a:r>
+            <a:r>
+              <a:rPr lang="es-ES" dirty="0">
+                <a:hlinkClick r:id="rId3"/>
+              </a:rPr>
+              <a:t>More </a:t>
+            </a:r>
+            <a:r>
+              <a:rPr lang="es-ES" dirty="0" err="1">
+                <a:hlinkClick r:id="rId3"/>
+              </a:rPr>
+              <a:t>shell</a:t>
+            </a:r>
+            <a:r>
+              <a:rPr lang="es-ES" dirty="0">
+                <a:hlinkClick r:id="rId3"/>
+              </a:rPr>
+              <a:t>, </a:t>
+            </a:r>
+            <a:r>
+              <a:rPr lang="es-ES" dirty="0" err="1">
+                <a:hlinkClick r:id="rId3"/>
+              </a:rPr>
+              <a:t>less</a:t>
+            </a:r>
+            <a:r>
+              <a:rPr lang="es-ES" dirty="0">
+                <a:hlinkClick r:id="rId3"/>
+              </a:rPr>
+              <a:t> </a:t>
+            </a:r>
+            <a:r>
+              <a:rPr lang="es-ES" dirty="0" err="1">
+                <a:hlinkClick r:id="rId3"/>
+              </a:rPr>
+              <a:t>egs</a:t>
+            </a:r>
+            <a:endParaRPr lang="es-ES" dirty="0"/>
           </a:p>
           <a:p>
             <a:pPr marL="0" indent="0">
               <a:buNone/>
             </a:pPr>
-            <a:r>
-              <a:rPr lang="es-ES" b="1" dirty="0" err="1">
-                <a:latin typeface="JetBrains Mono" panose="02000009000000000000" pitchFamily="49" charset="0"/>
-                <a:ea typeface="JetBrains Mono" panose="02000009000000000000" pitchFamily="49" charset="0"/>
-                <a:cs typeface="JetBrains Mono" panose="02000009000000000000" pitchFamily="49" charset="0"/>
-              </a:rPr>
-              <a:t>JSON.stringify</a:t>
-            </a:r>
-            <a:r>
-              <a:rPr lang="es-ES" b="1" dirty="0">
-                <a:latin typeface="JetBrains Mono" panose="02000009000000000000" pitchFamily="49" charset="0"/>
-                <a:ea typeface="JetBrains Mono" panose="02000009000000000000" pitchFamily="49" charset="0"/>
-                <a:cs typeface="JetBrains Mono" panose="02000009000000000000" pitchFamily="49" charset="0"/>
-              </a:rPr>
-              <a:t>({</a:t>
-            </a:r>
-            <a:r>
-              <a:rPr lang="es-ES" b="1" dirty="0" err="1">
-                <a:latin typeface="JetBrains Mono" panose="02000009000000000000" pitchFamily="49" charset="0"/>
-                <a:ea typeface="JetBrains Mono" panose="02000009000000000000" pitchFamily="49" charset="0"/>
-                <a:cs typeface="JetBrains Mono" panose="02000009000000000000" pitchFamily="49" charset="0"/>
-              </a:rPr>
-              <a:t>a:”B</a:t>
-            </a:r>
-            <a:r>
-              <a:rPr lang="es-ES" b="1" dirty="0">
-                <a:latin typeface="JetBrains Mono" panose="02000009000000000000" pitchFamily="49" charset="0"/>
-                <a:ea typeface="JetBrains Mono" panose="02000009000000000000" pitchFamily="49" charset="0"/>
-                <a:cs typeface="JetBrains Mono" panose="02000009000000000000" pitchFamily="49" charset="0"/>
-              </a:rPr>
-              <a:t>”, b:”A”}) !== </a:t>
-            </a:r>
-            <a:r>
-              <a:rPr lang="es-ES" b="1" dirty="0" err="1">
-                <a:latin typeface="JetBrains Mono" panose="02000009000000000000" pitchFamily="49" charset="0"/>
-                <a:ea typeface="JetBrains Mono" panose="02000009000000000000" pitchFamily="49" charset="0"/>
-                <a:cs typeface="JetBrains Mono" panose="02000009000000000000" pitchFamily="49" charset="0"/>
-              </a:rPr>
-              <a:t>JSON.stringify</a:t>
-            </a:r>
-            <a:r>
-              <a:rPr lang="es-ES" b="1" dirty="0">
-                <a:latin typeface="JetBrains Mono" panose="02000009000000000000" pitchFamily="49" charset="0"/>
-                <a:ea typeface="JetBrains Mono" panose="02000009000000000000" pitchFamily="49" charset="0"/>
-                <a:cs typeface="JetBrains Mono" panose="02000009000000000000" pitchFamily="49" charset="0"/>
-              </a:rPr>
-              <a:t>({</a:t>
-            </a:r>
-            <a:r>
-              <a:rPr lang="es-ES" b="1" dirty="0" err="1">
-                <a:latin typeface="JetBrains Mono" panose="02000009000000000000" pitchFamily="49" charset="0"/>
-                <a:ea typeface="JetBrains Mono" panose="02000009000000000000" pitchFamily="49" charset="0"/>
-                <a:cs typeface="JetBrains Mono" panose="02000009000000000000" pitchFamily="49" charset="0"/>
-              </a:rPr>
-              <a:t>b:”A</a:t>
-            </a:r>
-            <a:r>
-              <a:rPr lang="es-ES" b="1" dirty="0">
-                <a:latin typeface="JetBrains Mono" panose="02000009000000000000" pitchFamily="49" charset="0"/>
-                <a:ea typeface="JetBrains Mono" panose="02000009000000000000" pitchFamily="49" charset="0"/>
-                <a:cs typeface="JetBrains Mono" panose="02000009000000000000" pitchFamily="49" charset="0"/>
-              </a:rPr>
-              <a:t>”, a:”B”})</a:t>
-            </a:r>
+            <a:endParaRPr lang="es-ES" i="1" dirty="0"/>
           </a:p>
           <a:p>
             <a:pPr marL="0" indent="0">
               <a:buNone/>
             </a:pPr>
             <a:r>
-              <a:rPr lang="es-ES" dirty="0">
-                <a:ea typeface="JetBrains Mono" panose="02000009000000000000" pitchFamily="49" charset="0"/>
-                <a:cs typeface="JetBrains Mono" panose="02000009000000000000" pitchFamily="49" charset="0"/>
-              </a:rPr>
-              <a:t>Al compararlo, nos dirá que no es el mismo valor, porque el orden de las </a:t>
-            </a:r>
-            <a:r>
-              <a:rPr lang="es-ES" dirty="0" err="1">
-                <a:ea typeface="JetBrains Mono" panose="02000009000000000000" pitchFamily="49" charset="0"/>
-                <a:cs typeface="JetBrains Mono" panose="02000009000000000000" pitchFamily="49" charset="0"/>
-              </a:rPr>
-              <a:t>keys</a:t>
-            </a:r>
-            <a:r>
-              <a:rPr lang="es-ES" dirty="0">
-                <a:ea typeface="JetBrains Mono" panose="02000009000000000000" pitchFamily="49" charset="0"/>
-                <a:cs typeface="JetBrains Mono" panose="02000009000000000000" pitchFamily="49" charset="0"/>
-              </a:rPr>
-              <a:t> ha cambiado, entonces ha comparado</a:t>
+              <a:rPr lang="es-ES" dirty="0"/>
+              <a:t>Nuestra solución base será del creador de </a:t>
+            </a:r>
+            <a:r>
+              <a:rPr lang="es-ES" dirty="0" err="1"/>
+              <a:t>Svelte</a:t>
+            </a:r>
+            <a:r>
+              <a:rPr lang="es-ES" dirty="0"/>
+              <a:t>, </a:t>
+            </a:r>
+            <a:r>
+              <a:rPr lang="es-ES" dirty="0" err="1"/>
+              <a:t>Rich</a:t>
+            </a:r>
+            <a:r>
+              <a:rPr lang="es-ES" dirty="0"/>
+              <a:t> Harris</a:t>
             </a:r>
           </a:p>
           <a:p>
@@ -15331,189 +17561,35 @@
             </a:pPr>
             <a:r>
               <a:rPr lang="es-ES" dirty="0">
-                <a:ea typeface="JetBrains Mono" panose="02000009000000000000" pitchFamily="49" charset="0"/>
-                <a:cs typeface="JetBrains Mono" panose="02000009000000000000" pitchFamily="49" charset="0"/>
+                <a:hlinkClick r:id="rId4"/>
               </a:rPr>
-              <a:t>El orden de las claves influye en el resultado de la comparación</a:t>
-            </a:r>
-          </a:p>
-          <a:p>
-            <a:pPr marL="0" indent="0">
-              <a:buNone/>
-            </a:pPr>
-            <a:r>
-              <a:rPr lang="pt-BR" b="1" dirty="0">
-                <a:effectLst/>
-                <a:latin typeface="JetBrains Mono" panose="02000009000000000000" pitchFamily="49" charset="0"/>
-              </a:rPr>
-              <a:t>'{"</a:t>
-            </a:r>
-            <a:r>
-              <a:rPr lang="pt-BR" b="1" dirty="0" err="1">
-                <a:effectLst/>
-                <a:latin typeface="JetBrains Mono" panose="02000009000000000000" pitchFamily="49" charset="0"/>
-              </a:rPr>
-              <a:t>a":"B</a:t>
-            </a:r>
-            <a:r>
-              <a:rPr lang="pt-BR" b="1" dirty="0">
-                <a:effectLst/>
-                <a:latin typeface="JetBrains Mono" panose="02000009000000000000" pitchFamily="49" charset="0"/>
-              </a:rPr>
-              <a:t>", "</a:t>
-            </a:r>
-            <a:r>
-              <a:rPr lang="pt-BR" b="1" dirty="0" err="1">
-                <a:effectLst/>
-                <a:latin typeface="JetBrains Mono" panose="02000009000000000000" pitchFamily="49" charset="0"/>
-              </a:rPr>
-              <a:t>b":"A</a:t>
-            </a:r>
-            <a:r>
-              <a:rPr lang="pt-BR" b="1" dirty="0">
-                <a:effectLst/>
-                <a:latin typeface="JetBrains Mono" panose="02000009000000000000" pitchFamily="49" charset="0"/>
-              </a:rPr>
-              <a:t>"}' !== '{"</a:t>
-            </a:r>
-            <a:r>
-              <a:rPr lang="pt-BR" b="1" dirty="0" err="1">
-                <a:effectLst/>
-                <a:latin typeface="JetBrains Mono" panose="02000009000000000000" pitchFamily="49" charset="0"/>
-              </a:rPr>
-              <a:t>b":"A</a:t>
-            </a:r>
-            <a:r>
-              <a:rPr lang="pt-BR" b="1" dirty="0">
-                <a:effectLst/>
-                <a:latin typeface="JetBrains Mono" panose="02000009000000000000" pitchFamily="49" charset="0"/>
-              </a:rPr>
-              <a:t>", "</a:t>
-            </a:r>
-            <a:r>
-              <a:rPr lang="pt-BR" b="1" dirty="0" err="1">
-                <a:effectLst/>
-                <a:latin typeface="JetBrains Mono" panose="02000009000000000000" pitchFamily="49" charset="0"/>
-              </a:rPr>
-              <a:t>a":"B</a:t>
-            </a:r>
-            <a:r>
-              <a:rPr lang="pt-BR" b="1" dirty="0">
-                <a:effectLst/>
-                <a:latin typeface="JetBrains Mono" panose="02000009000000000000" pitchFamily="49" charset="0"/>
-              </a:rPr>
-              <a:t>"}’</a:t>
-            </a:r>
-          </a:p>
-          <a:p>
-            <a:pPr marL="0" indent="0">
-              <a:buNone/>
-            </a:pPr>
-            <a:r>
-              <a:rPr lang="pt-BR" dirty="0"/>
-              <a:t>El </a:t>
-            </a:r>
-            <a:r>
-              <a:rPr lang="pt-BR" dirty="0" err="1"/>
-              <a:t>orden</a:t>
-            </a:r>
-            <a:r>
-              <a:rPr lang="pt-BR" dirty="0"/>
-              <a:t> de </a:t>
-            </a:r>
-            <a:r>
-              <a:rPr lang="pt-BR" dirty="0" err="1"/>
-              <a:t>los</a:t>
-            </a:r>
-            <a:r>
-              <a:rPr lang="pt-BR" dirty="0"/>
-              <a:t> </a:t>
-            </a:r>
-            <a:r>
-              <a:rPr lang="pt-BR" dirty="0" err="1"/>
-              <a:t>factores</a:t>
-            </a:r>
-            <a:r>
-              <a:rPr lang="pt-BR" dirty="0"/>
-              <a:t> </a:t>
-            </a:r>
-            <a:r>
-              <a:rPr lang="pt-BR" b="1" dirty="0" err="1"/>
-              <a:t>sí</a:t>
-            </a:r>
-            <a:r>
-              <a:rPr lang="pt-BR" dirty="0"/>
-              <a:t> altera </a:t>
-            </a:r>
-            <a:r>
-              <a:rPr lang="pt-BR" dirty="0" err="1"/>
-              <a:t>el</a:t>
-            </a:r>
-            <a:r>
-              <a:rPr lang="pt-BR" dirty="0"/>
-              <a:t> </a:t>
-            </a:r>
-            <a:r>
-              <a:rPr lang="pt-BR" dirty="0" err="1"/>
-              <a:t>producto</a:t>
-            </a:r>
-            <a:endParaRPr lang="pt-BR" dirty="0">
-              <a:effectLst/>
-            </a:endParaRPr>
+              <a:t>https://github.com/Rich-Harris/devalue</a:t>
+            </a:r>
+            <a:endParaRPr lang="es-ES" dirty="0"/>
           </a:p>
         </p:txBody>
       </p:sp>
     </p:spTree>
     <p:extLst>
       <p:ext uri="{BB962C8B-B14F-4D97-AF65-F5344CB8AC3E}">
-        <p14:creationId xmlns:p14="http://schemas.microsoft.com/office/powerpoint/2010/main" val="3044886721"/>
+        <p14:creationId xmlns:p14="http://schemas.microsoft.com/office/powerpoint/2010/main" val="336031959"/>
       </p:ext>
     </p:extLst>
   </p:cSld>
   <p:clrMapOvr>
     <a:masterClrMapping/>
   </p:clrMapOvr>
-  <mc:AlternateContent xmlns:mc="http://schemas.openxmlformats.org/markup-compatibility/2006">
-    <mc:Choice xmlns:p159="http://schemas.microsoft.com/office/powerpoint/2015/09/main" Requires="p159">
-      <p:transition xmlns:p14="http://schemas.microsoft.com/office/powerpoint/2010/main" spd="slow" p14:dur="2000">
-        <p159:morph option="byWord"/>
-      </p:transition>
-    </mc:Choice>
-    <mc:Fallback>
-      <p:transition spd="slow">
-        <p:fade/>
-      </p:transition>
-    </mc:Fallback>
-  </mc:AlternateContent>
 </p:sld>
 </file>
 
-<file path=ppt/slides/slide3.xml><?xml version="1.0" encoding="utf-8"?>
+<file path=ppt/slides/slide33.xml><?xml version="1.0" encoding="utf-8"?>
 <p:sld xmlns:a="http://schemas.openxmlformats.org/drawingml/2006/main" xmlns:r="http://schemas.openxmlformats.org/officeDocument/2006/relationships" xmlns:p="http://schemas.openxmlformats.org/presentationml/2006/main">
   <p:cSld>
     <p:bg>
       <p:bgPr>
-        <a:gradFill rotWithShape="1">
-          <a:gsLst>
-            <a:gs pos="10000">
-              <a:schemeClr val="bg1">
-                <a:tint val="97000"/>
-                <a:hueMod val="162000"/>
-                <a:satMod val="200000"/>
-                <a:lumMod val="124000"/>
-              </a:schemeClr>
-            </a:gs>
-            <a:gs pos="100000">
-              <a:schemeClr val="bg1">
-                <a:shade val="96000"/>
-                <a:hueMod val="88000"/>
-                <a:satMod val="220000"/>
-                <a:lumMod val="82000"/>
-              </a:schemeClr>
-            </a:gs>
-          </a:gsLst>
-          <a:lin ang="6120000" scaled="1"/>
-        </a:gradFill>
+        <a:solidFill>
+          <a:schemeClr val="bg1"/>
+        </a:solidFill>
         <a:effectLst/>
       </p:bgPr>
     </p:bg>
@@ -15791,2510 +17867,6 @@
           </a:fontRef>
         </p:style>
       </p:cxnSp>
-      <p:sp>
-        <p:nvSpPr>
-          <p:cNvPr id="19" name="Rectangle 18">
-            <a:extLst>
-              <a:ext uri="{FF2B5EF4-FFF2-40B4-BE49-F238E27FC236}">
-                <a16:creationId xmlns:a16="http://schemas.microsoft.com/office/drawing/2014/main" id="{E1502E16-A78C-4A80-AD10-3646FBB87050}"/>
-              </a:ext>
-              <a:ext uri="{C183D7F6-B498-43B3-948B-1728B52AA6E4}">
-                <adec:decorative xmlns:adec="http://schemas.microsoft.com/office/drawing/2017/decorative" val="1"/>
-              </a:ext>
-            </a:extLst>
-          </p:cNvPr>
-          <p:cNvSpPr>
-            <a:spLocks noGrp="1" noRot="1" noChangeAspect="1" noMove="1" noResize="1" noEditPoints="1" noAdjustHandles="1" noChangeArrowheads="1" noChangeShapeType="1" noTextEdit="1"/>
-          </p:cNvSpPr>
-          <p:nvPr>
-            <p:extLst>
-              <p:ext uri="{386F3935-93C4-4BCD-93E2-E3B085C9AB24}">
-                <p16:designElem xmlns:p16="http://schemas.microsoft.com/office/powerpoint/2015/main" val="1"/>
-              </p:ext>
-            </p:extLst>
-          </p:nvPr>
-        </p:nvSpPr>
-        <p:spPr>
-          <a:xfrm>
-            <a:off x="-3175" y="0"/>
-            <a:ext cx="12192000" cy="6858000"/>
-          </a:xfrm>
-          <a:prstGeom prst="rect">
-            <a:avLst/>
-          </a:prstGeom>
-          <a:gradFill>
-            <a:gsLst>
-              <a:gs pos="10000">
-                <a:schemeClr val="bg1">
-                  <a:tint val="97000"/>
-                  <a:hueMod val="92000"/>
-                  <a:satMod val="169000"/>
-                  <a:lumMod val="164000"/>
-                </a:schemeClr>
-              </a:gs>
-              <a:gs pos="100000">
-                <a:schemeClr val="bg1">
-                  <a:shade val="96000"/>
-                  <a:satMod val="120000"/>
-                  <a:lumMod val="90000"/>
-                </a:schemeClr>
-              </a:gs>
-            </a:gsLst>
-            <a:lin ang="6120000" scaled="1"/>
-          </a:gradFill>
-          <a:ln>
-            <a:noFill/>
-          </a:ln>
-        </p:spPr>
-        <p:style>
-          <a:lnRef idx="2">
-            <a:schemeClr val="accent1">
-              <a:shade val="50000"/>
-            </a:schemeClr>
-          </a:lnRef>
-          <a:fillRef idx="1">
-            <a:schemeClr val="accent1"/>
-          </a:fillRef>
-          <a:effectRef idx="0">
-            <a:schemeClr val="accent1"/>
-          </a:effectRef>
-          <a:fontRef idx="minor">
-            <a:schemeClr val="lt1"/>
-          </a:fontRef>
-        </p:style>
-        <p:txBody>
-          <a:bodyPr rtlCol="0" anchor="ctr"/>
-          <a:lstStyle/>
-          <a:p>
-            <a:pPr algn="ctr"/>
-            <a:endParaRPr lang="en-US"/>
-          </a:p>
-        </p:txBody>
-      </p:sp>
-      <p:pic>
-        <p:nvPicPr>
-          <p:cNvPr id="5" name="Picture 4" descr="Primer plano de una rayuela en la acera">
-            <a:extLst>
-              <a:ext uri="{FF2B5EF4-FFF2-40B4-BE49-F238E27FC236}">
-                <a16:creationId xmlns:a16="http://schemas.microsoft.com/office/drawing/2014/main" id="{BAE8BE04-4D6C-0B55-2A8B-B942701B2452}"/>
-              </a:ext>
-            </a:extLst>
-          </p:cNvPr>
-          <p:cNvPicPr>
-            <a:picLocks noChangeAspect="1"/>
-          </p:cNvPicPr>
-          <p:nvPr/>
-        </p:nvPicPr>
-        <p:blipFill rotWithShape="1">
-          <a:blip r:embed="rId2">
-            <a:alphaModFix amt="25000"/>
-          </a:blip>
-          <a:srcRect t="7097" b="8634"/>
-          <a:stretch/>
-        </p:blipFill>
-        <p:spPr>
-          <a:xfrm>
-            <a:off x="20" y="10"/>
-            <a:ext cx="12191980" cy="6857990"/>
-          </a:xfrm>
-          <a:prstGeom prst="rect">
-            <a:avLst/>
-          </a:prstGeom>
-        </p:spPr>
-      </p:pic>
-      <p:sp>
-        <p:nvSpPr>
-          <p:cNvPr id="2" name="Título 1">
-            <a:extLst>
-              <a:ext uri="{FF2B5EF4-FFF2-40B4-BE49-F238E27FC236}">
-                <a16:creationId xmlns:a16="http://schemas.microsoft.com/office/drawing/2014/main" id="{95BD5BD9-C696-DA5C-4583-A4D5E14351DC}"/>
-              </a:ext>
-            </a:extLst>
-          </p:cNvPr>
-          <p:cNvSpPr>
-            <a:spLocks noGrp="1"/>
-          </p:cNvSpPr>
-          <p:nvPr>
-            <p:ph type="title"/>
-          </p:nvPr>
-        </p:nvSpPr>
-        <p:spPr>
-          <a:xfrm>
-            <a:off x="684212" y="685799"/>
-            <a:ext cx="8001000" cy="2971801"/>
-          </a:xfrm>
-        </p:spPr>
-        <p:txBody>
-          <a:bodyPr vert="horz" lIns="91440" tIns="45720" rIns="91440" bIns="45720" rtlCol="0" anchor="b">
-            <a:normAutofit/>
-          </a:bodyPr>
-          <a:lstStyle/>
-          <a:p>
-            <a:r>
-              <a:rPr lang="en-US" sz="4800" dirty="0"/>
-              <a:t>Antes de </a:t>
-            </a:r>
-            <a:r>
-              <a:rPr lang="en-US" sz="4800" dirty="0" err="1"/>
-              <a:t>empezar</a:t>
-            </a:r>
-            <a:endParaRPr lang="en-US" sz="4800" dirty="0"/>
-          </a:p>
-        </p:txBody>
-      </p:sp>
-      <p:grpSp>
-        <p:nvGrpSpPr>
-          <p:cNvPr id="21" name="Group 20">
-            <a:extLst>
-              <a:ext uri="{FF2B5EF4-FFF2-40B4-BE49-F238E27FC236}">
-                <a16:creationId xmlns:a16="http://schemas.microsoft.com/office/drawing/2014/main" id="{480356AB-9A93-4182-A651-EA8B6FBECCA0}"/>
-              </a:ext>
-              <a:ext uri="{C183D7F6-B498-43B3-948B-1728B52AA6E4}">
-                <adec:decorative xmlns:adec="http://schemas.microsoft.com/office/drawing/2017/decorative" val="1"/>
-              </a:ext>
-            </a:extLst>
-          </p:cNvPr>
-          <p:cNvGrpSpPr>
-            <a:grpSpLocks noGrp="1" noUngrp="1" noRot="1" noChangeAspect="1" noMove="1" noResize="1"/>
-          </p:cNvGrpSpPr>
-          <p:nvPr>
-            <p:extLst>
-              <p:ext uri="{386F3935-93C4-4BCD-93E2-E3B085C9AB24}">
-                <p16:designElem xmlns:p16="http://schemas.microsoft.com/office/powerpoint/2015/main" val="1"/>
-              </p:ext>
-            </p:extLst>
-          </p:nvPr>
-        </p:nvGrpSpPr>
-        <p:grpSpPr>
-          <a:xfrm>
-            <a:off x="6108170" y="9144"/>
-            <a:ext cx="6080656" cy="6163733"/>
-            <a:chOff x="6108170" y="8467"/>
-            <a:chExt cx="6080656" cy="6163733"/>
-          </a:xfrm>
-        </p:grpSpPr>
-        <p:cxnSp>
-          <p:nvCxnSpPr>
-            <p:cNvPr id="22" name="Straight Connector 21">
-              <a:extLst>
-                <a:ext uri="{FF2B5EF4-FFF2-40B4-BE49-F238E27FC236}">
-                  <a16:creationId xmlns:a16="http://schemas.microsoft.com/office/drawing/2014/main" id="{1F5E6DE5-AFDF-4DB1-8A57-2F7E98315020}"/>
-                </a:ext>
-                <a:ext uri="{C183D7F6-B498-43B3-948B-1728B52AA6E4}">
-                  <adec:decorative xmlns:adec="http://schemas.microsoft.com/office/drawing/2017/decorative" val="1"/>
-                </a:ext>
-              </a:extLst>
-            </p:cNvPr>
-            <p:cNvCxnSpPr/>
-            <p:nvPr>
-              <p:extLst>
-                <p:ext uri="{386F3935-93C4-4BCD-93E2-E3B085C9AB24}">
-                  <p16:designElem xmlns:p16="http://schemas.microsoft.com/office/powerpoint/2015/main" val="1"/>
-                </p:ext>
-              </p:extLst>
-            </p:nvPr>
-          </p:nvCxnSpPr>
-          <p:spPr>
-            <a:xfrm flipH="1">
-              <a:off x="8228012" y="8467"/>
-              <a:ext cx="3810000" cy="3810000"/>
-            </a:xfrm>
-            <a:prstGeom prst="line">
-              <a:avLst/>
-            </a:prstGeom>
-            <a:ln w="12700">
-              <a:solidFill>
-                <a:schemeClr val="tx1"/>
-              </a:solidFill>
-            </a:ln>
-          </p:spPr>
-          <p:style>
-            <a:lnRef idx="2">
-              <a:schemeClr val="accent1"/>
-            </a:lnRef>
-            <a:fillRef idx="0">
-              <a:schemeClr val="accent1"/>
-            </a:fillRef>
-            <a:effectRef idx="1">
-              <a:schemeClr val="accent1"/>
-            </a:effectRef>
-            <a:fontRef idx="minor">
-              <a:schemeClr val="tx1"/>
-            </a:fontRef>
-          </p:style>
-        </p:cxnSp>
-        <p:cxnSp>
-          <p:nvCxnSpPr>
-            <p:cNvPr id="23" name="Straight Connector 22">
-              <a:extLst>
-                <a:ext uri="{FF2B5EF4-FFF2-40B4-BE49-F238E27FC236}">
-                  <a16:creationId xmlns:a16="http://schemas.microsoft.com/office/drawing/2014/main" id="{C0C6613A-BBD4-4437-9C57-48C63BFEB18A}"/>
-                </a:ext>
-                <a:ext uri="{C183D7F6-B498-43B3-948B-1728B52AA6E4}">
-                  <adec:decorative xmlns:adec="http://schemas.microsoft.com/office/drawing/2017/decorative" val="1"/>
-                </a:ext>
-              </a:extLst>
-            </p:cNvPr>
-            <p:cNvCxnSpPr/>
-            <p:nvPr>
-              <p:extLst>
-                <p:ext uri="{386F3935-93C4-4BCD-93E2-E3B085C9AB24}">
-                  <p16:designElem xmlns:p16="http://schemas.microsoft.com/office/powerpoint/2015/main" val="1"/>
-                </p:ext>
-              </p:extLst>
-            </p:nvPr>
-          </p:nvCxnSpPr>
-          <p:spPr>
-            <a:xfrm flipH="1">
-              <a:off x="6108170" y="91545"/>
-              <a:ext cx="6080655" cy="6080655"/>
-            </a:xfrm>
-            <a:prstGeom prst="line">
-              <a:avLst/>
-            </a:prstGeom>
-            <a:ln w="12700">
-              <a:solidFill>
-                <a:schemeClr val="tx1"/>
-              </a:solidFill>
-            </a:ln>
-          </p:spPr>
-          <p:style>
-            <a:lnRef idx="2">
-              <a:schemeClr val="accent1"/>
-            </a:lnRef>
-            <a:fillRef idx="0">
-              <a:schemeClr val="accent1"/>
-            </a:fillRef>
-            <a:effectRef idx="1">
-              <a:schemeClr val="accent1"/>
-            </a:effectRef>
-            <a:fontRef idx="minor">
-              <a:schemeClr val="tx1"/>
-            </a:fontRef>
-          </p:style>
-        </p:cxnSp>
-        <p:cxnSp>
-          <p:nvCxnSpPr>
-            <p:cNvPr id="24" name="Straight Connector 23">
-              <a:extLst>
-                <a:ext uri="{FF2B5EF4-FFF2-40B4-BE49-F238E27FC236}">
-                  <a16:creationId xmlns:a16="http://schemas.microsoft.com/office/drawing/2014/main" id="{E1294476-0F69-46CD-8D18-EB2D5EBAA431}"/>
-                </a:ext>
-                <a:ext uri="{C183D7F6-B498-43B3-948B-1728B52AA6E4}">
-                  <adec:decorative xmlns:adec="http://schemas.microsoft.com/office/drawing/2017/decorative" val="1"/>
-                </a:ext>
-              </a:extLst>
-            </p:cNvPr>
-            <p:cNvCxnSpPr/>
-            <p:nvPr>
-              <p:extLst>
-                <p:ext uri="{386F3935-93C4-4BCD-93E2-E3B085C9AB24}">
-                  <p16:designElem xmlns:p16="http://schemas.microsoft.com/office/powerpoint/2015/main" val="1"/>
-                </p:ext>
-              </p:extLst>
-            </p:nvPr>
-          </p:nvCxnSpPr>
-          <p:spPr>
-            <a:xfrm flipH="1">
-              <a:off x="7235825" y="228600"/>
-              <a:ext cx="4953000" cy="4953000"/>
-            </a:xfrm>
-            <a:prstGeom prst="line">
-              <a:avLst/>
-            </a:prstGeom>
-            <a:ln w="12700">
-              <a:solidFill>
-                <a:schemeClr val="tx1"/>
-              </a:solidFill>
-            </a:ln>
-          </p:spPr>
-          <p:style>
-            <a:lnRef idx="2">
-              <a:schemeClr val="accent1"/>
-            </a:lnRef>
-            <a:fillRef idx="0">
-              <a:schemeClr val="accent1"/>
-            </a:fillRef>
-            <a:effectRef idx="1">
-              <a:schemeClr val="accent1"/>
-            </a:effectRef>
-            <a:fontRef idx="minor">
-              <a:schemeClr val="tx1"/>
-            </a:fontRef>
-          </p:style>
-        </p:cxnSp>
-        <p:cxnSp>
-          <p:nvCxnSpPr>
-            <p:cNvPr id="25" name="Straight Connector 24">
-              <a:extLst>
-                <a:ext uri="{FF2B5EF4-FFF2-40B4-BE49-F238E27FC236}">
-                  <a16:creationId xmlns:a16="http://schemas.microsoft.com/office/drawing/2014/main" id="{003AC8C6-3EED-40C0-88BC-9D4BF88CA7BE}"/>
-                </a:ext>
-                <a:ext uri="{C183D7F6-B498-43B3-948B-1728B52AA6E4}">
-                  <adec:decorative xmlns:adec="http://schemas.microsoft.com/office/drawing/2017/decorative" val="1"/>
-                </a:ext>
-              </a:extLst>
-            </p:cNvPr>
-            <p:cNvCxnSpPr/>
-            <p:nvPr>
-              <p:extLst>
-                <p:ext uri="{386F3935-93C4-4BCD-93E2-E3B085C9AB24}">
-                  <p16:designElem xmlns:p16="http://schemas.microsoft.com/office/powerpoint/2015/main" val="1"/>
-                </p:ext>
-              </p:extLst>
-            </p:nvPr>
-          </p:nvCxnSpPr>
-          <p:spPr>
-            <a:xfrm flipH="1">
-              <a:off x="7335837" y="32278"/>
-              <a:ext cx="4852989" cy="4852989"/>
-            </a:xfrm>
-            <a:prstGeom prst="line">
-              <a:avLst/>
-            </a:prstGeom>
-            <a:ln w="31750">
-              <a:solidFill>
-                <a:schemeClr val="tx1"/>
-              </a:solidFill>
-            </a:ln>
-          </p:spPr>
-          <p:style>
-            <a:lnRef idx="2">
-              <a:schemeClr val="accent1"/>
-            </a:lnRef>
-            <a:fillRef idx="0">
-              <a:schemeClr val="accent1"/>
-            </a:fillRef>
-            <a:effectRef idx="1">
-              <a:schemeClr val="accent1"/>
-            </a:effectRef>
-            <a:fontRef idx="minor">
-              <a:schemeClr val="tx1"/>
-            </a:fontRef>
-          </p:style>
-        </p:cxnSp>
-        <p:cxnSp>
-          <p:nvCxnSpPr>
-            <p:cNvPr id="26" name="Straight Connector 25">
-              <a:extLst>
-                <a:ext uri="{FF2B5EF4-FFF2-40B4-BE49-F238E27FC236}">
-                  <a16:creationId xmlns:a16="http://schemas.microsoft.com/office/drawing/2014/main" id="{865E0775-E822-48E1-AE9A-D14545435E28}"/>
-                </a:ext>
-                <a:ext uri="{C183D7F6-B498-43B3-948B-1728B52AA6E4}">
-                  <adec:decorative xmlns:adec="http://schemas.microsoft.com/office/drawing/2017/decorative" val="1"/>
-                </a:ext>
-              </a:extLst>
-            </p:cNvPr>
-            <p:cNvCxnSpPr/>
-            <p:nvPr>
-              <p:extLst>
-                <p:ext uri="{386F3935-93C4-4BCD-93E2-E3B085C9AB24}">
-                  <p16:designElem xmlns:p16="http://schemas.microsoft.com/office/powerpoint/2015/main" val="1"/>
-                </p:ext>
-              </p:extLst>
-            </p:nvPr>
-          </p:nvCxnSpPr>
-          <p:spPr>
-            <a:xfrm flipH="1">
-              <a:off x="7845426" y="609601"/>
-              <a:ext cx="4343399" cy="4343399"/>
-            </a:xfrm>
-            <a:prstGeom prst="line">
-              <a:avLst/>
-            </a:prstGeom>
-            <a:ln w="31750">
-              <a:solidFill>
-                <a:schemeClr val="tx1"/>
-              </a:solidFill>
-            </a:ln>
-          </p:spPr>
-          <p:style>
-            <a:lnRef idx="2">
-              <a:schemeClr val="accent1"/>
-            </a:lnRef>
-            <a:fillRef idx="0">
-              <a:schemeClr val="accent1"/>
-            </a:fillRef>
-            <a:effectRef idx="1">
-              <a:schemeClr val="accent1"/>
-            </a:effectRef>
-            <a:fontRef idx="minor">
-              <a:schemeClr val="tx1"/>
-            </a:fontRef>
-          </p:style>
-        </p:cxnSp>
-      </p:grpSp>
-    </p:spTree>
-    <p:extLst>
-      <p:ext uri="{BB962C8B-B14F-4D97-AF65-F5344CB8AC3E}">
-        <p14:creationId xmlns:p14="http://schemas.microsoft.com/office/powerpoint/2010/main" val="2690058926"/>
-      </p:ext>
-    </p:extLst>
-  </p:cSld>
-  <p:clrMapOvr>
-    <a:masterClrMapping/>
-  </p:clrMapOvr>
-</p:sld>
-</file>
-
-<file path=ppt/slides/slide30.xml><?xml version="1.0" encoding="utf-8"?>
-<p:sld xmlns:a="http://schemas.openxmlformats.org/drawingml/2006/main" xmlns:r="http://schemas.openxmlformats.org/officeDocument/2006/relationships" xmlns:p="http://schemas.openxmlformats.org/presentationml/2006/main">
-  <p:cSld>
-    <p:spTree>
-      <p:nvGrpSpPr>
-        <p:cNvPr id="1" name=""/>
-        <p:cNvGrpSpPr/>
-        <p:nvPr/>
-      </p:nvGrpSpPr>
-      <p:grpSpPr>
-        <a:xfrm>
-          <a:off x="0" y="0"/>
-          <a:ext cx="0" cy="0"/>
-          <a:chOff x="0" y="0"/>
-          <a:chExt cx="0" cy="0"/>
-        </a:xfrm>
-      </p:grpSpPr>
-      <p:sp>
-        <p:nvSpPr>
-          <p:cNvPr id="6" name="CuadroTexto 5">
-            <a:extLst>
-              <a:ext uri="{FF2B5EF4-FFF2-40B4-BE49-F238E27FC236}">
-                <a16:creationId xmlns:a16="http://schemas.microsoft.com/office/drawing/2014/main" id="{34E74A14-8422-8C84-9E63-FBE65FB44419}"/>
-              </a:ext>
-            </a:extLst>
-          </p:cNvPr>
-          <p:cNvSpPr txBox="1"/>
-          <p:nvPr/>
-        </p:nvSpPr>
-        <p:spPr>
-          <a:xfrm>
-            <a:off x="4347712" y="2189893"/>
-            <a:ext cx="5891841" cy="3416320"/>
-          </a:xfrm>
-          <a:prstGeom prst="rect">
-            <a:avLst/>
-          </a:prstGeom>
-          <a:solidFill>
-            <a:srgbClr val="1E1E1E"/>
-          </a:solidFill>
-        </p:spPr>
-        <p:txBody>
-          <a:bodyPr wrap="square">
-            <a:spAutoFit/>
-          </a:bodyPr>
-          <a:lstStyle/>
-          <a:p>
-            <a:r>
-              <a:rPr lang="es-ES" sz="1200" b="0" dirty="0" err="1">
-                <a:solidFill>
-                  <a:srgbClr val="569CD6"/>
-                </a:solidFill>
-                <a:effectLst/>
-                <a:latin typeface="JetBrains Mono" panose="02000009000000000000" pitchFamily="49" charset="0"/>
-              </a:rPr>
-              <a:t>function</a:t>
-            </a:r>
-            <a:r>
-              <a:rPr lang="es-ES" sz="1200" b="0" dirty="0">
-                <a:solidFill>
-                  <a:srgbClr val="D4D4D4"/>
-                </a:solidFill>
-                <a:effectLst/>
-                <a:latin typeface="JetBrains Mono" panose="02000009000000000000" pitchFamily="49" charset="0"/>
-              </a:rPr>
-              <a:t> </a:t>
-            </a:r>
-            <a:r>
-              <a:rPr lang="es-ES" sz="1200" b="0" dirty="0" err="1">
-                <a:solidFill>
-                  <a:srgbClr val="DCDCAA"/>
-                </a:solidFill>
-                <a:effectLst/>
-                <a:latin typeface="JetBrains Mono" panose="02000009000000000000" pitchFamily="49" charset="0"/>
-              </a:rPr>
-              <a:t>serializeValue</a:t>
-            </a:r>
-            <a:r>
-              <a:rPr lang="es-ES" sz="1200" b="0" dirty="0">
-                <a:solidFill>
-                  <a:srgbClr val="D4D4D4"/>
-                </a:solidFill>
-                <a:effectLst/>
-                <a:latin typeface="JetBrains Mono" panose="02000009000000000000" pitchFamily="49" charset="0"/>
-              </a:rPr>
-              <a:t>(</a:t>
-            </a:r>
-            <a:r>
-              <a:rPr lang="es-ES" sz="1200" b="0" dirty="0" err="1">
-                <a:solidFill>
-                  <a:srgbClr val="9CDCFE"/>
-                </a:solidFill>
-                <a:effectLst/>
-                <a:latin typeface="JetBrains Mono" panose="02000009000000000000" pitchFamily="49" charset="0"/>
-              </a:rPr>
-              <a:t>value</a:t>
-            </a:r>
-            <a:r>
-              <a:rPr lang="es-ES" sz="1200" b="0" dirty="0">
-                <a:solidFill>
-                  <a:srgbClr val="D4D4D4"/>
-                </a:solidFill>
-                <a:effectLst/>
-                <a:latin typeface="JetBrains Mono" panose="02000009000000000000" pitchFamily="49" charset="0"/>
-              </a:rPr>
-              <a:t>) {</a:t>
-            </a:r>
-          </a:p>
-          <a:p>
-            <a:r>
-              <a:rPr lang="es-ES" sz="1200" b="0" dirty="0">
-                <a:solidFill>
-                  <a:srgbClr val="D4D4D4"/>
-                </a:solidFill>
-                <a:effectLst/>
-                <a:latin typeface="JetBrains Mono" panose="02000009000000000000" pitchFamily="49" charset="0"/>
-              </a:rPr>
-              <a:t>  </a:t>
-            </a:r>
-            <a:r>
-              <a:rPr lang="es-ES" sz="1200" b="0" dirty="0" err="1">
-                <a:solidFill>
-                  <a:srgbClr val="C586C0"/>
-                </a:solidFill>
-                <a:effectLst/>
-                <a:latin typeface="JetBrains Mono" panose="02000009000000000000" pitchFamily="49" charset="0"/>
-              </a:rPr>
-              <a:t>if</a:t>
-            </a:r>
-            <a:r>
-              <a:rPr lang="es-ES" sz="1200" b="0" dirty="0">
-                <a:solidFill>
-                  <a:srgbClr val="D4D4D4"/>
-                </a:solidFill>
-                <a:effectLst/>
-                <a:latin typeface="JetBrains Mono" panose="02000009000000000000" pitchFamily="49" charset="0"/>
-              </a:rPr>
-              <a:t> (</a:t>
-            </a:r>
-            <a:r>
-              <a:rPr lang="es-ES" sz="1200" b="0" dirty="0" err="1">
-                <a:solidFill>
-                  <a:srgbClr val="9CDCFE"/>
-                </a:solidFill>
-                <a:effectLst/>
-                <a:latin typeface="JetBrains Mono" panose="02000009000000000000" pitchFamily="49" charset="0"/>
-              </a:rPr>
-              <a:t>value</a:t>
-            </a:r>
-            <a:r>
-              <a:rPr lang="es-ES" sz="1200" b="0" dirty="0">
-                <a:solidFill>
-                  <a:srgbClr val="D4D4D4"/>
-                </a:solidFill>
-                <a:effectLst/>
-                <a:latin typeface="JetBrains Mono" panose="02000009000000000000" pitchFamily="49" charset="0"/>
-              </a:rPr>
-              <a:t> === </a:t>
-            </a:r>
-            <a:r>
-              <a:rPr lang="es-ES" sz="1200" b="0" dirty="0" err="1">
-                <a:solidFill>
-                  <a:srgbClr val="569CD6"/>
-                </a:solidFill>
-                <a:effectLst/>
-                <a:latin typeface="JetBrains Mono" panose="02000009000000000000" pitchFamily="49" charset="0"/>
-              </a:rPr>
-              <a:t>null</a:t>
-            </a:r>
-            <a:r>
-              <a:rPr lang="es-ES" sz="1200" b="0" dirty="0">
-                <a:solidFill>
-                  <a:srgbClr val="D4D4D4"/>
-                </a:solidFill>
-                <a:effectLst/>
-                <a:latin typeface="JetBrains Mono" panose="02000009000000000000" pitchFamily="49" charset="0"/>
-              </a:rPr>
-              <a:t> || </a:t>
-            </a:r>
-            <a:r>
-              <a:rPr lang="es-ES" sz="1200" b="0" dirty="0" err="1">
-                <a:solidFill>
-                  <a:srgbClr val="9CDCFE"/>
-                </a:solidFill>
-                <a:effectLst/>
-                <a:latin typeface="JetBrains Mono" panose="02000009000000000000" pitchFamily="49" charset="0"/>
-              </a:rPr>
-              <a:t>value</a:t>
-            </a:r>
-            <a:r>
-              <a:rPr lang="es-ES" sz="1200" b="0" dirty="0">
-                <a:solidFill>
-                  <a:srgbClr val="D4D4D4"/>
-                </a:solidFill>
-                <a:effectLst/>
-                <a:latin typeface="JetBrains Mono" panose="02000009000000000000" pitchFamily="49" charset="0"/>
-              </a:rPr>
-              <a:t> === </a:t>
-            </a:r>
-            <a:r>
-              <a:rPr lang="es-ES" sz="1200" b="0" dirty="0" err="1">
-                <a:solidFill>
-                  <a:srgbClr val="569CD6"/>
-                </a:solidFill>
-                <a:effectLst/>
-                <a:latin typeface="JetBrains Mono" panose="02000009000000000000" pitchFamily="49" charset="0"/>
-              </a:rPr>
-              <a:t>undefined</a:t>
-            </a:r>
-            <a:r>
-              <a:rPr lang="es-ES" sz="1200" b="0" dirty="0">
-                <a:solidFill>
-                  <a:srgbClr val="D4D4D4"/>
-                </a:solidFill>
-                <a:effectLst/>
-                <a:latin typeface="JetBrains Mono" panose="02000009000000000000" pitchFamily="49" charset="0"/>
-              </a:rPr>
-              <a:t>) {</a:t>
-            </a:r>
-          </a:p>
-          <a:p>
-            <a:r>
-              <a:rPr lang="es-ES" sz="1200" b="0" dirty="0">
-                <a:solidFill>
-                  <a:srgbClr val="D4D4D4"/>
-                </a:solidFill>
-                <a:effectLst/>
-                <a:latin typeface="JetBrains Mono" panose="02000009000000000000" pitchFamily="49" charset="0"/>
-              </a:rPr>
-              <a:t>    </a:t>
-            </a:r>
-            <a:r>
-              <a:rPr lang="es-ES" sz="1200" b="0" dirty="0" err="1">
-                <a:solidFill>
-                  <a:srgbClr val="C586C0"/>
-                </a:solidFill>
-                <a:effectLst/>
-                <a:latin typeface="JetBrains Mono" panose="02000009000000000000" pitchFamily="49" charset="0"/>
-              </a:rPr>
-              <a:t>return</a:t>
-            </a:r>
-            <a:r>
-              <a:rPr lang="es-ES" sz="1200" b="0" dirty="0">
-                <a:solidFill>
-                  <a:srgbClr val="D4D4D4"/>
-                </a:solidFill>
-                <a:effectLst/>
-                <a:latin typeface="JetBrains Mono" panose="02000009000000000000" pitchFamily="49" charset="0"/>
-              </a:rPr>
-              <a:t> </a:t>
-            </a:r>
-            <a:r>
-              <a:rPr lang="es-ES" sz="1200" b="0" dirty="0" err="1">
-                <a:solidFill>
-                  <a:srgbClr val="9CDCFE"/>
-                </a:solidFill>
-                <a:effectLst/>
-                <a:latin typeface="JetBrains Mono" panose="02000009000000000000" pitchFamily="49" charset="0"/>
-              </a:rPr>
-              <a:t>value</a:t>
-            </a:r>
-            <a:r>
-              <a:rPr lang="es-ES" sz="1200" b="0" dirty="0">
-                <a:solidFill>
-                  <a:srgbClr val="D4D4D4"/>
-                </a:solidFill>
-                <a:effectLst/>
-                <a:latin typeface="JetBrains Mono" panose="02000009000000000000" pitchFamily="49" charset="0"/>
-              </a:rPr>
-              <a:t>;</a:t>
-            </a:r>
-          </a:p>
-          <a:p>
-            <a:r>
-              <a:rPr lang="es-ES" sz="1200" b="0" dirty="0">
-                <a:solidFill>
-                  <a:srgbClr val="D4D4D4"/>
-                </a:solidFill>
-                <a:effectLst/>
-                <a:latin typeface="JetBrains Mono" panose="02000009000000000000" pitchFamily="49" charset="0"/>
-              </a:rPr>
-              <a:t>  } </a:t>
-            </a:r>
-            <a:r>
-              <a:rPr lang="es-ES" sz="1200" b="0" dirty="0" err="1">
-                <a:solidFill>
-                  <a:srgbClr val="C586C0"/>
-                </a:solidFill>
-                <a:effectLst/>
-                <a:latin typeface="JetBrains Mono" panose="02000009000000000000" pitchFamily="49" charset="0"/>
-              </a:rPr>
-              <a:t>else</a:t>
-            </a:r>
-            <a:r>
-              <a:rPr lang="es-ES" sz="1200" b="0" dirty="0">
-                <a:solidFill>
-                  <a:srgbClr val="D4D4D4"/>
-                </a:solidFill>
-                <a:effectLst/>
-                <a:latin typeface="JetBrains Mono" panose="02000009000000000000" pitchFamily="49" charset="0"/>
-              </a:rPr>
-              <a:t> </a:t>
-            </a:r>
-            <a:r>
-              <a:rPr lang="es-ES" sz="1200" b="0" dirty="0" err="1">
-                <a:solidFill>
-                  <a:srgbClr val="C586C0"/>
-                </a:solidFill>
-                <a:effectLst/>
-                <a:latin typeface="JetBrains Mono" panose="02000009000000000000" pitchFamily="49" charset="0"/>
-              </a:rPr>
-              <a:t>if</a:t>
-            </a:r>
-            <a:r>
-              <a:rPr lang="es-ES" sz="1200" b="0" dirty="0">
-                <a:solidFill>
-                  <a:srgbClr val="D4D4D4"/>
-                </a:solidFill>
-                <a:effectLst/>
-                <a:latin typeface="JetBrains Mono" panose="02000009000000000000" pitchFamily="49" charset="0"/>
-              </a:rPr>
-              <a:t> (</a:t>
-            </a:r>
-            <a:r>
-              <a:rPr lang="es-ES" sz="1200" b="0" dirty="0" err="1">
-                <a:solidFill>
-                  <a:srgbClr val="569CD6"/>
-                </a:solidFill>
-                <a:effectLst/>
-                <a:latin typeface="JetBrains Mono" panose="02000009000000000000" pitchFamily="49" charset="0"/>
-              </a:rPr>
-              <a:t>typeof</a:t>
-            </a:r>
-            <a:r>
-              <a:rPr lang="es-ES" sz="1200" b="0" dirty="0">
-                <a:solidFill>
-                  <a:srgbClr val="D4D4D4"/>
-                </a:solidFill>
-                <a:effectLst/>
-                <a:latin typeface="JetBrains Mono" panose="02000009000000000000" pitchFamily="49" charset="0"/>
-              </a:rPr>
-              <a:t> </a:t>
-            </a:r>
-            <a:r>
-              <a:rPr lang="es-ES" sz="1200" b="0" dirty="0" err="1">
-                <a:solidFill>
-                  <a:srgbClr val="9CDCFE"/>
-                </a:solidFill>
-                <a:effectLst/>
-                <a:latin typeface="JetBrains Mono" panose="02000009000000000000" pitchFamily="49" charset="0"/>
-              </a:rPr>
-              <a:t>value</a:t>
-            </a:r>
-            <a:r>
-              <a:rPr lang="es-ES" sz="1200" b="0" dirty="0">
-                <a:solidFill>
-                  <a:srgbClr val="D4D4D4"/>
-                </a:solidFill>
-                <a:effectLst/>
-                <a:latin typeface="JetBrains Mono" panose="02000009000000000000" pitchFamily="49" charset="0"/>
-              </a:rPr>
-              <a:t> === </a:t>
-            </a:r>
-            <a:r>
-              <a:rPr lang="es-ES" sz="1200" b="0" dirty="0">
-                <a:solidFill>
-                  <a:srgbClr val="CE9178"/>
-                </a:solidFill>
-                <a:effectLst/>
-                <a:latin typeface="JetBrains Mono" panose="02000009000000000000" pitchFamily="49" charset="0"/>
-              </a:rPr>
-              <a:t>"</a:t>
-            </a:r>
-            <a:r>
-              <a:rPr lang="es-ES" sz="1200" b="0" dirty="0" err="1">
-                <a:solidFill>
-                  <a:srgbClr val="CE9178"/>
-                </a:solidFill>
-                <a:effectLst/>
-                <a:latin typeface="JetBrains Mono" panose="02000009000000000000" pitchFamily="49" charset="0"/>
-              </a:rPr>
-              <a:t>object</a:t>
-            </a:r>
-            <a:r>
-              <a:rPr lang="es-ES" sz="1200" b="0" dirty="0">
-                <a:solidFill>
-                  <a:srgbClr val="CE9178"/>
-                </a:solidFill>
-                <a:effectLst/>
-                <a:latin typeface="JetBrains Mono" panose="02000009000000000000" pitchFamily="49" charset="0"/>
-              </a:rPr>
-              <a:t>"</a:t>
-            </a:r>
-            <a:r>
-              <a:rPr lang="es-ES" sz="1200" b="0" dirty="0">
-                <a:solidFill>
-                  <a:srgbClr val="D4D4D4"/>
-                </a:solidFill>
-                <a:effectLst/>
-                <a:latin typeface="JetBrains Mono" panose="02000009000000000000" pitchFamily="49" charset="0"/>
-              </a:rPr>
-              <a:t>) {</a:t>
-            </a:r>
-          </a:p>
-          <a:p>
-            <a:r>
-              <a:rPr lang="es-ES" sz="1200" b="0" dirty="0">
-                <a:solidFill>
-                  <a:srgbClr val="D4D4D4"/>
-                </a:solidFill>
-                <a:effectLst/>
-                <a:latin typeface="JetBrains Mono" panose="02000009000000000000" pitchFamily="49" charset="0"/>
-              </a:rPr>
-              <a:t>    </a:t>
-            </a:r>
-            <a:r>
-              <a:rPr lang="es-ES" sz="1200" b="0" dirty="0" err="1">
-                <a:solidFill>
-                  <a:srgbClr val="C586C0"/>
-                </a:solidFill>
-                <a:effectLst/>
-                <a:latin typeface="JetBrains Mono" panose="02000009000000000000" pitchFamily="49" charset="0"/>
-              </a:rPr>
-              <a:t>return</a:t>
-            </a:r>
-            <a:r>
-              <a:rPr lang="es-ES" sz="1200" b="0" dirty="0">
-                <a:solidFill>
-                  <a:srgbClr val="D4D4D4"/>
-                </a:solidFill>
-                <a:effectLst/>
-                <a:latin typeface="JetBrains Mono" panose="02000009000000000000" pitchFamily="49" charset="0"/>
-              </a:rPr>
-              <a:t> </a:t>
-            </a:r>
-            <a:r>
-              <a:rPr lang="es-ES" sz="1200" b="0" dirty="0" err="1">
-                <a:solidFill>
-                  <a:srgbClr val="DCDCAA"/>
-                </a:solidFill>
-                <a:effectLst/>
-                <a:latin typeface="JetBrains Mono" panose="02000009000000000000" pitchFamily="49" charset="0"/>
-              </a:rPr>
-              <a:t>serializeObject</a:t>
-            </a:r>
-            <a:r>
-              <a:rPr lang="es-ES" sz="1200" b="0" dirty="0">
-                <a:solidFill>
-                  <a:srgbClr val="D4D4D4"/>
-                </a:solidFill>
-                <a:effectLst/>
-                <a:latin typeface="JetBrains Mono" panose="02000009000000000000" pitchFamily="49" charset="0"/>
-              </a:rPr>
-              <a:t>(</a:t>
-            </a:r>
-            <a:r>
-              <a:rPr lang="es-ES" sz="1200" b="0" dirty="0" err="1">
-                <a:solidFill>
-                  <a:srgbClr val="9CDCFE"/>
-                </a:solidFill>
-                <a:effectLst/>
-                <a:latin typeface="JetBrains Mono" panose="02000009000000000000" pitchFamily="49" charset="0"/>
-              </a:rPr>
-              <a:t>value</a:t>
-            </a:r>
-            <a:r>
-              <a:rPr lang="es-ES" sz="1200" b="0" dirty="0">
-                <a:solidFill>
-                  <a:srgbClr val="D4D4D4"/>
-                </a:solidFill>
-                <a:effectLst/>
-                <a:latin typeface="JetBrains Mono" panose="02000009000000000000" pitchFamily="49" charset="0"/>
-              </a:rPr>
-              <a:t>);</a:t>
-            </a:r>
-          </a:p>
-          <a:p>
-            <a:r>
-              <a:rPr lang="es-ES" sz="1200" b="0" dirty="0">
-                <a:solidFill>
-                  <a:srgbClr val="D4D4D4"/>
-                </a:solidFill>
-                <a:effectLst/>
-                <a:latin typeface="JetBrains Mono" panose="02000009000000000000" pitchFamily="49" charset="0"/>
-              </a:rPr>
-              <a:t>  } </a:t>
-            </a:r>
-            <a:r>
-              <a:rPr lang="es-ES" sz="1200" b="0" dirty="0" err="1">
-                <a:solidFill>
-                  <a:srgbClr val="C586C0"/>
-                </a:solidFill>
-                <a:effectLst/>
-                <a:latin typeface="JetBrains Mono" panose="02000009000000000000" pitchFamily="49" charset="0"/>
-              </a:rPr>
-              <a:t>else</a:t>
-            </a:r>
-            <a:r>
-              <a:rPr lang="es-ES" sz="1200" b="0" dirty="0">
-                <a:solidFill>
-                  <a:srgbClr val="D4D4D4"/>
-                </a:solidFill>
-                <a:effectLst/>
-                <a:latin typeface="JetBrains Mono" panose="02000009000000000000" pitchFamily="49" charset="0"/>
-              </a:rPr>
-              <a:t> </a:t>
-            </a:r>
-            <a:r>
-              <a:rPr lang="es-ES" sz="1200" b="0" dirty="0" err="1">
-                <a:solidFill>
-                  <a:srgbClr val="C586C0"/>
-                </a:solidFill>
-                <a:effectLst/>
-                <a:latin typeface="JetBrains Mono" panose="02000009000000000000" pitchFamily="49" charset="0"/>
-              </a:rPr>
-              <a:t>if</a:t>
-            </a:r>
-            <a:r>
-              <a:rPr lang="es-ES" sz="1200" b="0" dirty="0">
-                <a:solidFill>
-                  <a:srgbClr val="D4D4D4"/>
-                </a:solidFill>
-                <a:effectLst/>
-                <a:latin typeface="JetBrains Mono" panose="02000009000000000000" pitchFamily="49" charset="0"/>
-              </a:rPr>
-              <a:t> (</a:t>
-            </a:r>
-            <a:r>
-              <a:rPr lang="es-ES" sz="1200" b="0" dirty="0" err="1">
-                <a:solidFill>
-                  <a:srgbClr val="569CD6"/>
-                </a:solidFill>
-                <a:effectLst/>
-                <a:latin typeface="JetBrains Mono" panose="02000009000000000000" pitchFamily="49" charset="0"/>
-              </a:rPr>
-              <a:t>typeof</a:t>
-            </a:r>
-            <a:r>
-              <a:rPr lang="es-ES" sz="1200" b="0" dirty="0">
-                <a:solidFill>
-                  <a:srgbClr val="D4D4D4"/>
-                </a:solidFill>
-                <a:effectLst/>
-                <a:latin typeface="JetBrains Mono" panose="02000009000000000000" pitchFamily="49" charset="0"/>
-              </a:rPr>
-              <a:t> </a:t>
-            </a:r>
-            <a:r>
-              <a:rPr lang="es-ES" sz="1200" b="0" dirty="0" err="1">
-                <a:solidFill>
-                  <a:srgbClr val="9CDCFE"/>
-                </a:solidFill>
-                <a:effectLst/>
-                <a:latin typeface="JetBrains Mono" panose="02000009000000000000" pitchFamily="49" charset="0"/>
-              </a:rPr>
-              <a:t>value</a:t>
-            </a:r>
-            <a:r>
-              <a:rPr lang="es-ES" sz="1200" b="0" dirty="0">
-                <a:solidFill>
-                  <a:srgbClr val="D4D4D4"/>
-                </a:solidFill>
-                <a:effectLst/>
-                <a:latin typeface="JetBrains Mono" panose="02000009000000000000" pitchFamily="49" charset="0"/>
-              </a:rPr>
-              <a:t> === </a:t>
-            </a:r>
-            <a:r>
-              <a:rPr lang="es-ES" sz="1200" b="0" dirty="0">
-                <a:solidFill>
-                  <a:srgbClr val="CE9178"/>
-                </a:solidFill>
-                <a:effectLst/>
-                <a:latin typeface="JetBrains Mono" panose="02000009000000000000" pitchFamily="49" charset="0"/>
-              </a:rPr>
-              <a:t>"</a:t>
-            </a:r>
-            <a:r>
-              <a:rPr lang="es-ES" sz="1200" b="0" dirty="0" err="1">
-                <a:solidFill>
-                  <a:srgbClr val="CE9178"/>
-                </a:solidFill>
-                <a:effectLst/>
-                <a:latin typeface="JetBrains Mono" panose="02000009000000000000" pitchFamily="49" charset="0"/>
-              </a:rPr>
-              <a:t>number</a:t>
-            </a:r>
-            <a:r>
-              <a:rPr lang="es-ES" sz="1200" b="0" dirty="0">
-                <a:solidFill>
-                  <a:srgbClr val="CE9178"/>
-                </a:solidFill>
-                <a:effectLst/>
-                <a:latin typeface="JetBrains Mono" panose="02000009000000000000" pitchFamily="49" charset="0"/>
-              </a:rPr>
-              <a:t>"</a:t>
-            </a:r>
-            <a:r>
-              <a:rPr lang="es-ES" sz="1200" b="0" dirty="0">
-                <a:solidFill>
-                  <a:srgbClr val="D4D4D4"/>
-                </a:solidFill>
-                <a:effectLst/>
-                <a:latin typeface="JetBrains Mono" panose="02000009000000000000" pitchFamily="49" charset="0"/>
-              </a:rPr>
-              <a:t>) {</a:t>
-            </a:r>
-          </a:p>
-          <a:p>
-            <a:r>
-              <a:rPr lang="es-ES" sz="1200" b="0" dirty="0">
-                <a:solidFill>
-                  <a:srgbClr val="D4D4D4"/>
-                </a:solidFill>
-                <a:effectLst/>
-                <a:latin typeface="JetBrains Mono" panose="02000009000000000000" pitchFamily="49" charset="0"/>
-              </a:rPr>
-              <a:t>    </a:t>
-            </a:r>
-            <a:r>
-              <a:rPr lang="es-ES" sz="1200" b="0" dirty="0" err="1">
-                <a:solidFill>
-                  <a:srgbClr val="C586C0"/>
-                </a:solidFill>
-                <a:effectLst/>
-                <a:latin typeface="JetBrains Mono" panose="02000009000000000000" pitchFamily="49" charset="0"/>
-              </a:rPr>
-              <a:t>return</a:t>
-            </a:r>
-            <a:r>
-              <a:rPr lang="es-ES" sz="1200" b="0" dirty="0">
-                <a:solidFill>
-                  <a:srgbClr val="D4D4D4"/>
-                </a:solidFill>
-                <a:effectLst/>
-                <a:latin typeface="JetBrains Mono" panose="02000009000000000000" pitchFamily="49" charset="0"/>
-              </a:rPr>
-              <a:t> </a:t>
-            </a:r>
-            <a:r>
-              <a:rPr lang="es-ES" sz="1200" b="0" dirty="0" err="1">
-                <a:solidFill>
-                  <a:srgbClr val="9CDCFE"/>
-                </a:solidFill>
-                <a:effectLst/>
-                <a:latin typeface="JetBrains Mono" panose="02000009000000000000" pitchFamily="49" charset="0"/>
-              </a:rPr>
-              <a:t>value</a:t>
-            </a:r>
-            <a:r>
-              <a:rPr lang="es-ES" sz="1200" b="0" dirty="0">
-                <a:solidFill>
-                  <a:srgbClr val="D4D4D4"/>
-                </a:solidFill>
-                <a:effectLst/>
-                <a:latin typeface="JetBrains Mono" panose="02000009000000000000" pitchFamily="49" charset="0"/>
-              </a:rPr>
-              <a:t>;</a:t>
-            </a:r>
-          </a:p>
-          <a:p>
-            <a:r>
-              <a:rPr lang="es-ES" sz="1200" b="0" dirty="0">
-                <a:solidFill>
-                  <a:srgbClr val="D4D4D4"/>
-                </a:solidFill>
-                <a:effectLst/>
-                <a:latin typeface="JetBrains Mono" panose="02000009000000000000" pitchFamily="49" charset="0"/>
-              </a:rPr>
-              <a:t>  } </a:t>
-            </a:r>
-            <a:r>
-              <a:rPr lang="es-ES" sz="1200" b="0" dirty="0" err="1">
-                <a:solidFill>
-                  <a:srgbClr val="C586C0"/>
-                </a:solidFill>
-                <a:effectLst/>
-                <a:latin typeface="JetBrains Mono" panose="02000009000000000000" pitchFamily="49" charset="0"/>
-              </a:rPr>
-              <a:t>else</a:t>
-            </a:r>
-            <a:r>
-              <a:rPr lang="es-ES" sz="1200" b="0" dirty="0">
-                <a:solidFill>
-                  <a:srgbClr val="D4D4D4"/>
-                </a:solidFill>
-                <a:effectLst/>
-                <a:latin typeface="JetBrains Mono" panose="02000009000000000000" pitchFamily="49" charset="0"/>
-              </a:rPr>
-              <a:t> </a:t>
-            </a:r>
-            <a:r>
-              <a:rPr lang="es-ES" sz="1200" b="0" dirty="0" err="1">
-                <a:solidFill>
-                  <a:srgbClr val="C586C0"/>
-                </a:solidFill>
-                <a:effectLst/>
-                <a:latin typeface="JetBrains Mono" panose="02000009000000000000" pitchFamily="49" charset="0"/>
-              </a:rPr>
-              <a:t>if</a:t>
-            </a:r>
-            <a:r>
-              <a:rPr lang="es-ES" sz="1200" b="0" dirty="0">
-                <a:solidFill>
-                  <a:srgbClr val="D4D4D4"/>
-                </a:solidFill>
-                <a:effectLst/>
-                <a:latin typeface="JetBrains Mono" panose="02000009000000000000" pitchFamily="49" charset="0"/>
-              </a:rPr>
-              <a:t> (</a:t>
-            </a:r>
-            <a:r>
-              <a:rPr lang="es-ES" sz="1200" b="0" dirty="0" err="1">
-                <a:solidFill>
-                  <a:srgbClr val="9CDCFE"/>
-                </a:solidFill>
-                <a:effectLst/>
-                <a:latin typeface="JetBrains Mono" panose="02000009000000000000" pitchFamily="49" charset="0"/>
-              </a:rPr>
-              <a:t>value</a:t>
-            </a:r>
-            <a:r>
-              <a:rPr lang="es-ES" sz="1200" b="0" dirty="0">
-                <a:solidFill>
-                  <a:srgbClr val="D4D4D4"/>
-                </a:solidFill>
-                <a:effectLst/>
-                <a:latin typeface="JetBrains Mono" panose="02000009000000000000" pitchFamily="49" charset="0"/>
-              </a:rPr>
-              <a:t> </a:t>
-            </a:r>
-            <a:r>
-              <a:rPr lang="es-ES" sz="1200" b="0" dirty="0" err="1">
-                <a:solidFill>
-                  <a:srgbClr val="569CD6"/>
-                </a:solidFill>
-                <a:effectLst/>
-                <a:latin typeface="JetBrains Mono" panose="02000009000000000000" pitchFamily="49" charset="0"/>
-              </a:rPr>
-              <a:t>instanceof</a:t>
-            </a:r>
-            <a:r>
-              <a:rPr lang="es-ES" sz="1200" b="0" dirty="0">
-                <a:solidFill>
-                  <a:srgbClr val="D4D4D4"/>
-                </a:solidFill>
-                <a:effectLst/>
-                <a:latin typeface="JetBrains Mono" panose="02000009000000000000" pitchFamily="49" charset="0"/>
-              </a:rPr>
-              <a:t> </a:t>
-            </a:r>
-            <a:r>
-              <a:rPr lang="es-ES" sz="1200" b="0" dirty="0">
-                <a:solidFill>
-                  <a:srgbClr val="4EC9B0"/>
-                </a:solidFill>
-                <a:effectLst/>
-                <a:latin typeface="JetBrains Mono" panose="02000009000000000000" pitchFamily="49" charset="0"/>
-              </a:rPr>
-              <a:t>Set</a:t>
-            </a:r>
-            <a:r>
-              <a:rPr lang="es-ES" sz="1200" b="0" dirty="0">
-                <a:solidFill>
-                  <a:srgbClr val="D4D4D4"/>
-                </a:solidFill>
-                <a:effectLst/>
-                <a:latin typeface="JetBrains Mono" panose="02000009000000000000" pitchFamily="49" charset="0"/>
-              </a:rPr>
-              <a:t>) {</a:t>
-            </a:r>
-          </a:p>
-          <a:p>
-            <a:r>
-              <a:rPr lang="es-ES" sz="1200" b="0" dirty="0">
-                <a:solidFill>
-                  <a:srgbClr val="D4D4D4"/>
-                </a:solidFill>
-                <a:effectLst/>
-                <a:latin typeface="JetBrains Mono" panose="02000009000000000000" pitchFamily="49" charset="0"/>
-              </a:rPr>
-              <a:t>    </a:t>
-            </a:r>
-            <a:r>
-              <a:rPr lang="es-ES" sz="1200" b="0" dirty="0" err="1">
-                <a:solidFill>
-                  <a:srgbClr val="C586C0"/>
-                </a:solidFill>
-                <a:effectLst/>
-                <a:latin typeface="JetBrains Mono" panose="02000009000000000000" pitchFamily="49" charset="0"/>
-              </a:rPr>
-              <a:t>return</a:t>
-            </a:r>
-            <a:r>
-              <a:rPr lang="es-ES" sz="1200" b="0" dirty="0">
-                <a:solidFill>
-                  <a:srgbClr val="D4D4D4"/>
-                </a:solidFill>
-                <a:effectLst/>
-                <a:latin typeface="JetBrains Mono" panose="02000009000000000000" pitchFamily="49" charset="0"/>
-              </a:rPr>
-              <a:t> </a:t>
-            </a:r>
-            <a:r>
-              <a:rPr lang="es-ES" sz="1200" b="0" dirty="0" err="1">
-                <a:solidFill>
-                  <a:srgbClr val="4EC9B0"/>
-                </a:solidFill>
-                <a:effectLst/>
-                <a:latin typeface="JetBrains Mono" panose="02000009000000000000" pitchFamily="49" charset="0"/>
-              </a:rPr>
-              <a:t>Array</a:t>
-            </a:r>
-            <a:r>
-              <a:rPr lang="es-ES" sz="1200" b="0" dirty="0" err="1">
-                <a:solidFill>
-                  <a:srgbClr val="D4D4D4"/>
-                </a:solidFill>
-                <a:effectLst/>
-                <a:latin typeface="JetBrains Mono" panose="02000009000000000000" pitchFamily="49" charset="0"/>
-              </a:rPr>
-              <a:t>.</a:t>
-            </a:r>
-            <a:r>
-              <a:rPr lang="es-ES" sz="1200" b="0" dirty="0" err="1">
-                <a:solidFill>
-                  <a:srgbClr val="DCDCAA"/>
-                </a:solidFill>
-                <a:effectLst/>
-                <a:latin typeface="JetBrains Mono" panose="02000009000000000000" pitchFamily="49" charset="0"/>
-              </a:rPr>
-              <a:t>from</a:t>
-            </a:r>
-            <a:r>
-              <a:rPr lang="es-ES" sz="1200" b="0" dirty="0">
-                <a:solidFill>
-                  <a:srgbClr val="D4D4D4"/>
-                </a:solidFill>
-                <a:effectLst/>
-                <a:latin typeface="JetBrains Mono" panose="02000009000000000000" pitchFamily="49" charset="0"/>
-              </a:rPr>
-              <a:t>(</a:t>
-            </a:r>
-            <a:r>
-              <a:rPr lang="es-ES" sz="1200" b="0" dirty="0" err="1">
-                <a:solidFill>
-                  <a:srgbClr val="9CDCFE"/>
-                </a:solidFill>
-                <a:effectLst/>
-                <a:latin typeface="JetBrains Mono" panose="02000009000000000000" pitchFamily="49" charset="0"/>
-              </a:rPr>
-              <a:t>value</a:t>
-            </a:r>
-            <a:r>
-              <a:rPr lang="es-ES" sz="1200" b="0" dirty="0" err="1">
-                <a:solidFill>
-                  <a:srgbClr val="D4D4D4"/>
-                </a:solidFill>
-                <a:effectLst/>
-                <a:latin typeface="JetBrains Mono" panose="02000009000000000000" pitchFamily="49" charset="0"/>
-              </a:rPr>
-              <a:t>.</a:t>
-            </a:r>
-            <a:r>
-              <a:rPr lang="es-ES" sz="1200" b="0" dirty="0" err="1">
-                <a:solidFill>
-                  <a:srgbClr val="DCDCAA"/>
-                </a:solidFill>
-                <a:effectLst/>
-                <a:latin typeface="JetBrains Mono" panose="02000009000000000000" pitchFamily="49" charset="0"/>
-              </a:rPr>
-              <a:t>values</a:t>
-            </a:r>
-            <a:r>
-              <a:rPr lang="es-ES" sz="1200" b="0" dirty="0">
-                <a:solidFill>
-                  <a:srgbClr val="D4D4D4"/>
-                </a:solidFill>
-                <a:effectLst/>
-                <a:latin typeface="JetBrains Mono" panose="02000009000000000000" pitchFamily="49" charset="0"/>
-              </a:rPr>
-              <a:t>()).</a:t>
-            </a:r>
-            <a:r>
-              <a:rPr lang="es-ES" sz="1200" b="0" dirty="0" err="1">
-                <a:solidFill>
-                  <a:srgbClr val="DCDCAA"/>
-                </a:solidFill>
-                <a:effectLst/>
-                <a:latin typeface="JetBrains Mono" panose="02000009000000000000" pitchFamily="49" charset="0"/>
-              </a:rPr>
-              <a:t>map</a:t>
-            </a:r>
-            <a:r>
-              <a:rPr lang="es-ES" sz="1200" b="0" dirty="0">
-                <a:solidFill>
-                  <a:srgbClr val="D4D4D4"/>
-                </a:solidFill>
-                <a:effectLst/>
-                <a:latin typeface="JetBrains Mono" panose="02000009000000000000" pitchFamily="49" charset="0"/>
-              </a:rPr>
-              <a:t>(</a:t>
-            </a:r>
-            <a:r>
-              <a:rPr lang="es-ES" sz="1200" b="0" dirty="0" err="1">
-                <a:solidFill>
-                  <a:srgbClr val="DCDCAA"/>
-                </a:solidFill>
-                <a:effectLst/>
-                <a:latin typeface="JetBrains Mono" panose="02000009000000000000" pitchFamily="49" charset="0"/>
-              </a:rPr>
-              <a:t>serializeValue</a:t>
-            </a:r>
-            <a:r>
-              <a:rPr lang="es-ES" sz="1200" b="0" dirty="0">
-                <a:solidFill>
-                  <a:srgbClr val="D4D4D4"/>
-                </a:solidFill>
-                <a:effectLst/>
-                <a:latin typeface="JetBrains Mono" panose="02000009000000000000" pitchFamily="49" charset="0"/>
-              </a:rPr>
-              <a:t>);</a:t>
-            </a:r>
-          </a:p>
-          <a:p>
-            <a:r>
-              <a:rPr lang="es-ES" sz="1200" b="0" dirty="0">
-                <a:solidFill>
-                  <a:srgbClr val="D4D4D4"/>
-                </a:solidFill>
-                <a:effectLst/>
-                <a:latin typeface="JetBrains Mono" panose="02000009000000000000" pitchFamily="49" charset="0"/>
-              </a:rPr>
-              <a:t>  } </a:t>
-            </a:r>
-            <a:r>
-              <a:rPr lang="es-ES" sz="1200" b="0" dirty="0" err="1">
-                <a:solidFill>
-                  <a:srgbClr val="C586C0"/>
-                </a:solidFill>
-                <a:effectLst/>
-                <a:latin typeface="JetBrains Mono" panose="02000009000000000000" pitchFamily="49" charset="0"/>
-              </a:rPr>
-              <a:t>else</a:t>
-            </a:r>
-            <a:r>
-              <a:rPr lang="es-ES" sz="1200" b="0" dirty="0">
-                <a:solidFill>
-                  <a:srgbClr val="D4D4D4"/>
-                </a:solidFill>
-                <a:effectLst/>
-                <a:latin typeface="JetBrains Mono" panose="02000009000000000000" pitchFamily="49" charset="0"/>
-              </a:rPr>
-              <a:t> </a:t>
-            </a:r>
-            <a:r>
-              <a:rPr lang="es-ES" sz="1200" b="0" dirty="0" err="1">
-                <a:solidFill>
-                  <a:srgbClr val="C586C0"/>
-                </a:solidFill>
-                <a:effectLst/>
-                <a:latin typeface="JetBrains Mono" panose="02000009000000000000" pitchFamily="49" charset="0"/>
-              </a:rPr>
-              <a:t>if</a:t>
-            </a:r>
-            <a:r>
-              <a:rPr lang="es-ES" sz="1200" b="0" dirty="0">
-                <a:solidFill>
-                  <a:srgbClr val="D4D4D4"/>
-                </a:solidFill>
-                <a:effectLst/>
-                <a:latin typeface="JetBrains Mono" panose="02000009000000000000" pitchFamily="49" charset="0"/>
-              </a:rPr>
-              <a:t> (</a:t>
-            </a:r>
-            <a:r>
-              <a:rPr lang="es-ES" sz="1200" b="0" dirty="0" err="1">
-                <a:solidFill>
-                  <a:srgbClr val="9CDCFE"/>
-                </a:solidFill>
-                <a:effectLst/>
-                <a:latin typeface="JetBrains Mono" panose="02000009000000000000" pitchFamily="49" charset="0"/>
-              </a:rPr>
-              <a:t>value</a:t>
-            </a:r>
-            <a:r>
-              <a:rPr lang="es-ES" sz="1200" b="0" dirty="0">
-                <a:solidFill>
-                  <a:srgbClr val="D4D4D4"/>
-                </a:solidFill>
-                <a:effectLst/>
-                <a:latin typeface="JetBrains Mono" panose="02000009000000000000" pitchFamily="49" charset="0"/>
-              </a:rPr>
-              <a:t> </a:t>
-            </a:r>
-            <a:r>
-              <a:rPr lang="es-ES" sz="1200" b="0" dirty="0" err="1">
-                <a:solidFill>
-                  <a:srgbClr val="569CD6"/>
-                </a:solidFill>
-                <a:effectLst/>
-                <a:latin typeface="JetBrains Mono" panose="02000009000000000000" pitchFamily="49" charset="0"/>
-              </a:rPr>
-              <a:t>instanceof</a:t>
-            </a:r>
-            <a:r>
-              <a:rPr lang="es-ES" sz="1200" b="0" dirty="0">
-                <a:solidFill>
-                  <a:srgbClr val="D4D4D4"/>
-                </a:solidFill>
-                <a:effectLst/>
-                <a:latin typeface="JetBrains Mono" panose="02000009000000000000" pitchFamily="49" charset="0"/>
-              </a:rPr>
-              <a:t> </a:t>
-            </a:r>
-            <a:r>
-              <a:rPr lang="es-ES" sz="1200" b="0" dirty="0" err="1">
-                <a:solidFill>
-                  <a:srgbClr val="4EC9B0"/>
-                </a:solidFill>
-                <a:effectLst/>
-                <a:latin typeface="JetBrains Mono" panose="02000009000000000000" pitchFamily="49" charset="0"/>
-              </a:rPr>
-              <a:t>Map</a:t>
-            </a:r>
-            <a:r>
-              <a:rPr lang="es-ES" sz="1200" b="0" dirty="0">
-                <a:solidFill>
-                  <a:srgbClr val="D4D4D4"/>
-                </a:solidFill>
-                <a:effectLst/>
-                <a:latin typeface="JetBrains Mono" panose="02000009000000000000" pitchFamily="49" charset="0"/>
-              </a:rPr>
-              <a:t>) {</a:t>
-            </a:r>
-          </a:p>
-          <a:p>
-            <a:r>
-              <a:rPr lang="es-ES" sz="1200" b="0" dirty="0">
-                <a:solidFill>
-                  <a:srgbClr val="D4D4D4"/>
-                </a:solidFill>
-                <a:effectLst/>
-                <a:latin typeface="JetBrains Mono" panose="02000009000000000000" pitchFamily="49" charset="0"/>
-              </a:rPr>
-              <a:t>    </a:t>
-            </a:r>
-            <a:r>
-              <a:rPr lang="es-ES" sz="1200" b="0" dirty="0" err="1">
-                <a:solidFill>
-                  <a:srgbClr val="C586C0"/>
-                </a:solidFill>
-                <a:effectLst/>
-                <a:latin typeface="JetBrains Mono" panose="02000009000000000000" pitchFamily="49" charset="0"/>
-              </a:rPr>
-              <a:t>return</a:t>
-            </a:r>
-            <a:r>
-              <a:rPr lang="es-ES" sz="1200" b="0" dirty="0">
-                <a:solidFill>
-                  <a:srgbClr val="D4D4D4"/>
-                </a:solidFill>
-                <a:effectLst/>
-                <a:latin typeface="JetBrains Mono" panose="02000009000000000000" pitchFamily="49" charset="0"/>
-              </a:rPr>
-              <a:t> </a:t>
-            </a:r>
-            <a:r>
-              <a:rPr lang="es-ES" sz="1200" b="0" dirty="0" err="1">
-                <a:solidFill>
-                  <a:srgbClr val="4EC9B0"/>
-                </a:solidFill>
-                <a:effectLst/>
-                <a:latin typeface="JetBrains Mono" panose="02000009000000000000" pitchFamily="49" charset="0"/>
-              </a:rPr>
-              <a:t>Array</a:t>
-            </a:r>
-            <a:r>
-              <a:rPr lang="es-ES" sz="1200" b="0" dirty="0" err="1">
-                <a:solidFill>
-                  <a:srgbClr val="D4D4D4"/>
-                </a:solidFill>
-                <a:effectLst/>
-                <a:latin typeface="JetBrains Mono" panose="02000009000000000000" pitchFamily="49" charset="0"/>
-              </a:rPr>
-              <a:t>.</a:t>
-            </a:r>
-            <a:r>
-              <a:rPr lang="es-ES" sz="1200" b="0" dirty="0" err="1">
-                <a:solidFill>
-                  <a:srgbClr val="DCDCAA"/>
-                </a:solidFill>
-                <a:effectLst/>
-                <a:latin typeface="JetBrains Mono" panose="02000009000000000000" pitchFamily="49" charset="0"/>
-              </a:rPr>
-              <a:t>from</a:t>
-            </a:r>
-            <a:r>
-              <a:rPr lang="es-ES" sz="1200" b="0" dirty="0">
-                <a:solidFill>
-                  <a:srgbClr val="D4D4D4"/>
-                </a:solidFill>
-                <a:effectLst/>
-                <a:latin typeface="JetBrains Mono" panose="02000009000000000000" pitchFamily="49" charset="0"/>
-              </a:rPr>
-              <a:t>(</a:t>
-            </a:r>
-            <a:r>
-              <a:rPr lang="es-ES" sz="1200" b="0" dirty="0" err="1">
-                <a:solidFill>
-                  <a:srgbClr val="9CDCFE"/>
-                </a:solidFill>
-                <a:effectLst/>
-                <a:latin typeface="JetBrains Mono" panose="02000009000000000000" pitchFamily="49" charset="0"/>
-              </a:rPr>
-              <a:t>value</a:t>
-            </a:r>
-            <a:r>
-              <a:rPr lang="es-ES" sz="1200" b="0" dirty="0" err="1">
-                <a:solidFill>
-                  <a:srgbClr val="D4D4D4"/>
-                </a:solidFill>
-                <a:effectLst/>
-                <a:latin typeface="JetBrains Mono" panose="02000009000000000000" pitchFamily="49" charset="0"/>
-              </a:rPr>
-              <a:t>.</a:t>
-            </a:r>
-            <a:r>
-              <a:rPr lang="es-ES" sz="1200" b="0" dirty="0" err="1">
-                <a:solidFill>
-                  <a:srgbClr val="DCDCAA"/>
-                </a:solidFill>
-                <a:effectLst/>
-                <a:latin typeface="JetBrains Mono" panose="02000009000000000000" pitchFamily="49" charset="0"/>
-              </a:rPr>
-              <a:t>entries</a:t>
-            </a:r>
-            <a:r>
-              <a:rPr lang="es-ES" sz="1200" b="0" dirty="0">
-                <a:solidFill>
-                  <a:srgbClr val="D4D4D4"/>
-                </a:solidFill>
-                <a:effectLst/>
-                <a:latin typeface="JetBrains Mono" panose="02000009000000000000" pitchFamily="49" charset="0"/>
-              </a:rPr>
-              <a:t>()).</a:t>
-            </a:r>
-            <a:r>
-              <a:rPr lang="es-ES" sz="1200" b="0" dirty="0" err="1">
-                <a:solidFill>
-                  <a:srgbClr val="DCDCAA"/>
-                </a:solidFill>
-                <a:effectLst/>
-                <a:latin typeface="JetBrains Mono" panose="02000009000000000000" pitchFamily="49" charset="0"/>
-              </a:rPr>
-              <a:t>map</a:t>
-            </a:r>
-            <a:r>
-              <a:rPr lang="es-ES" sz="1200" b="0" dirty="0">
-                <a:solidFill>
-                  <a:srgbClr val="D4D4D4"/>
-                </a:solidFill>
-                <a:effectLst/>
-                <a:latin typeface="JetBrains Mono" panose="02000009000000000000" pitchFamily="49" charset="0"/>
-              </a:rPr>
-              <a:t>(([</a:t>
-            </a:r>
-            <a:r>
-              <a:rPr lang="es-ES" sz="1200" b="0" dirty="0" err="1">
-                <a:solidFill>
-                  <a:srgbClr val="9CDCFE"/>
-                </a:solidFill>
-                <a:effectLst/>
-                <a:latin typeface="JetBrains Mono" panose="02000009000000000000" pitchFamily="49" charset="0"/>
-              </a:rPr>
-              <a:t>key</a:t>
-            </a:r>
-            <a:r>
-              <a:rPr lang="es-ES" sz="1200" b="0" dirty="0">
-                <a:solidFill>
-                  <a:srgbClr val="D4D4D4"/>
-                </a:solidFill>
-                <a:effectLst/>
-                <a:latin typeface="JetBrains Mono" panose="02000009000000000000" pitchFamily="49" charset="0"/>
-              </a:rPr>
-              <a:t>, </a:t>
-            </a:r>
-            <a:r>
-              <a:rPr lang="es-ES" sz="1200" b="0" dirty="0" err="1">
-                <a:solidFill>
-                  <a:srgbClr val="9CDCFE"/>
-                </a:solidFill>
-                <a:effectLst/>
-                <a:latin typeface="JetBrains Mono" panose="02000009000000000000" pitchFamily="49" charset="0"/>
-              </a:rPr>
-              <a:t>value</a:t>
-            </a:r>
-            <a:r>
-              <a:rPr lang="es-ES" sz="1200" b="0" dirty="0">
-                <a:solidFill>
-                  <a:srgbClr val="D4D4D4"/>
-                </a:solidFill>
-                <a:effectLst/>
-                <a:latin typeface="JetBrains Mono" panose="02000009000000000000" pitchFamily="49" charset="0"/>
-              </a:rPr>
-              <a:t>]) </a:t>
-            </a:r>
-            <a:r>
-              <a:rPr lang="es-ES" sz="1200" b="0" dirty="0">
-                <a:solidFill>
-                  <a:srgbClr val="569CD6"/>
-                </a:solidFill>
-                <a:effectLst/>
-                <a:latin typeface="JetBrains Mono" panose="02000009000000000000" pitchFamily="49" charset="0"/>
-              </a:rPr>
-              <a:t>=&gt;</a:t>
-            </a:r>
-            <a:r>
-              <a:rPr lang="es-ES" sz="1200" b="0" dirty="0">
-                <a:solidFill>
-                  <a:srgbClr val="D4D4D4"/>
-                </a:solidFill>
-                <a:effectLst/>
-                <a:latin typeface="JetBrains Mono" panose="02000009000000000000" pitchFamily="49" charset="0"/>
-              </a:rPr>
-              <a:t> [</a:t>
-            </a:r>
-          </a:p>
-          <a:p>
-            <a:r>
-              <a:rPr lang="es-ES" sz="1200" b="0" dirty="0">
-                <a:solidFill>
-                  <a:srgbClr val="D4D4D4"/>
-                </a:solidFill>
-                <a:effectLst/>
-                <a:latin typeface="JetBrains Mono" panose="02000009000000000000" pitchFamily="49" charset="0"/>
-              </a:rPr>
-              <a:t>      </a:t>
-            </a:r>
-            <a:r>
-              <a:rPr lang="es-ES" sz="1200" b="0" dirty="0" err="1">
-                <a:solidFill>
-                  <a:srgbClr val="9CDCFE"/>
-                </a:solidFill>
-                <a:effectLst/>
-                <a:latin typeface="JetBrains Mono" panose="02000009000000000000" pitchFamily="49" charset="0"/>
-              </a:rPr>
-              <a:t>key</a:t>
-            </a:r>
-            <a:r>
-              <a:rPr lang="es-ES" sz="1200" b="0" dirty="0">
-                <a:solidFill>
-                  <a:srgbClr val="D4D4D4"/>
-                </a:solidFill>
-                <a:effectLst/>
-                <a:latin typeface="JetBrains Mono" panose="02000009000000000000" pitchFamily="49" charset="0"/>
-              </a:rPr>
-              <a:t>,</a:t>
-            </a:r>
-          </a:p>
-          <a:p>
-            <a:r>
-              <a:rPr lang="es-ES" sz="1200" b="0" dirty="0">
-                <a:solidFill>
-                  <a:srgbClr val="D4D4D4"/>
-                </a:solidFill>
-                <a:effectLst/>
-                <a:latin typeface="JetBrains Mono" panose="02000009000000000000" pitchFamily="49" charset="0"/>
-              </a:rPr>
-              <a:t>      </a:t>
-            </a:r>
-            <a:r>
-              <a:rPr lang="es-ES" sz="1200" b="0" dirty="0" err="1">
-                <a:solidFill>
-                  <a:srgbClr val="DCDCAA"/>
-                </a:solidFill>
-                <a:effectLst/>
-                <a:latin typeface="JetBrains Mono" panose="02000009000000000000" pitchFamily="49" charset="0"/>
-              </a:rPr>
-              <a:t>serializeValue</a:t>
-            </a:r>
-            <a:r>
-              <a:rPr lang="es-ES" sz="1200" b="0" dirty="0">
-                <a:solidFill>
-                  <a:srgbClr val="D4D4D4"/>
-                </a:solidFill>
-                <a:effectLst/>
-                <a:latin typeface="JetBrains Mono" panose="02000009000000000000" pitchFamily="49" charset="0"/>
-              </a:rPr>
-              <a:t>(</a:t>
-            </a:r>
-            <a:r>
-              <a:rPr lang="es-ES" sz="1200" b="0" dirty="0" err="1">
-                <a:solidFill>
-                  <a:srgbClr val="9CDCFE"/>
-                </a:solidFill>
-                <a:effectLst/>
-                <a:latin typeface="JetBrains Mono" panose="02000009000000000000" pitchFamily="49" charset="0"/>
-              </a:rPr>
-              <a:t>value</a:t>
-            </a:r>
-            <a:r>
-              <a:rPr lang="es-ES" sz="1200" b="0" dirty="0">
-                <a:solidFill>
-                  <a:srgbClr val="D4D4D4"/>
-                </a:solidFill>
-                <a:effectLst/>
-                <a:latin typeface="JetBrains Mono" panose="02000009000000000000" pitchFamily="49" charset="0"/>
-              </a:rPr>
-              <a:t>),</a:t>
-            </a:r>
-          </a:p>
-          <a:p>
-            <a:r>
-              <a:rPr lang="es-ES" sz="1200" b="0" dirty="0">
-                <a:solidFill>
-                  <a:srgbClr val="D4D4D4"/>
-                </a:solidFill>
-                <a:effectLst/>
-                <a:latin typeface="JetBrains Mono" panose="02000009000000000000" pitchFamily="49" charset="0"/>
-              </a:rPr>
-              <a:t>    ]);</a:t>
-            </a:r>
-          </a:p>
-          <a:p>
-            <a:r>
-              <a:rPr lang="es-ES" sz="1200" b="0" dirty="0">
-                <a:solidFill>
-                  <a:srgbClr val="D4D4D4"/>
-                </a:solidFill>
-                <a:effectLst/>
-                <a:latin typeface="JetBrains Mono" panose="02000009000000000000" pitchFamily="49" charset="0"/>
-              </a:rPr>
-              <a:t>  }</a:t>
-            </a:r>
-          </a:p>
-          <a:p>
-            <a:br>
-              <a:rPr lang="es-ES" sz="1200" b="0" dirty="0">
-                <a:solidFill>
-                  <a:srgbClr val="D4D4D4"/>
-                </a:solidFill>
-                <a:effectLst/>
-                <a:latin typeface="JetBrains Mono" panose="02000009000000000000" pitchFamily="49" charset="0"/>
-              </a:rPr>
-            </a:br>
-            <a:r>
-              <a:rPr lang="es-ES" sz="1200" b="0" dirty="0">
-                <a:solidFill>
-                  <a:srgbClr val="D4D4D4"/>
-                </a:solidFill>
-                <a:effectLst/>
-                <a:latin typeface="JetBrains Mono" panose="02000009000000000000" pitchFamily="49" charset="0"/>
-              </a:rPr>
-              <a:t>  </a:t>
-            </a:r>
-            <a:r>
-              <a:rPr lang="es-ES" sz="1200" b="0" dirty="0" err="1">
-                <a:solidFill>
-                  <a:srgbClr val="C586C0"/>
-                </a:solidFill>
-                <a:effectLst/>
-                <a:latin typeface="JetBrains Mono" panose="02000009000000000000" pitchFamily="49" charset="0"/>
-              </a:rPr>
-              <a:t>return</a:t>
-            </a:r>
-            <a:r>
-              <a:rPr lang="es-ES" sz="1200" b="0" dirty="0">
-                <a:solidFill>
-                  <a:srgbClr val="D4D4D4"/>
-                </a:solidFill>
-                <a:effectLst/>
-                <a:latin typeface="JetBrains Mono" panose="02000009000000000000" pitchFamily="49" charset="0"/>
-              </a:rPr>
-              <a:t> </a:t>
-            </a:r>
-            <a:r>
-              <a:rPr lang="es-ES" sz="1200" b="0" dirty="0" err="1">
-                <a:solidFill>
-                  <a:srgbClr val="9CDCFE"/>
-                </a:solidFill>
-                <a:effectLst/>
-                <a:latin typeface="JetBrains Mono" panose="02000009000000000000" pitchFamily="49" charset="0"/>
-              </a:rPr>
-              <a:t>value</a:t>
-            </a:r>
-            <a:r>
-              <a:rPr lang="es-ES" sz="1200" b="0" dirty="0" err="1">
-                <a:solidFill>
-                  <a:srgbClr val="D4D4D4"/>
-                </a:solidFill>
-                <a:effectLst/>
-                <a:latin typeface="JetBrains Mono" panose="02000009000000000000" pitchFamily="49" charset="0"/>
-              </a:rPr>
-              <a:t>.</a:t>
-            </a:r>
-            <a:r>
-              <a:rPr lang="es-ES" sz="1200" b="0" dirty="0" err="1">
-                <a:solidFill>
-                  <a:srgbClr val="DCDCAA"/>
-                </a:solidFill>
-                <a:effectLst/>
-                <a:latin typeface="JetBrains Mono" panose="02000009000000000000" pitchFamily="49" charset="0"/>
-              </a:rPr>
-              <a:t>toString</a:t>
-            </a:r>
-            <a:r>
-              <a:rPr lang="es-ES" sz="1200" b="0" dirty="0">
-                <a:solidFill>
-                  <a:srgbClr val="D4D4D4"/>
-                </a:solidFill>
-                <a:effectLst/>
-                <a:latin typeface="JetBrains Mono" panose="02000009000000000000" pitchFamily="49" charset="0"/>
-              </a:rPr>
-              <a:t>();</a:t>
-            </a:r>
-          </a:p>
-          <a:p>
-            <a:r>
-              <a:rPr lang="es-ES" sz="1200" b="0" dirty="0">
-                <a:solidFill>
-                  <a:srgbClr val="D4D4D4"/>
-                </a:solidFill>
-                <a:effectLst/>
-                <a:latin typeface="JetBrains Mono" panose="02000009000000000000" pitchFamily="49" charset="0"/>
-              </a:rPr>
-              <a:t>}</a:t>
-            </a:r>
-          </a:p>
-        </p:txBody>
-      </p:sp>
-      <p:sp>
-        <p:nvSpPr>
-          <p:cNvPr id="2" name="Título 1">
-            <a:extLst>
-              <a:ext uri="{FF2B5EF4-FFF2-40B4-BE49-F238E27FC236}">
-                <a16:creationId xmlns:a16="http://schemas.microsoft.com/office/drawing/2014/main" id="{1BCBB744-4483-E679-9060-CE5B1A06ECAD}"/>
-              </a:ext>
-            </a:extLst>
-          </p:cNvPr>
-          <p:cNvSpPr>
-            <a:spLocks noGrp="1"/>
-          </p:cNvSpPr>
-          <p:nvPr>
-            <p:ph type="title"/>
-          </p:nvPr>
-        </p:nvSpPr>
-        <p:spPr>
-          <a:xfrm>
-            <a:off x="684212" y="4487332"/>
-            <a:ext cx="3948173" cy="1507067"/>
-          </a:xfrm>
-        </p:spPr>
-        <p:txBody>
-          <a:bodyPr/>
-          <a:lstStyle/>
-          <a:p>
-            <a:r>
-              <a:rPr lang="es-ES" dirty="0"/>
-              <a:t>Solución a mano</a:t>
-            </a:r>
-          </a:p>
-        </p:txBody>
-      </p:sp>
-      <p:sp>
-        <p:nvSpPr>
-          <p:cNvPr id="3" name="Marcador de contenido 2">
-            <a:extLst>
-              <a:ext uri="{FF2B5EF4-FFF2-40B4-BE49-F238E27FC236}">
-                <a16:creationId xmlns:a16="http://schemas.microsoft.com/office/drawing/2014/main" id="{9D5E73A7-3CBB-C24A-9F9B-5B1FEBD1C155}"/>
-              </a:ext>
-            </a:extLst>
-          </p:cNvPr>
-          <p:cNvSpPr>
-            <a:spLocks noGrp="1"/>
-          </p:cNvSpPr>
-          <p:nvPr>
-            <p:ph idx="1"/>
-          </p:nvPr>
-        </p:nvSpPr>
-        <p:spPr>
-          <a:xfrm>
-            <a:off x="684211" y="685801"/>
-            <a:ext cx="9555341" cy="2436962"/>
-          </a:xfrm>
-        </p:spPr>
-        <p:txBody>
-          <a:bodyPr/>
-          <a:lstStyle/>
-          <a:p>
-            <a:pPr marL="0" indent="0">
-              <a:buNone/>
-            </a:pPr>
-            <a:r>
-              <a:rPr lang="es-ES" dirty="0"/>
-              <a:t>Si descartamos el uso de </a:t>
-            </a:r>
-            <a:r>
-              <a:rPr lang="es-ES" dirty="0" err="1"/>
-              <a:t>JSON.stringify</a:t>
-            </a:r>
-            <a:r>
-              <a:rPr lang="es-ES" dirty="0"/>
-              <a:t>, una solución a mano no parece tan mala idea, ¿verdad?</a:t>
-            </a:r>
-          </a:p>
-          <a:p>
-            <a:pPr marL="0" indent="0">
-              <a:buNone/>
-            </a:pPr>
-            <a:endParaRPr lang="es-ES" dirty="0"/>
-          </a:p>
-        </p:txBody>
-      </p:sp>
-      <p:sp>
-        <p:nvSpPr>
-          <p:cNvPr id="9" name="CuadroTexto 8">
-            <a:extLst>
-              <a:ext uri="{FF2B5EF4-FFF2-40B4-BE49-F238E27FC236}">
-                <a16:creationId xmlns:a16="http://schemas.microsoft.com/office/drawing/2014/main" id="{DF53E736-2ADC-5691-5AD0-481B5F0F19BA}"/>
-              </a:ext>
-            </a:extLst>
-          </p:cNvPr>
-          <p:cNvSpPr txBox="1"/>
-          <p:nvPr/>
-        </p:nvSpPr>
-        <p:spPr>
-          <a:xfrm>
-            <a:off x="684210" y="2240563"/>
-            <a:ext cx="3226280" cy="2246769"/>
-          </a:xfrm>
-          <a:prstGeom prst="rect">
-            <a:avLst/>
-          </a:prstGeom>
-          <a:noFill/>
-        </p:spPr>
-        <p:txBody>
-          <a:bodyPr wrap="square" rtlCol="0">
-            <a:spAutoFit/>
-          </a:bodyPr>
-          <a:lstStyle/>
-          <a:p>
-            <a:r>
-              <a:rPr lang="es-ES" sz="2000" dirty="0">
-                <a:solidFill>
-                  <a:schemeClr val="bg2">
-                    <a:lumMod val="50000"/>
-                  </a:schemeClr>
-                </a:solidFill>
-              </a:rPr>
-              <a:t>Todo el código hay que mantenerlo, probarlo bien, y cubrir los casos límite, máxime en secciones genéricas… y todavía no hemos hablado de los objetos.</a:t>
-            </a:r>
-          </a:p>
-        </p:txBody>
-      </p:sp>
-    </p:spTree>
-    <p:extLst>
-      <p:ext uri="{BB962C8B-B14F-4D97-AF65-F5344CB8AC3E}">
-        <p14:creationId xmlns:p14="http://schemas.microsoft.com/office/powerpoint/2010/main" val="2518723700"/>
-      </p:ext>
-    </p:extLst>
-  </p:cSld>
-  <p:clrMapOvr>
-    <a:masterClrMapping/>
-  </p:clrMapOvr>
-</p:sld>
-</file>
-
-<file path=ppt/slides/slide31.xml><?xml version="1.0" encoding="utf-8"?>
-<p:sld xmlns:a="http://schemas.openxmlformats.org/drawingml/2006/main" xmlns:r="http://schemas.openxmlformats.org/officeDocument/2006/relationships" xmlns:p="http://schemas.openxmlformats.org/presentationml/2006/main">
-  <p:cSld>
-    <p:spTree>
-      <p:nvGrpSpPr>
-        <p:cNvPr id="1" name=""/>
-        <p:cNvGrpSpPr/>
-        <p:nvPr/>
-      </p:nvGrpSpPr>
-      <p:grpSpPr>
-        <a:xfrm>
-          <a:off x="0" y="0"/>
-          <a:ext cx="0" cy="0"/>
-          <a:chOff x="0" y="0"/>
-          <a:chExt cx="0" cy="0"/>
-        </a:xfrm>
-      </p:grpSpPr>
-      <p:sp>
-        <p:nvSpPr>
-          <p:cNvPr id="2" name="Título 1">
-            <a:extLst>
-              <a:ext uri="{FF2B5EF4-FFF2-40B4-BE49-F238E27FC236}">
-                <a16:creationId xmlns:a16="http://schemas.microsoft.com/office/drawing/2014/main" id="{DD277207-33A8-FDDC-65FC-4486394A945D}"/>
-              </a:ext>
-            </a:extLst>
-          </p:cNvPr>
-          <p:cNvSpPr>
-            <a:spLocks noGrp="1"/>
-          </p:cNvSpPr>
-          <p:nvPr>
-            <p:ph type="title"/>
-          </p:nvPr>
-        </p:nvSpPr>
-        <p:spPr/>
-        <p:txBody>
-          <a:bodyPr/>
-          <a:lstStyle/>
-          <a:p>
-            <a:r>
-              <a:rPr lang="es-ES" dirty="0" err="1"/>
-              <a:t>Devalue</a:t>
-            </a:r>
-            <a:r>
-              <a:rPr lang="es-ES" dirty="0"/>
-              <a:t>, implementa lo </a:t>
-            </a:r>
-            <a:r>
-              <a:rPr lang="es-ES" dirty="0" err="1"/>
-              <a:t>JSON.stringify</a:t>
-            </a:r>
-            <a:r>
-              <a:rPr lang="es-ES" dirty="0"/>
-              <a:t> que no</a:t>
-            </a:r>
-          </a:p>
-        </p:txBody>
-      </p:sp>
-      <p:sp>
-        <p:nvSpPr>
-          <p:cNvPr id="3" name="Marcador de contenido 2">
-            <a:extLst>
-              <a:ext uri="{FF2B5EF4-FFF2-40B4-BE49-F238E27FC236}">
-                <a16:creationId xmlns:a16="http://schemas.microsoft.com/office/drawing/2014/main" id="{B88E4AE1-CAAE-34A8-3C66-2FAD67875246}"/>
-              </a:ext>
-            </a:extLst>
-          </p:cNvPr>
-          <p:cNvSpPr>
-            <a:spLocks noGrp="1"/>
-          </p:cNvSpPr>
-          <p:nvPr>
-            <p:ph idx="1"/>
-          </p:nvPr>
-        </p:nvSpPr>
-        <p:spPr/>
-        <p:txBody>
-          <a:bodyPr/>
-          <a:lstStyle/>
-          <a:p>
-            <a:pPr marL="0" indent="0">
-              <a:buNone/>
-            </a:pPr>
-            <a:r>
-              <a:rPr lang="es-ES" dirty="0"/>
-              <a:t>Una de las reglas del desarrollo de software es, no reinventar la rueda.</a:t>
-            </a:r>
-          </a:p>
-          <a:p>
-            <a:pPr marL="0" indent="0" algn="ctr">
-              <a:buNone/>
-            </a:pPr>
-            <a:r>
-              <a:rPr lang="en-US" i="1" dirty="0"/>
-              <a:t>A wise engineering solution would produce—or better, exploit—reusable parts.</a:t>
-            </a:r>
-          </a:p>
-          <a:p>
-            <a:pPr marL="0" indent="0" algn="ctr">
-              <a:buNone/>
-            </a:pPr>
-            <a:r>
-              <a:rPr lang="es-ES" dirty="0">
-                <a:hlinkClick r:id="rId2"/>
-              </a:rPr>
-              <a:t>Doug McIlroy</a:t>
-            </a:r>
-            <a:r>
-              <a:rPr lang="es-ES" dirty="0"/>
-              <a:t>, </a:t>
-            </a:r>
-            <a:r>
-              <a:rPr lang="es-ES" dirty="0">
-                <a:hlinkClick r:id="rId3"/>
-              </a:rPr>
-              <a:t>More </a:t>
-            </a:r>
-            <a:r>
-              <a:rPr lang="es-ES" dirty="0" err="1">
-                <a:hlinkClick r:id="rId3"/>
-              </a:rPr>
-              <a:t>shell</a:t>
-            </a:r>
-            <a:r>
-              <a:rPr lang="es-ES" dirty="0">
-                <a:hlinkClick r:id="rId3"/>
-              </a:rPr>
-              <a:t>, </a:t>
-            </a:r>
-            <a:r>
-              <a:rPr lang="es-ES" dirty="0" err="1">
-                <a:hlinkClick r:id="rId3"/>
-              </a:rPr>
-              <a:t>less</a:t>
-            </a:r>
-            <a:r>
-              <a:rPr lang="es-ES" dirty="0">
-                <a:hlinkClick r:id="rId3"/>
-              </a:rPr>
-              <a:t> </a:t>
-            </a:r>
-            <a:r>
-              <a:rPr lang="es-ES" dirty="0" err="1">
-                <a:hlinkClick r:id="rId3"/>
-              </a:rPr>
-              <a:t>egs</a:t>
-            </a:r>
-            <a:endParaRPr lang="es-ES" dirty="0"/>
-          </a:p>
-          <a:p>
-            <a:pPr marL="0" indent="0">
-              <a:buNone/>
-            </a:pPr>
-            <a:endParaRPr lang="es-ES" i="1" dirty="0"/>
-          </a:p>
-          <a:p>
-            <a:pPr marL="0" indent="0">
-              <a:buNone/>
-            </a:pPr>
-            <a:r>
-              <a:rPr lang="es-ES" dirty="0"/>
-              <a:t>Nuestra solución base será del creador de </a:t>
-            </a:r>
-            <a:r>
-              <a:rPr lang="es-ES" dirty="0" err="1"/>
-              <a:t>Svelte</a:t>
-            </a:r>
-            <a:r>
-              <a:rPr lang="es-ES" dirty="0"/>
-              <a:t>, </a:t>
-            </a:r>
-            <a:r>
-              <a:rPr lang="es-ES" dirty="0" err="1"/>
-              <a:t>Rich</a:t>
-            </a:r>
-            <a:r>
-              <a:rPr lang="es-ES" dirty="0"/>
-              <a:t> Harris</a:t>
-            </a:r>
-          </a:p>
-          <a:p>
-            <a:pPr marL="0" indent="0">
-              <a:buNone/>
-            </a:pPr>
-            <a:r>
-              <a:rPr lang="es-ES" dirty="0">
-                <a:hlinkClick r:id="rId4"/>
-              </a:rPr>
-              <a:t>https://github.com/Rich-Harris/devalue</a:t>
-            </a:r>
-            <a:endParaRPr lang="es-ES" dirty="0"/>
-          </a:p>
-        </p:txBody>
-      </p:sp>
-    </p:spTree>
-    <p:extLst>
-      <p:ext uri="{BB962C8B-B14F-4D97-AF65-F5344CB8AC3E}">
-        <p14:creationId xmlns:p14="http://schemas.microsoft.com/office/powerpoint/2010/main" val="336031959"/>
-      </p:ext>
-    </p:extLst>
-  </p:cSld>
-  <p:clrMapOvr>
-    <a:masterClrMapping/>
-  </p:clrMapOvr>
-</p:sld>
-</file>
-
-<file path=ppt/slides/slide32.xml><?xml version="1.0" encoding="utf-8"?>
-<p:sld xmlns:a="http://schemas.openxmlformats.org/drawingml/2006/main" xmlns:r="http://schemas.openxmlformats.org/officeDocument/2006/relationships" xmlns:p="http://schemas.openxmlformats.org/presentationml/2006/main">
-  <p:cSld>
-    <p:bg>
-      <p:bgPr>
-        <a:solidFill>
-          <a:schemeClr val="bg1"/>
-        </a:solidFill>
-        <a:effectLst/>
-      </p:bgPr>
-    </p:bg>
-    <p:spTree>
-      <p:nvGrpSpPr>
-        <p:cNvPr id="1" name=""/>
-        <p:cNvGrpSpPr/>
-        <p:nvPr/>
-      </p:nvGrpSpPr>
-      <p:grpSpPr>
-        <a:xfrm>
-          <a:off x="0" y="0"/>
-          <a:ext cx="0" cy="0"/>
-          <a:chOff x="0" y="0"/>
-          <a:chExt cx="0" cy="0"/>
-        </a:xfrm>
-      </p:grpSpPr>
-      <p:cxnSp>
-        <p:nvCxnSpPr>
-          <p:cNvPr id="9" name="Straight Connector 8">
-            <a:extLst>
-              <a:ext uri="{FF2B5EF4-FFF2-40B4-BE49-F238E27FC236}">
-                <a16:creationId xmlns:a16="http://schemas.microsoft.com/office/drawing/2014/main" id="{C9E04345-1043-4D96-ABE6-00F6ACF69694}"/>
-              </a:ext>
-              <a:ext uri="{C183D7F6-B498-43B3-948B-1728B52AA6E4}">
-                <adec:decorative xmlns:adec="http://schemas.microsoft.com/office/drawing/2017/decorative" val="1"/>
-              </a:ext>
-            </a:extLst>
-          </p:cNvPr>
-          <p:cNvCxnSpPr>
-            <a:cxnSpLocks noGrp="1" noRot="1" noChangeAspect="1" noMove="1" noResize="1" noEditPoints="1" noAdjustHandles="1" noChangeArrowheads="1" noChangeShapeType="1"/>
-          </p:cNvCxnSpPr>
-          <p:nvPr>
-            <p:extLst>
-              <p:ext uri="{386F3935-93C4-4BCD-93E2-E3B085C9AB24}">
-                <p16:designElem xmlns:p16="http://schemas.microsoft.com/office/powerpoint/2015/main" val="1"/>
-              </p:ext>
-            </p:extLst>
-          </p:nvPr>
-        </p:nvCxnSpPr>
-        <p:spPr>
-          <a:xfrm flipH="1">
-            <a:off x="8228012" y="8467"/>
-            <a:ext cx="3810000" cy="3810000"/>
-          </a:xfrm>
-          <a:prstGeom prst="line">
-            <a:avLst/>
-          </a:prstGeom>
-          <a:ln w="12700">
-            <a:solidFill>
-              <a:schemeClr val="tx1"/>
-            </a:solidFill>
-          </a:ln>
-        </p:spPr>
-        <p:style>
-          <a:lnRef idx="2">
-            <a:schemeClr val="accent1"/>
-          </a:lnRef>
-          <a:fillRef idx="0">
-            <a:schemeClr val="accent1"/>
-          </a:fillRef>
-          <a:effectRef idx="1">
-            <a:schemeClr val="accent1"/>
-          </a:effectRef>
-          <a:fontRef idx="minor">
-            <a:schemeClr val="tx1"/>
-          </a:fontRef>
-        </p:style>
-      </p:cxnSp>
-      <p:cxnSp>
-        <p:nvCxnSpPr>
-          <p:cNvPr id="11" name="Straight Connector 10">
-            <a:extLst>
-              <a:ext uri="{FF2B5EF4-FFF2-40B4-BE49-F238E27FC236}">
-                <a16:creationId xmlns:a16="http://schemas.microsoft.com/office/drawing/2014/main" id="{D7EE1466-9BC6-4EB8-9018-C6B91A8C8BE8}"/>
-              </a:ext>
-              <a:ext uri="{C183D7F6-B498-43B3-948B-1728B52AA6E4}">
-                <adec:decorative xmlns:adec="http://schemas.microsoft.com/office/drawing/2017/decorative" val="1"/>
-              </a:ext>
-            </a:extLst>
-          </p:cNvPr>
-          <p:cNvCxnSpPr>
-            <a:cxnSpLocks noGrp="1" noRot="1" noChangeAspect="1" noMove="1" noResize="1" noEditPoints="1" noAdjustHandles="1" noChangeArrowheads="1" noChangeShapeType="1"/>
-          </p:cNvCxnSpPr>
-          <p:nvPr>
-            <p:extLst>
-              <p:ext uri="{386F3935-93C4-4BCD-93E2-E3B085C9AB24}">
-                <p16:designElem xmlns:p16="http://schemas.microsoft.com/office/powerpoint/2015/main" val="1"/>
-              </p:ext>
-            </p:extLst>
-          </p:nvPr>
-        </p:nvCxnSpPr>
-        <p:spPr>
-          <a:xfrm flipH="1">
-            <a:off x="6108170" y="91545"/>
-            <a:ext cx="6080655" cy="6080655"/>
-          </a:xfrm>
-          <a:prstGeom prst="line">
-            <a:avLst/>
-          </a:prstGeom>
-          <a:ln w="12700">
-            <a:solidFill>
-              <a:schemeClr val="tx1"/>
-            </a:solidFill>
-          </a:ln>
-        </p:spPr>
-        <p:style>
-          <a:lnRef idx="2">
-            <a:schemeClr val="accent1"/>
-          </a:lnRef>
-          <a:fillRef idx="0">
-            <a:schemeClr val="accent1"/>
-          </a:fillRef>
-          <a:effectRef idx="1">
-            <a:schemeClr val="accent1"/>
-          </a:effectRef>
-          <a:fontRef idx="minor">
-            <a:schemeClr val="tx1"/>
-          </a:fontRef>
-        </p:style>
-      </p:cxnSp>
-      <p:cxnSp>
-        <p:nvCxnSpPr>
-          <p:cNvPr id="13" name="Straight Connector 12">
-            <a:extLst>
-              <a:ext uri="{FF2B5EF4-FFF2-40B4-BE49-F238E27FC236}">
-                <a16:creationId xmlns:a16="http://schemas.microsoft.com/office/drawing/2014/main" id="{C1E67979-53DE-4CF0-9CA5-9AF63F6738DE}"/>
-              </a:ext>
-              <a:ext uri="{C183D7F6-B498-43B3-948B-1728B52AA6E4}">
-                <adec:decorative xmlns:adec="http://schemas.microsoft.com/office/drawing/2017/decorative" val="1"/>
-              </a:ext>
-            </a:extLst>
-          </p:cNvPr>
-          <p:cNvCxnSpPr>
-            <a:cxnSpLocks noGrp="1" noRot="1" noChangeAspect="1" noMove="1" noResize="1" noEditPoints="1" noAdjustHandles="1" noChangeArrowheads="1" noChangeShapeType="1"/>
-          </p:cNvCxnSpPr>
-          <p:nvPr>
-            <p:extLst>
-              <p:ext uri="{386F3935-93C4-4BCD-93E2-E3B085C9AB24}">
-                <p16:designElem xmlns:p16="http://schemas.microsoft.com/office/powerpoint/2015/main" val="1"/>
-              </p:ext>
-            </p:extLst>
-          </p:nvPr>
-        </p:nvCxnSpPr>
-        <p:spPr>
-          <a:xfrm flipH="1">
-            <a:off x="7235825" y="228600"/>
-            <a:ext cx="4953000" cy="4953000"/>
-          </a:xfrm>
-          <a:prstGeom prst="line">
-            <a:avLst/>
-          </a:prstGeom>
-          <a:ln w="12700">
-            <a:solidFill>
-              <a:schemeClr val="tx1"/>
-            </a:solidFill>
-          </a:ln>
-        </p:spPr>
-        <p:style>
-          <a:lnRef idx="2">
-            <a:schemeClr val="accent1"/>
-          </a:lnRef>
-          <a:fillRef idx="0">
-            <a:schemeClr val="accent1"/>
-          </a:fillRef>
-          <a:effectRef idx="1">
-            <a:schemeClr val="accent1"/>
-          </a:effectRef>
-          <a:fontRef idx="minor">
-            <a:schemeClr val="tx1"/>
-          </a:fontRef>
-        </p:style>
-      </p:cxnSp>
-      <p:cxnSp>
-        <p:nvCxnSpPr>
-          <p:cNvPr id="15" name="Straight Connector 14">
-            <a:extLst>
-              <a:ext uri="{FF2B5EF4-FFF2-40B4-BE49-F238E27FC236}">
-                <a16:creationId xmlns:a16="http://schemas.microsoft.com/office/drawing/2014/main" id="{9F843DF4-BA4F-4BAE-B081-09118B7CE968}"/>
-              </a:ext>
-              <a:ext uri="{C183D7F6-B498-43B3-948B-1728B52AA6E4}">
-                <adec:decorative xmlns:adec="http://schemas.microsoft.com/office/drawing/2017/decorative" val="1"/>
-              </a:ext>
-            </a:extLst>
-          </p:cNvPr>
-          <p:cNvCxnSpPr>
-            <a:cxnSpLocks noGrp="1" noRot="1" noChangeAspect="1" noMove="1" noResize="1" noEditPoints="1" noAdjustHandles="1" noChangeArrowheads="1" noChangeShapeType="1"/>
-          </p:cNvCxnSpPr>
-          <p:nvPr>
-            <p:extLst>
-              <p:ext uri="{386F3935-93C4-4BCD-93E2-E3B085C9AB24}">
-                <p16:designElem xmlns:p16="http://schemas.microsoft.com/office/powerpoint/2015/main" val="1"/>
-              </p:ext>
-            </p:extLst>
-          </p:nvPr>
-        </p:nvCxnSpPr>
-        <p:spPr>
-          <a:xfrm flipH="1">
-            <a:off x="7335837" y="32278"/>
-            <a:ext cx="4852989" cy="4852989"/>
-          </a:xfrm>
-          <a:prstGeom prst="line">
-            <a:avLst/>
-          </a:prstGeom>
-          <a:ln w="31750">
-            <a:solidFill>
-              <a:schemeClr val="tx1"/>
-            </a:solidFill>
-          </a:ln>
-        </p:spPr>
-        <p:style>
-          <a:lnRef idx="2">
-            <a:schemeClr val="accent1"/>
-          </a:lnRef>
-          <a:fillRef idx="0">
-            <a:schemeClr val="accent1"/>
-          </a:fillRef>
-          <a:effectRef idx="1">
-            <a:schemeClr val="accent1"/>
-          </a:effectRef>
-          <a:fontRef idx="minor">
-            <a:schemeClr val="tx1"/>
-          </a:fontRef>
-        </p:style>
-      </p:cxnSp>
-      <p:cxnSp>
-        <p:nvCxnSpPr>
-          <p:cNvPr id="17" name="Straight Connector 16">
-            <a:extLst>
-              <a:ext uri="{FF2B5EF4-FFF2-40B4-BE49-F238E27FC236}">
-                <a16:creationId xmlns:a16="http://schemas.microsoft.com/office/drawing/2014/main" id="{127259AD-7457-460C-8758-B05705CFD02A}"/>
-              </a:ext>
-              <a:ext uri="{C183D7F6-B498-43B3-948B-1728B52AA6E4}">
-                <adec:decorative xmlns:adec="http://schemas.microsoft.com/office/drawing/2017/decorative" val="1"/>
-              </a:ext>
-            </a:extLst>
-          </p:cNvPr>
-          <p:cNvCxnSpPr>
-            <a:cxnSpLocks noGrp="1" noRot="1" noChangeAspect="1" noMove="1" noResize="1" noEditPoints="1" noAdjustHandles="1" noChangeArrowheads="1" noChangeShapeType="1"/>
-          </p:cNvCxnSpPr>
-          <p:nvPr>
-            <p:extLst>
-              <p:ext uri="{386F3935-93C4-4BCD-93E2-E3B085C9AB24}">
-                <p16:designElem xmlns:p16="http://schemas.microsoft.com/office/powerpoint/2015/main" val="1"/>
-              </p:ext>
-            </p:extLst>
-          </p:nvPr>
-        </p:nvCxnSpPr>
-        <p:spPr>
-          <a:xfrm flipH="1">
-            <a:off x="7845426" y="609601"/>
-            <a:ext cx="4343399" cy="4343399"/>
-          </a:xfrm>
-          <a:prstGeom prst="line">
-            <a:avLst/>
-          </a:prstGeom>
-          <a:ln w="31750">
-            <a:solidFill>
-              <a:schemeClr val="tx1"/>
-            </a:solidFill>
-          </a:ln>
-        </p:spPr>
-        <p:style>
-          <a:lnRef idx="2">
-            <a:schemeClr val="accent1"/>
-          </a:lnRef>
-          <a:fillRef idx="0">
-            <a:schemeClr val="accent1"/>
-          </a:fillRef>
-          <a:effectRef idx="1">
-            <a:schemeClr val="accent1"/>
-          </a:effectRef>
-          <a:fontRef idx="minor">
-            <a:schemeClr val="tx1"/>
-          </a:fontRef>
-        </p:style>
-      </p:cxnSp>
       <p:sp useBgFill="1">
         <p:nvSpPr>
           <p:cNvPr id="19" name="Rectangle 18">
@@ -18434,7 +18006,7 @@
 </p:sld>
 </file>
 
-<file path=ppt/slides/slide33.xml><?xml version="1.0" encoding="utf-8"?>
+<file path=ppt/slides/slide34.xml><?xml version="1.0" encoding="utf-8"?>
 <p:sld xmlns:a="http://schemas.openxmlformats.org/drawingml/2006/main" xmlns:r="http://schemas.openxmlformats.org/officeDocument/2006/relationships" xmlns:p="http://schemas.openxmlformats.org/presentationml/2006/main">
   <p:cSld>
     <p:bg>
@@ -19204,7 +18776,7 @@
 </p:sld>
 </file>
 
-<file path=ppt/slides/slide34.xml><?xml version="1.0" encoding="utf-8"?>
+<file path=ppt/slides/slide35.xml><?xml version="1.0" encoding="utf-8"?>
 <p:sld xmlns:a="http://schemas.openxmlformats.org/drawingml/2006/main" xmlns:r="http://schemas.openxmlformats.org/officeDocument/2006/relationships" xmlns:p="http://schemas.openxmlformats.org/presentationml/2006/main">
   <p:cSld>
     <p:spTree>
@@ -19378,7 +18950,7 @@
 </p:sld>
 </file>
 
-<file path=ppt/slides/slide35.xml><?xml version="1.0" encoding="utf-8"?>
+<file path=ppt/slides/slide36.xml><?xml version="1.0" encoding="utf-8"?>
 <p:sld xmlns:a="http://schemas.openxmlformats.org/drawingml/2006/main" xmlns:r="http://schemas.openxmlformats.org/officeDocument/2006/relationships" xmlns:p="http://schemas.openxmlformats.org/presentationml/2006/main">
   <p:cSld>
     <p:spTree>
@@ -19516,7 +19088,7 @@
 </p:sld>
 </file>
 
-<file path=ppt/slides/slide36.xml><?xml version="1.0" encoding="utf-8"?>
+<file path=ppt/slides/slide37.xml><?xml version="1.0" encoding="utf-8"?>
 <p:sld xmlns:a="http://schemas.openxmlformats.org/drawingml/2006/main" xmlns:r="http://schemas.openxmlformats.org/officeDocument/2006/relationships" xmlns:p="http://schemas.openxmlformats.org/presentationml/2006/main">
   <p:cSld>
     <p:bg>
@@ -20296,7 +19868,7 @@
 </p:sld>
 </file>
 
-<file path=ppt/slides/slide37.xml><?xml version="1.0" encoding="utf-8"?>
+<file path=ppt/slides/slide38.xml><?xml version="1.0" encoding="utf-8"?>
 <p:sld xmlns:a="http://schemas.openxmlformats.org/drawingml/2006/main" xmlns:r="http://schemas.openxmlformats.org/officeDocument/2006/relationships" xmlns:p="http://schemas.openxmlformats.org/presentationml/2006/main">
   <p:cSld>
     <p:spTree>
@@ -20418,7 +19990,7 @@
 </p:sld>
 </file>
 
-<file path=ppt/slides/slide38.xml><?xml version="1.0" encoding="utf-8"?>
+<file path=ppt/slides/slide39.xml><?xml version="1.0" encoding="utf-8"?>
 <p:sld xmlns:a="http://schemas.openxmlformats.org/drawingml/2006/main" xmlns:r="http://schemas.openxmlformats.org/officeDocument/2006/relationships" xmlns:p="http://schemas.openxmlformats.org/presentationml/2006/main">
   <p:cSld>
     <p:bg>
@@ -21129,7 +20701,756 @@
 </p:sld>
 </file>
 
-<file path=ppt/slides/slide39.xml><?xml version="1.0" encoding="utf-8"?>
+<file path=ppt/slides/slide4.xml><?xml version="1.0" encoding="utf-8"?>
+<p:sld xmlns:a="http://schemas.openxmlformats.org/drawingml/2006/main" xmlns:r="http://schemas.openxmlformats.org/officeDocument/2006/relationships" xmlns:p="http://schemas.openxmlformats.org/presentationml/2006/main">
+  <p:cSld>
+    <p:bg>
+      <p:bgPr>
+        <a:gradFill rotWithShape="1">
+          <a:gsLst>
+            <a:gs pos="10000">
+              <a:schemeClr val="bg1">
+                <a:tint val="97000"/>
+                <a:hueMod val="162000"/>
+                <a:satMod val="200000"/>
+                <a:lumMod val="124000"/>
+              </a:schemeClr>
+            </a:gs>
+            <a:gs pos="100000">
+              <a:schemeClr val="bg1">
+                <a:shade val="96000"/>
+                <a:hueMod val="88000"/>
+                <a:satMod val="220000"/>
+                <a:lumMod val="82000"/>
+              </a:schemeClr>
+            </a:gs>
+          </a:gsLst>
+          <a:lin ang="6120000" scaled="1"/>
+        </a:gradFill>
+        <a:effectLst/>
+      </p:bgPr>
+    </p:bg>
+    <p:spTree>
+      <p:nvGrpSpPr>
+        <p:cNvPr id="1" name=""/>
+        <p:cNvGrpSpPr/>
+        <p:nvPr/>
+      </p:nvGrpSpPr>
+      <p:grpSpPr>
+        <a:xfrm>
+          <a:off x="0" y="0"/>
+          <a:ext cx="0" cy="0"/>
+          <a:chOff x="0" y="0"/>
+          <a:chExt cx="0" cy="0"/>
+        </a:xfrm>
+      </p:grpSpPr>
+      <p:cxnSp>
+        <p:nvCxnSpPr>
+          <p:cNvPr id="9" name="Straight Connector 8">
+            <a:extLst>
+              <a:ext uri="{FF2B5EF4-FFF2-40B4-BE49-F238E27FC236}">
+                <a16:creationId xmlns:a16="http://schemas.microsoft.com/office/drawing/2014/main" id="{C9E04345-1043-4D96-ABE6-00F6ACF69694}"/>
+              </a:ext>
+              <a:ext uri="{C183D7F6-B498-43B3-948B-1728B52AA6E4}">
+                <adec:decorative xmlns:adec="http://schemas.microsoft.com/office/drawing/2017/decorative" val="1"/>
+              </a:ext>
+            </a:extLst>
+          </p:cNvPr>
+          <p:cNvCxnSpPr>
+            <a:cxnSpLocks noGrp="1" noRot="1" noChangeAspect="1" noMove="1" noResize="1" noEditPoints="1" noAdjustHandles="1" noChangeArrowheads="1" noChangeShapeType="1"/>
+          </p:cNvCxnSpPr>
+          <p:nvPr>
+            <p:extLst>
+              <p:ext uri="{386F3935-93C4-4BCD-93E2-E3B085C9AB24}">
+                <p16:designElem xmlns:p16="http://schemas.microsoft.com/office/powerpoint/2015/main" val="1"/>
+              </p:ext>
+            </p:extLst>
+          </p:nvPr>
+        </p:nvCxnSpPr>
+        <p:spPr>
+          <a:xfrm flipH="1">
+            <a:off x="8228012" y="8467"/>
+            <a:ext cx="3810000" cy="3810000"/>
+          </a:xfrm>
+          <a:prstGeom prst="line">
+            <a:avLst/>
+          </a:prstGeom>
+          <a:ln w="12700">
+            <a:solidFill>
+              <a:schemeClr val="tx1"/>
+            </a:solidFill>
+          </a:ln>
+        </p:spPr>
+        <p:style>
+          <a:lnRef idx="2">
+            <a:schemeClr val="accent1"/>
+          </a:lnRef>
+          <a:fillRef idx="0">
+            <a:schemeClr val="accent1"/>
+          </a:fillRef>
+          <a:effectRef idx="1">
+            <a:schemeClr val="accent1"/>
+          </a:effectRef>
+          <a:fontRef idx="minor">
+            <a:schemeClr val="tx1"/>
+          </a:fontRef>
+        </p:style>
+      </p:cxnSp>
+      <p:cxnSp>
+        <p:nvCxnSpPr>
+          <p:cNvPr id="11" name="Straight Connector 10">
+            <a:extLst>
+              <a:ext uri="{FF2B5EF4-FFF2-40B4-BE49-F238E27FC236}">
+                <a16:creationId xmlns:a16="http://schemas.microsoft.com/office/drawing/2014/main" id="{D7EE1466-9BC6-4EB8-9018-C6B91A8C8BE8}"/>
+              </a:ext>
+              <a:ext uri="{C183D7F6-B498-43B3-948B-1728B52AA6E4}">
+                <adec:decorative xmlns:adec="http://schemas.microsoft.com/office/drawing/2017/decorative" val="1"/>
+              </a:ext>
+            </a:extLst>
+          </p:cNvPr>
+          <p:cNvCxnSpPr>
+            <a:cxnSpLocks noGrp="1" noRot="1" noChangeAspect="1" noMove="1" noResize="1" noEditPoints="1" noAdjustHandles="1" noChangeArrowheads="1" noChangeShapeType="1"/>
+          </p:cNvCxnSpPr>
+          <p:nvPr>
+            <p:extLst>
+              <p:ext uri="{386F3935-93C4-4BCD-93E2-E3B085C9AB24}">
+                <p16:designElem xmlns:p16="http://schemas.microsoft.com/office/powerpoint/2015/main" val="1"/>
+              </p:ext>
+            </p:extLst>
+          </p:nvPr>
+        </p:nvCxnSpPr>
+        <p:spPr>
+          <a:xfrm flipH="1">
+            <a:off x="6108170" y="91545"/>
+            <a:ext cx="6080655" cy="6080655"/>
+          </a:xfrm>
+          <a:prstGeom prst="line">
+            <a:avLst/>
+          </a:prstGeom>
+          <a:ln w="12700">
+            <a:solidFill>
+              <a:schemeClr val="tx1"/>
+            </a:solidFill>
+          </a:ln>
+        </p:spPr>
+        <p:style>
+          <a:lnRef idx="2">
+            <a:schemeClr val="accent1"/>
+          </a:lnRef>
+          <a:fillRef idx="0">
+            <a:schemeClr val="accent1"/>
+          </a:fillRef>
+          <a:effectRef idx="1">
+            <a:schemeClr val="accent1"/>
+          </a:effectRef>
+          <a:fontRef idx="minor">
+            <a:schemeClr val="tx1"/>
+          </a:fontRef>
+        </p:style>
+      </p:cxnSp>
+      <p:cxnSp>
+        <p:nvCxnSpPr>
+          <p:cNvPr id="13" name="Straight Connector 12">
+            <a:extLst>
+              <a:ext uri="{FF2B5EF4-FFF2-40B4-BE49-F238E27FC236}">
+                <a16:creationId xmlns:a16="http://schemas.microsoft.com/office/drawing/2014/main" id="{C1E67979-53DE-4CF0-9CA5-9AF63F6738DE}"/>
+              </a:ext>
+              <a:ext uri="{C183D7F6-B498-43B3-948B-1728B52AA6E4}">
+                <adec:decorative xmlns:adec="http://schemas.microsoft.com/office/drawing/2017/decorative" val="1"/>
+              </a:ext>
+            </a:extLst>
+          </p:cNvPr>
+          <p:cNvCxnSpPr>
+            <a:cxnSpLocks noGrp="1" noRot="1" noChangeAspect="1" noMove="1" noResize="1" noEditPoints="1" noAdjustHandles="1" noChangeArrowheads="1" noChangeShapeType="1"/>
+          </p:cNvCxnSpPr>
+          <p:nvPr>
+            <p:extLst>
+              <p:ext uri="{386F3935-93C4-4BCD-93E2-E3B085C9AB24}">
+                <p16:designElem xmlns:p16="http://schemas.microsoft.com/office/powerpoint/2015/main" val="1"/>
+              </p:ext>
+            </p:extLst>
+          </p:nvPr>
+        </p:nvCxnSpPr>
+        <p:spPr>
+          <a:xfrm flipH="1">
+            <a:off x="7235825" y="228600"/>
+            <a:ext cx="4953000" cy="4953000"/>
+          </a:xfrm>
+          <a:prstGeom prst="line">
+            <a:avLst/>
+          </a:prstGeom>
+          <a:ln w="12700">
+            <a:solidFill>
+              <a:schemeClr val="tx1"/>
+            </a:solidFill>
+          </a:ln>
+        </p:spPr>
+        <p:style>
+          <a:lnRef idx="2">
+            <a:schemeClr val="accent1"/>
+          </a:lnRef>
+          <a:fillRef idx="0">
+            <a:schemeClr val="accent1"/>
+          </a:fillRef>
+          <a:effectRef idx="1">
+            <a:schemeClr val="accent1"/>
+          </a:effectRef>
+          <a:fontRef idx="minor">
+            <a:schemeClr val="tx1"/>
+          </a:fontRef>
+        </p:style>
+      </p:cxnSp>
+      <p:cxnSp>
+        <p:nvCxnSpPr>
+          <p:cNvPr id="15" name="Straight Connector 14">
+            <a:extLst>
+              <a:ext uri="{FF2B5EF4-FFF2-40B4-BE49-F238E27FC236}">
+                <a16:creationId xmlns:a16="http://schemas.microsoft.com/office/drawing/2014/main" id="{9F843DF4-BA4F-4BAE-B081-09118B7CE968}"/>
+              </a:ext>
+              <a:ext uri="{C183D7F6-B498-43B3-948B-1728B52AA6E4}">
+                <adec:decorative xmlns:adec="http://schemas.microsoft.com/office/drawing/2017/decorative" val="1"/>
+              </a:ext>
+            </a:extLst>
+          </p:cNvPr>
+          <p:cNvCxnSpPr>
+            <a:cxnSpLocks noGrp="1" noRot="1" noChangeAspect="1" noMove="1" noResize="1" noEditPoints="1" noAdjustHandles="1" noChangeArrowheads="1" noChangeShapeType="1"/>
+          </p:cNvCxnSpPr>
+          <p:nvPr>
+            <p:extLst>
+              <p:ext uri="{386F3935-93C4-4BCD-93E2-E3B085C9AB24}">
+                <p16:designElem xmlns:p16="http://schemas.microsoft.com/office/powerpoint/2015/main" val="1"/>
+              </p:ext>
+            </p:extLst>
+          </p:nvPr>
+        </p:nvCxnSpPr>
+        <p:spPr>
+          <a:xfrm flipH="1">
+            <a:off x="7335837" y="32278"/>
+            <a:ext cx="4852989" cy="4852989"/>
+          </a:xfrm>
+          <a:prstGeom prst="line">
+            <a:avLst/>
+          </a:prstGeom>
+          <a:ln w="31750">
+            <a:solidFill>
+              <a:schemeClr val="tx1"/>
+            </a:solidFill>
+          </a:ln>
+        </p:spPr>
+        <p:style>
+          <a:lnRef idx="2">
+            <a:schemeClr val="accent1"/>
+          </a:lnRef>
+          <a:fillRef idx="0">
+            <a:schemeClr val="accent1"/>
+          </a:fillRef>
+          <a:effectRef idx="1">
+            <a:schemeClr val="accent1"/>
+          </a:effectRef>
+          <a:fontRef idx="minor">
+            <a:schemeClr val="tx1"/>
+          </a:fontRef>
+        </p:style>
+      </p:cxnSp>
+      <p:cxnSp>
+        <p:nvCxnSpPr>
+          <p:cNvPr id="17" name="Straight Connector 16">
+            <a:extLst>
+              <a:ext uri="{FF2B5EF4-FFF2-40B4-BE49-F238E27FC236}">
+                <a16:creationId xmlns:a16="http://schemas.microsoft.com/office/drawing/2014/main" id="{127259AD-7457-460C-8758-B05705CFD02A}"/>
+              </a:ext>
+              <a:ext uri="{C183D7F6-B498-43B3-948B-1728B52AA6E4}">
+                <adec:decorative xmlns:adec="http://schemas.microsoft.com/office/drawing/2017/decorative" val="1"/>
+              </a:ext>
+            </a:extLst>
+          </p:cNvPr>
+          <p:cNvCxnSpPr>
+            <a:cxnSpLocks noGrp="1" noRot="1" noChangeAspect="1" noMove="1" noResize="1" noEditPoints="1" noAdjustHandles="1" noChangeArrowheads="1" noChangeShapeType="1"/>
+          </p:cNvCxnSpPr>
+          <p:nvPr>
+            <p:extLst>
+              <p:ext uri="{386F3935-93C4-4BCD-93E2-E3B085C9AB24}">
+                <p16:designElem xmlns:p16="http://schemas.microsoft.com/office/powerpoint/2015/main" val="1"/>
+              </p:ext>
+            </p:extLst>
+          </p:nvPr>
+        </p:nvCxnSpPr>
+        <p:spPr>
+          <a:xfrm flipH="1">
+            <a:off x="7845426" y="609601"/>
+            <a:ext cx="4343399" cy="4343399"/>
+          </a:xfrm>
+          <a:prstGeom prst="line">
+            <a:avLst/>
+          </a:prstGeom>
+          <a:ln w="31750">
+            <a:solidFill>
+              <a:schemeClr val="tx1"/>
+            </a:solidFill>
+          </a:ln>
+        </p:spPr>
+        <p:style>
+          <a:lnRef idx="2">
+            <a:schemeClr val="accent1"/>
+          </a:lnRef>
+          <a:fillRef idx="0">
+            <a:schemeClr val="accent1"/>
+          </a:fillRef>
+          <a:effectRef idx="1">
+            <a:schemeClr val="accent1"/>
+          </a:effectRef>
+          <a:fontRef idx="minor">
+            <a:schemeClr val="tx1"/>
+          </a:fontRef>
+        </p:style>
+      </p:cxnSp>
+      <p:sp>
+        <p:nvSpPr>
+          <p:cNvPr id="19" name="Rectangle 18">
+            <a:extLst>
+              <a:ext uri="{FF2B5EF4-FFF2-40B4-BE49-F238E27FC236}">
+                <a16:creationId xmlns:a16="http://schemas.microsoft.com/office/drawing/2014/main" id="{E1502E16-A78C-4A80-AD10-3646FBB87050}"/>
+              </a:ext>
+              <a:ext uri="{C183D7F6-B498-43B3-948B-1728B52AA6E4}">
+                <adec:decorative xmlns:adec="http://schemas.microsoft.com/office/drawing/2017/decorative" val="1"/>
+              </a:ext>
+            </a:extLst>
+          </p:cNvPr>
+          <p:cNvSpPr>
+            <a:spLocks noGrp="1" noRot="1" noChangeAspect="1" noMove="1" noResize="1" noEditPoints="1" noAdjustHandles="1" noChangeArrowheads="1" noChangeShapeType="1" noTextEdit="1"/>
+          </p:cNvSpPr>
+          <p:nvPr>
+            <p:extLst>
+              <p:ext uri="{386F3935-93C4-4BCD-93E2-E3B085C9AB24}">
+                <p16:designElem xmlns:p16="http://schemas.microsoft.com/office/powerpoint/2015/main" val="1"/>
+              </p:ext>
+            </p:extLst>
+          </p:nvPr>
+        </p:nvSpPr>
+        <p:spPr>
+          <a:xfrm>
+            <a:off x="-3175" y="0"/>
+            <a:ext cx="12192000" cy="6858000"/>
+          </a:xfrm>
+          <a:prstGeom prst="rect">
+            <a:avLst/>
+          </a:prstGeom>
+          <a:gradFill>
+            <a:gsLst>
+              <a:gs pos="10000">
+                <a:schemeClr val="bg1">
+                  <a:tint val="97000"/>
+                  <a:hueMod val="92000"/>
+                  <a:satMod val="169000"/>
+                  <a:lumMod val="164000"/>
+                </a:schemeClr>
+              </a:gs>
+              <a:gs pos="100000">
+                <a:schemeClr val="bg1">
+                  <a:shade val="96000"/>
+                  <a:satMod val="120000"/>
+                  <a:lumMod val="90000"/>
+                </a:schemeClr>
+              </a:gs>
+            </a:gsLst>
+            <a:lin ang="6120000" scaled="1"/>
+          </a:gradFill>
+          <a:ln>
+            <a:noFill/>
+          </a:ln>
+        </p:spPr>
+        <p:style>
+          <a:lnRef idx="2">
+            <a:schemeClr val="accent1">
+              <a:shade val="50000"/>
+            </a:schemeClr>
+          </a:lnRef>
+          <a:fillRef idx="1">
+            <a:schemeClr val="accent1"/>
+          </a:fillRef>
+          <a:effectRef idx="0">
+            <a:schemeClr val="accent1"/>
+          </a:effectRef>
+          <a:fontRef idx="minor">
+            <a:schemeClr val="lt1"/>
+          </a:fontRef>
+        </p:style>
+        <p:txBody>
+          <a:bodyPr rtlCol="0" anchor="ctr"/>
+          <a:lstStyle/>
+          <a:p>
+            <a:pPr algn="ctr"/>
+            <a:endParaRPr lang="en-US"/>
+          </a:p>
+        </p:txBody>
+      </p:sp>
+      <p:pic>
+        <p:nvPicPr>
+          <p:cNvPr id="5" name="Picture 4" descr="Primer plano de una rayuela en la acera">
+            <a:extLst>
+              <a:ext uri="{FF2B5EF4-FFF2-40B4-BE49-F238E27FC236}">
+                <a16:creationId xmlns:a16="http://schemas.microsoft.com/office/drawing/2014/main" id="{BAE8BE04-4D6C-0B55-2A8B-B942701B2452}"/>
+              </a:ext>
+            </a:extLst>
+          </p:cNvPr>
+          <p:cNvPicPr>
+            <a:picLocks noChangeAspect="1"/>
+          </p:cNvPicPr>
+          <p:nvPr/>
+        </p:nvPicPr>
+        <p:blipFill rotWithShape="1">
+          <a:blip r:embed="rId2">
+            <a:alphaModFix amt="25000"/>
+          </a:blip>
+          <a:srcRect t="7097" b="8634"/>
+          <a:stretch/>
+        </p:blipFill>
+        <p:spPr>
+          <a:xfrm>
+            <a:off x="20" y="10"/>
+            <a:ext cx="12191980" cy="6857990"/>
+          </a:xfrm>
+          <a:prstGeom prst="rect">
+            <a:avLst/>
+          </a:prstGeom>
+        </p:spPr>
+      </p:pic>
+      <p:sp>
+        <p:nvSpPr>
+          <p:cNvPr id="2" name="Título 1">
+            <a:extLst>
+              <a:ext uri="{FF2B5EF4-FFF2-40B4-BE49-F238E27FC236}">
+                <a16:creationId xmlns:a16="http://schemas.microsoft.com/office/drawing/2014/main" id="{95BD5BD9-C696-DA5C-4583-A4D5E14351DC}"/>
+              </a:ext>
+            </a:extLst>
+          </p:cNvPr>
+          <p:cNvSpPr>
+            <a:spLocks noGrp="1"/>
+          </p:cNvSpPr>
+          <p:nvPr>
+            <p:ph type="title"/>
+          </p:nvPr>
+        </p:nvSpPr>
+        <p:spPr>
+          <a:xfrm>
+            <a:off x="684212" y="685799"/>
+            <a:ext cx="8001000" cy="2971801"/>
+          </a:xfrm>
+        </p:spPr>
+        <p:txBody>
+          <a:bodyPr vert="horz" lIns="91440" tIns="45720" rIns="91440" bIns="45720" rtlCol="0" anchor="b">
+            <a:normAutofit/>
+          </a:bodyPr>
+          <a:lstStyle/>
+          <a:p>
+            <a:r>
+              <a:rPr lang="en-US" sz="4800" dirty="0"/>
+              <a:t>Antes de </a:t>
+            </a:r>
+            <a:r>
+              <a:rPr lang="en-US" sz="4800" dirty="0" err="1"/>
+              <a:t>empezar</a:t>
+            </a:r>
+            <a:endParaRPr lang="en-US" sz="4800" dirty="0"/>
+          </a:p>
+        </p:txBody>
+      </p:sp>
+      <p:grpSp>
+        <p:nvGrpSpPr>
+          <p:cNvPr id="21" name="Group 20">
+            <a:extLst>
+              <a:ext uri="{FF2B5EF4-FFF2-40B4-BE49-F238E27FC236}">
+                <a16:creationId xmlns:a16="http://schemas.microsoft.com/office/drawing/2014/main" id="{480356AB-9A93-4182-A651-EA8B6FBECCA0}"/>
+              </a:ext>
+              <a:ext uri="{C183D7F6-B498-43B3-948B-1728B52AA6E4}">
+                <adec:decorative xmlns:adec="http://schemas.microsoft.com/office/drawing/2017/decorative" val="1"/>
+              </a:ext>
+            </a:extLst>
+          </p:cNvPr>
+          <p:cNvGrpSpPr>
+            <a:grpSpLocks noGrp="1" noUngrp="1" noRot="1" noChangeAspect="1" noMove="1" noResize="1"/>
+          </p:cNvGrpSpPr>
+          <p:nvPr>
+            <p:extLst>
+              <p:ext uri="{386F3935-93C4-4BCD-93E2-E3B085C9AB24}">
+                <p16:designElem xmlns:p16="http://schemas.microsoft.com/office/powerpoint/2015/main" val="1"/>
+              </p:ext>
+            </p:extLst>
+          </p:nvPr>
+        </p:nvGrpSpPr>
+        <p:grpSpPr>
+          <a:xfrm>
+            <a:off x="6108170" y="9144"/>
+            <a:ext cx="6080656" cy="6163733"/>
+            <a:chOff x="6108170" y="8467"/>
+            <a:chExt cx="6080656" cy="6163733"/>
+          </a:xfrm>
+        </p:grpSpPr>
+        <p:cxnSp>
+          <p:nvCxnSpPr>
+            <p:cNvPr id="22" name="Straight Connector 21">
+              <a:extLst>
+                <a:ext uri="{FF2B5EF4-FFF2-40B4-BE49-F238E27FC236}">
+                  <a16:creationId xmlns:a16="http://schemas.microsoft.com/office/drawing/2014/main" id="{1F5E6DE5-AFDF-4DB1-8A57-2F7E98315020}"/>
+                </a:ext>
+                <a:ext uri="{C183D7F6-B498-43B3-948B-1728B52AA6E4}">
+                  <adec:decorative xmlns:adec="http://schemas.microsoft.com/office/drawing/2017/decorative" val="1"/>
+                </a:ext>
+              </a:extLst>
+            </p:cNvPr>
+            <p:cNvCxnSpPr/>
+            <p:nvPr>
+              <p:extLst>
+                <p:ext uri="{386F3935-93C4-4BCD-93E2-E3B085C9AB24}">
+                  <p16:designElem xmlns:p16="http://schemas.microsoft.com/office/powerpoint/2015/main" val="1"/>
+                </p:ext>
+              </p:extLst>
+            </p:nvPr>
+          </p:nvCxnSpPr>
+          <p:spPr>
+            <a:xfrm flipH="1">
+              <a:off x="8228012" y="8467"/>
+              <a:ext cx="3810000" cy="3810000"/>
+            </a:xfrm>
+            <a:prstGeom prst="line">
+              <a:avLst/>
+            </a:prstGeom>
+            <a:ln w="12700">
+              <a:solidFill>
+                <a:schemeClr val="tx1"/>
+              </a:solidFill>
+            </a:ln>
+          </p:spPr>
+          <p:style>
+            <a:lnRef idx="2">
+              <a:schemeClr val="accent1"/>
+            </a:lnRef>
+            <a:fillRef idx="0">
+              <a:schemeClr val="accent1"/>
+            </a:fillRef>
+            <a:effectRef idx="1">
+              <a:schemeClr val="accent1"/>
+            </a:effectRef>
+            <a:fontRef idx="minor">
+              <a:schemeClr val="tx1"/>
+            </a:fontRef>
+          </p:style>
+        </p:cxnSp>
+        <p:cxnSp>
+          <p:nvCxnSpPr>
+            <p:cNvPr id="23" name="Straight Connector 22">
+              <a:extLst>
+                <a:ext uri="{FF2B5EF4-FFF2-40B4-BE49-F238E27FC236}">
+                  <a16:creationId xmlns:a16="http://schemas.microsoft.com/office/drawing/2014/main" id="{C0C6613A-BBD4-4437-9C57-48C63BFEB18A}"/>
+                </a:ext>
+                <a:ext uri="{C183D7F6-B498-43B3-948B-1728B52AA6E4}">
+                  <adec:decorative xmlns:adec="http://schemas.microsoft.com/office/drawing/2017/decorative" val="1"/>
+                </a:ext>
+              </a:extLst>
+            </p:cNvPr>
+            <p:cNvCxnSpPr/>
+            <p:nvPr>
+              <p:extLst>
+                <p:ext uri="{386F3935-93C4-4BCD-93E2-E3B085C9AB24}">
+                  <p16:designElem xmlns:p16="http://schemas.microsoft.com/office/powerpoint/2015/main" val="1"/>
+                </p:ext>
+              </p:extLst>
+            </p:nvPr>
+          </p:nvCxnSpPr>
+          <p:spPr>
+            <a:xfrm flipH="1">
+              <a:off x="6108170" y="91545"/>
+              <a:ext cx="6080655" cy="6080655"/>
+            </a:xfrm>
+            <a:prstGeom prst="line">
+              <a:avLst/>
+            </a:prstGeom>
+            <a:ln w="12700">
+              <a:solidFill>
+                <a:schemeClr val="tx1"/>
+              </a:solidFill>
+            </a:ln>
+          </p:spPr>
+          <p:style>
+            <a:lnRef idx="2">
+              <a:schemeClr val="accent1"/>
+            </a:lnRef>
+            <a:fillRef idx="0">
+              <a:schemeClr val="accent1"/>
+            </a:fillRef>
+            <a:effectRef idx="1">
+              <a:schemeClr val="accent1"/>
+            </a:effectRef>
+            <a:fontRef idx="minor">
+              <a:schemeClr val="tx1"/>
+            </a:fontRef>
+          </p:style>
+        </p:cxnSp>
+        <p:cxnSp>
+          <p:nvCxnSpPr>
+            <p:cNvPr id="24" name="Straight Connector 23">
+              <a:extLst>
+                <a:ext uri="{FF2B5EF4-FFF2-40B4-BE49-F238E27FC236}">
+                  <a16:creationId xmlns:a16="http://schemas.microsoft.com/office/drawing/2014/main" id="{E1294476-0F69-46CD-8D18-EB2D5EBAA431}"/>
+                </a:ext>
+                <a:ext uri="{C183D7F6-B498-43B3-948B-1728B52AA6E4}">
+                  <adec:decorative xmlns:adec="http://schemas.microsoft.com/office/drawing/2017/decorative" val="1"/>
+                </a:ext>
+              </a:extLst>
+            </p:cNvPr>
+            <p:cNvCxnSpPr/>
+            <p:nvPr>
+              <p:extLst>
+                <p:ext uri="{386F3935-93C4-4BCD-93E2-E3B085C9AB24}">
+                  <p16:designElem xmlns:p16="http://schemas.microsoft.com/office/powerpoint/2015/main" val="1"/>
+                </p:ext>
+              </p:extLst>
+            </p:nvPr>
+          </p:nvCxnSpPr>
+          <p:spPr>
+            <a:xfrm flipH="1">
+              <a:off x="7235825" y="228600"/>
+              <a:ext cx="4953000" cy="4953000"/>
+            </a:xfrm>
+            <a:prstGeom prst="line">
+              <a:avLst/>
+            </a:prstGeom>
+            <a:ln w="12700">
+              <a:solidFill>
+                <a:schemeClr val="tx1"/>
+              </a:solidFill>
+            </a:ln>
+          </p:spPr>
+          <p:style>
+            <a:lnRef idx="2">
+              <a:schemeClr val="accent1"/>
+            </a:lnRef>
+            <a:fillRef idx="0">
+              <a:schemeClr val="accent1"/>
+            </a:fillRef>
+            <a:effectRef idx="1">
+              <a:schemeClr val="accent1"/>
+            </a:effectRef>
+            <a:fontRef idx="minor">
+              <a:schemeClr val="tx1"/>
+            </a:fontRef>
+          </p:style>
+        </p:cxnSp>
+        <p:cxnSp>
+          <p:nvCxnSpPr>
+            <p:cNvPr id="25" name="Straight Connector 24">
+              <a:extLst>
+                <a:ext uri="{FF2B5EF4-FFF2-40B4-BE49-F238E27FC236}">
+                  <a16:creationId xmlns:a16="http://schemas.microsoft.com/office/drawing/2014/main" id="{003AC8C6-3EED-40C0-88BC-9D4BF88CA7BE}"/>
+                </a:ext>
+                <a:ext uri="{C183D7F6-B498-43B3-948B-1728B52AA6E4}">
+                  <adec:decorative xmlns:adec="http://schemas.microsoft.com/office/drawing/2017/decorative" val="1"/>
+                </a:ext>
+              </a:extLst>
+            </p:cNvPr>
+            <p:cNvCxnSpPr/>
+            <p:nvPr>
+              <p:extLst>
+                <p:ext uri="{386F3935-93C4-4BCD-93E2-E3B085C9AB24}">
+                  <p16:designElem xmlns:p16="http://schemas.microsoft.com/office/powerpoint/2015/main" val="1"/>
+                </p:ext>
+              </p:extLst>
+            </p:nvPr>
+          </p:nvCxnSpPr>
+          <p:spPr>
+            <a:xfrm flipH="1">
+              <a:off x="7335837" y="32278"/>
+              <a:ext cx="4852989" cy="4852989"/>
+            </a:xfrm>
+            <a:prstGeom prst="line">
+              <a:avLst/>
+            </a:prstGeom>
+            <a:ln w="31750">
+              <a:solidFill>
+                <a:schemeClr val="tx1"/>
+              </a:solidFill>
+            </a:ln>
+          </p:spPr>
+          <p:style>
+            <a:lnRef idx="2">
+              <a:schemeClr val="accent1"/>
+            </a:lnRef>
+            <a:fillRef idx="0">
+              <a:schemeClr val="accent1"/>
+            </a:fillRef>
+            <a:effectRef idx="1">
+              <a:schemeClr val="accent1"/>
+            </a:effectRef>
+            <a:fontRef idx="minor">
+              <a:schemeClr val="tx1"/>
+            </a:fontRef>
+          </p:style>
+        </p:cxnSp>
+        <p:cxnSp>
+          <p:nvCxnSpPr>
+            <p:cNvPr id="26" name="Straight Connector 25">
+              <a:extLst>
+                <a:ext uri="{FF2B5EF4-FFF2-40B4-BE49-F238E27FC236}">
+                  <a16:creationId xmlns:a16="http://schemas.microsoft.com/office/drawing/2014/main" id="{865E0775-E822-48E1-AE9A-D14545435E28}"/>
+                </a:ext>
+                <a:ext uri="{C183D7F6-B498-43B3-948B-1728B52AA6E4}">
+                  <adec:decorative xmlns:adec="http://schemas.microsoft.com/office/drawing/2017/decorative" val="1"/>
+                </a:ext>
+              </a:extLst>
+            </p:cNvPr>
+            <p:cNvCxnSpPr/>
+            <p:nvPr>
+              <p:extLst>
+                <p:ext uri="{386F3935-93C4-4BCD-93E2-E3B085C9AB24}">
+                  <p16:designElem xmlns:p16="http://schemas.microsoft.com/office/powerpoint/2015/main" val="1"/>
+                </p:ext>
+              </p:extLst>
+            </p:nvPr>
+          </p:nvCxnSpPr>
+          <p:spPr>
+            <a:xfrm flipH="1">
+              <a:off x="7845426" y="609601"/>
+              <a:ext cx="4343399" cy="4343399"/>
+            </a:xfrm>
+            <a:prstGeom prst="line">
+              <a:avLst/>
+            </a:prstGeom>
+            <a:ln w="31750">
+              <a:solidFill>
+                <a:schemeClr val="tx1"/>
+              </a:solidFill>
+            </a:ln>
+          </p:spPr>
+          <p:style>
+            <a:lnRef idx="2">
+              <a:schemeClr val="accent1"/>
+            </a:lnRef>
+            <a:fillRef idx="0">
+              <a:schemeClr val="accent1"/>
+            </a:fillRef>
+            <a:effectRef idx="1">
+              <a:schemeClr val="accent1"/>
+            </a:effectRef>
+            <a:fontRef idx="minor">
+              <a:schemeClr val="tx1"/>
+            </a:fontRef>
+          </p:style>
+        </p:cxnSp>
+      </p:grpSp>
+    </p:spTree>
+    <p:extLst>
+      <p:ext uri="{BB962C8B-B14F-4D97-AF65-F5344CB8AC3E}">
+        <p14:creationId xmlns:p14="http://schemas.microsoft.com/office/powerpoint/2010/main" val="2690058926"/>
+      </p:ext>
+    </p:extLst>
+  </p:cSld>
+  <p:clrMapOvr>
+    <a:masterClrMapping/>
+  </p:clrMapOvr>
+</p:sld>
+</file>
+
+<file path=ppt/slides/slide40.xml><?xml version="1.0" encoding="utf-8"?>
 <p:sld xmlns:a="http://schemas.openxmlformats.org/drawingml/2006/main" xmlns:r="http://schemas.openxmlformats.org/officeDocument/2006/relationships" xmlns:p="http://schemas.openxmlformats.org/presentationml/2006/main">
   <p:cSld>
     <p:bg>
@@ -21685,120 +22006,7 @@
 </p:sld>
 </file>
 
-<file path=ppt/slides/slide4.xml><?xml version="1.0" encoding="utf-8"?>
-<p:sld xmlns:a="http://schemas.openxmlformats.org/drawingml/2006/main" xmlns:r="http://schemas.openxmlformats.org/officeDocument/2006/relationships" xmlns:p="http://schemas.openxmlformats.org/presentationml/2006/main">
-  <p:cSld>
-    <p:spTree>
-      <p:nvGrpSpPr>
-        <p:cNvPr id="1" name=""/>
-        <p:cNvGrpSpPr/>
-        <p:nvPr/>
-      </p:nvGrpSpPr>
-      <p:grpSpPr>
-        <a:xfrm>
-          <a:off x="0" y="0"/>
-          <a:ext cx="0" cy="0"/>
-          <a:chOff x="0" y="0"/>
-          <a:chExt cx="0" cy="0"/>
-        </a:xfrm>
-      </p:grpSpPr>
-      <p:sp>
-        <p:nvSpPr>
-          <p:cNvPr id="2" name="Título 1">
-            <a:extLst>
-              <a:ext uri="{FF2B5EF4-FFF2-40B4-BE49-F238E27FC236}">
-                <a16:creationId xmlns:a16="http://schemas.microsoft.com/office/drawing/2014/main" id="{D7A4B574-FF09-C9B0-2F77-291B06E17F08}"/>
-              </a:ext>
-            </a:extLst>
-          </p:cNvPr>
-          <p:cNvSpPr>
-            <a:spLocks noGrp="1"/>
-          </p:cNvSpPr>
-          <p:nvPr>
-            <p:ph type="title"/>
-          </p:nvPr>
-        </p:nvSpPr>
-        <p:spPr/>
-        <p:txBody>
-          <a:bodyPr/>
-          <a:lstStyle/>
-          <a:p>
-            <a:r>
-              <a:rPr lang="es-ES" dirty="0"/>
-              <a:t>Continuación de otra charla</a:t>
-            </a:r>
-          </a:p>
-        </p:txBody>
-      </p:sp>
-      <p:sp>
-        <p:nvSpPr>
-          <p:cNvPr id="3" name="Marcador de contenido 2">
-            <a:extLst>
-              <a:ext uri="{FF2B5EF4-FFF2-40B4-BE49-F238E27FC236}">
-                <a16:creationId xmlns:a16="http://schemas.microsoft.com/office/drawing/2014/main" id="{D2240F34-B186-25E0-FEB3-28F50C0EDEF2}"/>
-              </a:ext>
-            </a:extLst>
-          </p:cNvPr>
-          <p:cNvSpPr>
-            <a:spLocks noGrp="1"/>
-          </p:cNvSpPr>
-          <p:nvPr>
-            <p:ph idx="1"/>
-          </p:nvPr>
-        </p:nvSpPr>
-        <p:spPr/>
-        <p:txBody>
-          <a:bodyPr/>
-          <a:lstStyle/>
-          <a:p>
-            <a:pPr marL="0" indent="0">
-              <a:buNone/>
-            </a:pPr>
-            <a:r>
-              <a:rPr lang="es-ES" dirty="0"/>
-              <a:t>Esta charla es una continuación directa de otra:</a:t>
-            </a:r>
-          </a:p>
-          <a:p>
-            <a:r>
-              <a:rPr lang="es-ES" dirty="0">
-                <a:hlinkClick r:id="rId2"/>
-              </a:rPr>
-              <a:t>https://github.com/jofaval/talks-about/tree/master/concepts-of-js/pureness-side-effects-and-idempotence</a:t>
-            </a:r>
-            <a:endParaRPr lang="es-ES" dirty="0"/>
-          </a:p>
-          <a:p>
-            <a:pPr marL="0" indent="0">
-              <a:buNone/>
-            </a:pPr>
-            <a:endParaRPr lang="es-ES" dirty="0"/>
-          </a:p>
-          <a:p>
-            <a:pPr marL="0" indent="0">
-              <a:buNone/>
-            </a:pPr>
-            <a:r>
-              <a:rPr lang="es-ES" dirty="0"/>
-              <a:t>Pero repasemos algunos conceptos…</a:t>
-            </a:r>
-          </a:p>
-        </p:txBody>
-      </p:sp>
-    </p:spTree>
-    <p:extLst>
-      <p:ext uri="{BB962C8B-B14F-4D97-AF65-F5344CB8AC3E}">
-        <p14:creationId xmlns:p14="http://schemas.microsoft.com/office/powerpoint/2010/main" val="830495077"/>
-      </p:ext>
-    </p:extLst>
-  </p:cSld>
-  <p:clrMapOvr>
-    <a:masterClrMapping/>
-  </p:clrMapOvr>
-</p:sld>
-</file>
-
-<file path=ppt/slides/slide40.xml><?xml version="1.0" encoding="utf-8"?>
+<file path=ppt/slides/slide41.xml><?xml version="1.0" encoding="utf-8"?>
 <p:sld xmlns:a="http://schemas.openxmlformats.org/drawingml/2006/main" xmlns:r="http://schemas.openxmlformats.org/officeDocument/2006/relationships" xmlns:p="http://schemas.openxmlformats.org/presentationml/2006/main">
   <p:cSld>
     <p:spTree>
@@ -21911,7 +22119,7 @@
 </p:sld>
 </file>
 
-<file path=ppt/slides/slide41.xml><?xml version="1.0" encoding="utf-8"?>
+<file path=ppt/slides/slide42.xml><?xml version="1.0" encoding="utf-8"?>
 <p:sld xmlns:a="http://schemas.openxmlformats.org/drawingml/2006/main" xmlns:r="http://schemas.openxmlformats.org/officeDocument/2006/relationships" xmlns:p="http://schemas.openxmlformats.org/presentationml/2006/main">
   <p:cSld>
     <p:bg>
@@ -22760,6 +22968,119 @@
 <file path=ppt/slides/slide5.xml><?xml version="1.0" encoding="utf-8"?>
 <p:sld xmlns:a="http://schemas.openxmlformats.org/drawingml/2006/main" xmlns:r="http://schemas.openxmlformats.org/officeDocument/2006/relationships" xmlns:p="http://schemas.openxmlformats.org/presentationml/2006/main">
   <p:cSld>
+    <p:spTree>
+      <p:nvGrpSpPr>
+        <p:cNvPr id="1" name=""/>
+        <p:cNvGrpSpPr/>
+        <p:nvPr/>
+      </p:nvGrpSpPr>
+      <p:grpSpPr>
+        <a:xfrm>
+          <a:off x="0" y="0"/>
+          <a:ext cx="0" cy="0"/>
+          <a:chOff x="0" y="0"/>
+          <a:chExt cx="0" cy="0"/>
+        </a:xfrm>
+      </p:grpSpPr>
+      <p:sp>
+        <p:nvSpPr>
+          <p:cNvPr id="2" name="Título 1">
+            <a:extLst>
+              <a:ext uri="{FF2B5EF4-FFF2-40B4-BE49-F238E27FC236}">
+                <a16:creationId xmlns:a16="http://schemas.microsoft.com/office/drawing/2014/main" id="{D7A4B574-FF09-C9B0-2F77-291B06E17F08}"/>
+              </a:ext>
+            </a:extLst>
+          </p:cNvPr>
+          <p:cNvSpPr>
+            <a:spLocks noGrp="1"/>
+          </p:cNvSpPr>
+          <p:nvPr>
+            <p:ph type="title"/>
+          </p:nvPr>
+        </p:nvSpPr>
+        <p:spPr/>
+        <p:txBody>
+          <a:bodyPr/>
+          <a:lstStyle/>
+          <a:p>
+            <a:r>
+              <a:rPr lang="es-ES" dirty="0"/>
+              <a:t>Continuación de otra charla</a:t>
+            </a:r>
+          </a:p>
+        </p:txBody>
+      </p:sp>
+      <p:sp>
+        <p:nvSpPr>
+          <p:cNvPr id="3" name="Marcador de contenido 2">
+            <a:extLst>
+              <a:ext uri="{FF2B5EF4-FFF2-40B4-BE49-F238E27FC236}">
+                <a16:creationId xmlns:a16="http://schemas.microsoft.com/office/drawing/2014/main" id="{D2240F34-B186-25E0-FEB3-28F50C0EDEF2}"/>
+              </a:ext>
+            </a:extLst>
+          </p:cNvPr>
+          <p:cNvSpPr>
+            <a:spLocks noGrp="1"/>
+          </p:cNvSpPr>
+          <p:nvPr>
+            <p:ph idx="1"/>
+          </p:nvPr>
+        </p:nvSpPr>
+        <p:spPr/>
+        <p:txBody>
+          <a:bodyPr/>
+          <a:lstStyle/>
+          <a:p>
+            <a:pPr marL="0" indent="0">
+              <a:buNone/>
+            </a:pPr>
+            <a:r>
+              <a:rPr lang="es-ES" dirty="0"/>
+              <a:t>Esta charla es una continuación directa de otra:</a:t>
+            </a:r>
+          </a:p>
+          <a:p>
+            <a:r>
+              <a:rPr lang="es-ES" dirty="0">
+                <a:hlinkClick r:id="rId2"/>
+              </a:rPr>
+              <a:t>https://github.com/jofaval/talks-about/tree/master/concepts-of-js/pureness-side-effects-and-idempotence</a:t>
+            </a:r>
+            <a:endParaRPr lang="es-ES" dirty="0"/>
+          </a:p>
+          <a:p>
+            <a:pPr marL="0" indent="0">
+              <a:buNone/>
+            </a:pPr>
+            <a:endParaRPr lang="es-ES" dirty="0"/>
+          </a:p>
+          <a:p>
+            <a:pPr marL="0" indent="0">
+              <a:buNone/>
+            </a:pPr>
+            <a:r>
+              <a:rPr lang="es-ES" dirty="0"/>
+              <a:t>Pero repasemos algunos conceptos…</a:t>
+            </a:r>
+          </a:p>
+        </p:txBody>
+      </p:sp>
+    </p:spTree>
+    <p:extLst>
+      <p:ext uri="{BB962C8B-B14F-4D97-AF65-F5344CB8AC3E}">
+        <p14:creationId xmlns:p14="http://schemas.microsoft.com/office/powerpoint/2010/main" val="830495077"/>
+      </p:ext>
+    </p:extLst>
+  </p:cSld>
+  <p:clrMapOvr>
+    <a:masterClrMapping/>
+  </p:clrMapOvr>
+</p:sld>
+</file>
+
+<file path=ppt/slides/slide6.xml><?xml version="1.0" encoding="utf-8"?>
+<p:sld xmlns:a="http://schemas.openxmlformats.org/drawingml/2006/main" xmlns:r="http://schemas.openxmlformats.org/officeDocument/2006/relationships" xmlns:p="http://schemas.openxmlformats.org/presentationml/2006/main">
+  <p:cSld>
     <p:bg>
       <p:bgPr>
         <a:gradFill rotWithShape="1">
@@ -22879,7 +23200,7 @@
 </p:sld>
 </file>
 
-<file path=ppt/slides/slide6.xml><?xml version="1.0" encoding="utf-8"?>
+<file path=ppt/slides/slide7.xml><?xml version="1.0" encoding="utf-8"?>
 <p:sld xmlns:a="http://schemas.openxmlformats.org/drawingml/2006/main" xmlns:r="http://schemas.openxmlformats.org/officeDocument/2006/relationships" xmlns:p="http://schemas.openxmlformats.org/presentationml/2006/main">
   <p:cSld>
     <p:bg>
@@ -23489,7 +23810,7 @@
 </p:sld>
 </file>
 
-<file path=ppt/slides/slide7.xml><?xml version="1.0" encoding="utf-8"?>
+<file path=ppt/slides/slide8.xml><?xml version="1.0" encoding="utf-8"?>
 <p:sld xmlns:a="http://schemas.openxmlformats.org/drawingml/2006/main" xmlns:r="http://schemas.openxmlformats.org/officeDocument/2006/relationships" xmlns:p="http://schemas.openxmlformats.org/presentationml/2006/main">
   <p:cSld>
     <p:bg>
@@ -24126,7 +24447,7 @@
 </p:sld>
 </file>
 
-<file path=ppt/slides/slide8.xml><?xml version="1.0" encoding="utf-8"?>
+<file path=ppt/slides/slide9.xml><?xml version="1.0" encoding="utf-8"?>
 <p:sld xmlns:a="http://schemas.openxmlformats.org/drawingml/2006/main" xmlns:r="http://schemas.openxmlformats.org/officeDocument/2006/relationships" xmlns:p="http://schemas.openxmlformats.org/presentationml/2006/main">
   <p:cSld>
     <p:bg>
@@ -24850,89 +25171,6 @@
     <p:extLst>
       <p:ext uri="{BB962C8B-B14F-4D97-AF65-F5344CB8AC3E}">
         <p14:creationId xmlns:p14="http://schemas.microsoft.com/office/powerpoint/2010/main" val="1195004853"/>
-      </p:ext>
-    </p:extLst>
-  </p:cSld>
-  <p:clrMapOvr>
-    <a:masterClrMapping/>
-  </p:clrMapOvr>
-</p:sld>
-</file>
-
-<file path=ppt/slides/slide9.xml><?xml version="1.0" encoding="utf-8"?>
-<p:sld xmlns:a="http://schemas.openxmlformats.org/drawingml/2006/main" xmlns:r="http://schemas.openxmlformats.org/officeDocument/2006/relationships" xmlns:p="http://schemas.openxmlformats.org/presentationml/2006/main">
-  <p:cSld>
-    <p:spTree>
-      <p:nvGrpSpPr>
-        <p:cNvPr id="1" name=""/>
-        <p:cNvGrpSpPr/>
-        <p:nvPr/>
-      </p:nvGrpSpPr>
-      <p:grpSpPr>
-        <a:xfrm>
-          <a:off x="0" y="0"/>
-          <a:ext cx="0" cy="0"/>
-          <a:chOff x="0" y="0"/>
-          <a:chExt cx="0" cy="0"/>
-        </a:xfrm>
-      </p:grpSpPr>
-      <p:sp>
-        <p:nvSpPr>
-          <p:cNvPr id="2" name="Título 1">
-            <a:extLst>
-              <a:ext uri="{FF2B5EF4-FFF2-40B4-BE49-F238E27FC236}">
-                <a16:creationId xmlns:a16="http://schemas.microsoft.com/office/drawing/2014/main" id="{BB0D6725-86CA-EAB1-8400-021B701EB7D4}"/>
-              </a:ext>
-            </a:extLst>
-          </p:cNvPr>
-          <p:cNvSpPr>
-            <a:spLocks noGrp="1"/>
-          </p:cNvSpPr>
-          <p:nvPr>
-            <p:ph type="title"/>
-          </p:nvPr>
-        </p:nvSpPr>
-        <p:spPr/>
-        <p:txBody>
-          <a:bodyPr/>
-          <a:lstStyle/>
-          <a:p>
-            <a:r>
-              <a:rPr lang="es-ES" dirty="0"/>
-              <a:t>Que es</a:t>
-            </a:r>
-          </a:p>
-        </p:txBody>
-      </p:sp>
-      <p:sp>
-        <p:nvSpPr>
-          <p:cNvPr id="3" name="Marcador de contenido 2">
-            <a:extLst>
-              <a:ext uri="{FF2B5EF4-FFF2-40B4-BE49-F238E27FC236}">
-                <a16:creationId xmlns:a16="http://schemas.microsoft.com/office/drawing/2014/main" id="{D197FFFF-692B-ECDC-97D3-088F35EE0993}"/>
-              </a:ext>
-            </a:extLst>
-          </p:cNvPr>
-          <p:cNvSpPr>
-            <a:spLocks noGrp="1"/>
-          </p:cNvSpPr>
-          <p:nvPr>
-            <p:ph idx="1"/>
-          </p:nvPr>
-        </p:nvSpPr>
-        <p:spPr/>
-        <p:txBody>
-          <a:bodyPr/>
-          <a:lstStyle/>
-          <a:p>
-            <a:endParaRPr lang="es-ES"/>
-          </a:p>
-        </p:txBody>
-      </p:sp>
-    </p:spTree>
-    <p:extLst>
-      <p:ext uri="{BB962C8B-B14F-4D97-AF65-F5344CB8AC3E}">
-        <p14:creationId xmlns:p14="http://schemas.microsoft.com/office/powerpoint/2010/main" val="1899192886"/>
       </p:ext>
     </p:extLst>
   </p:cSld>

--- a/concepts-of-js/memoization-serialization-and-value-comparison/memoization-serialization-and-value-comparison.es.slides.pptx
+++ b/concepts-of-js/memoization-serialization-and-value-comparison/memoization-serialization-and-value-comparison.es.slides.pptx
@@ -4954,7 +4954,7 @@
           <a:p>
             <a:fld id="{144CAD23-A3A8-4443-933D-1B6A02132CF1}" type="datetimeFigureOut">
               <a:rPr lang="es-ES" smtClean="0"/>
-              <a:t>18/04/2023</a:t>
+              <a:t>23/04/2023</a:t>
             </a:fld>
             <a:endParaRPr lang="es-ES"/>
           </a:p>
@@ -5390,7 +5390,7 @@
           <a:p>
             <a:fld id="{144CAD23-A3A8-4443-933D-1B6A02132CF1}" type="datetimeFigureOut">
               <a:rPr lang="es-ES" smtClean="0"/>
-              <a:t>18/04/2023</a:t>
+              <a:t>23/04/2023</a:t>
             </a:fld>
             <a:endParaRPr lang="es-ES"/>
           </a:p>
@@ -5640,7 +5640,7 @@
           <a:p>
             <a:fld id="{144CAD23-A3A8-4443-933D-1B6A02132CF1}" type="datetimeFigureOut">
               <a:rPr lang="es-ES" smtClean="0"/>
-              <a:t>18/04/2023</a:t>
+              <a:t>23/04/2023</a:t>
             </a:fld>
             <a:endParaRPr lang="es-ES"/>
           </a:p>
@@ -5948,7 +5948,7 @@
           <a:p>
             <a:fld id="{144CAD23-A3A8-4443-933D-1B6A02132CF1}" type="datetimeFigureOut">
               <a:rPr lang="es-ES" smtClean="0"/>
-              <a:t>18/04/2023</a:t>
+              <a:t>23/04/2023</a:t>
             </a:fld>
             <a:endParaRPr lang="es-ES"/>
           </a:p>
@@ -6266,7 +6266,7 @@
           <a:p>
             <a:fld id="{144CAD23-A3A8-4443-933D-1B6A02132CF1}" type="datetimeFigureOut">
               <a:rPr lang="es-ES" smtClean="0"/>
-              <a:t>18/04/2023</a:t>
+              <a:t>23/04/2023</a:t>
             </a:fld>
             <a:endParaRPr lang="es-ES"/>
           </a:p>
@@ -6568,7 +6568,7 @@
           <a:p>
             <a:fld id="{144CAD23-A3A8-4443-933D-1B6A02132CF1}" type="datetimeFigureOut">
               <a:rPr lang="es-ES" smtClean="0"/>
-              <a:t>18/04/2023</a:t>
+              <a:t>23/04/2023</a:t>
             </a:fld>
             <a:endParaRPr lang="es-ES"/>
           </a:p>
@@ -6935,7 +6935,7 @@
           <a:p>
             <a:fld id="{144CAD23-A3A8-4443-933D-1B6A02132CF1}" type="datetimeFigureOut">
               <a:rPr lang="es-ES" smtClean="0"/>
-              <a:t>18/04/2023</a:t>
+              <a:t>23/04/2023</a:t>
             </a:fld>
             <a:endParaRPr lang="es-ES"/>
           </a:p>
@@ -7109,7 +7109,7 @@
           <a:p>
             <a:fld id="{144CAD23-A3A8-4443-933D-1B6A02132CF1}" type="datetimeFigureOut">
               <a:rPr lang="es-ES" smtClean="0"/>
-              <a:t>18/04/2023</a:t>
+              <a:t>23/04/2023</a:t>
             </a:fld>
             <a:endParaRPr lang="es-ES"/>
           </a:p>
@@ -7289,7 +7289,7 @@
           <a:p>
             <a:fld id="{144CAD23-A3A8-4443-933D-1B6A02132CF1}" type="datetimeFigureOut">
               <a:rPr lang="es-ES" smtClean="0"/>
-              <a:t>18/04/2023</a:t>
+              <a:t>23/04/2023</a:t>
             </a:fld>
             <a:endParaRPr lang="es-ES"/>
           </a:p>
@@ -7459,7 +7459,7 @@
           <a:p>
             <a:fld id="{144CAD23-A3A8-4443-933D-1B6A02132CF1}" type="datetimeFigureOut">
               <a:rPr lang="es-ES" smtClean="0"/>
-              <a:t>18/04/2023</a:t>
+              <a:t>23/04/2023</a:t>
             </a:fld>
             <a:endParaRPr lang="es-ES"/>
           </a:p>
@@ -7709,7 +7709,7 @@
           <a:p>
             <a:fld id="{144CAD23-A3A8-4443-933D-1B6A02132CF1}" type="datetimeFigureOut">
               <a:rPr lang="es-ES" smtClean="0"/>
-              <a:t>18/04/2023</a:t>
+              <a:t>23/04/2023</a:t>
             </a:fld>
             <a:endParaRPr lang="es-ES"/>
           </a:p>
@@ -7945,7 +7945,7 @@
           <a:p>
             <a:fld id="{144CAD23-A3A8-4443-933D-1B6A02132CF1}" type="datetimeFigureOut">
               <a:rPr lang="es-ES" smtClean="0"/>
-              <a:t>18/04/2023</a:t>
+              <a:t>23/04/2023</a:t>
             </a:fld>
             <a:endParaRPr lang="es-ES"/>
           </a:p>
@@ -8327,7 +8327,7 @@
           <a:p>
             <a:fld id="{144CAD23-A3A8-4443-933D-1B6A02132CF1}" type="datetimeFigureOut">
               <a:rPr lang="es-ES" smtClean="0"/>
-              <a:t>18/04/2023</a:t>
+              <a:t>23/04/2023</a:t>
             </a:fld>
             <a:endParaRPr lang="es-ES"/>
           </a:p>
@@ -8445,7 +8445,7 @@
           <a:p>
             <a:fld id="{144CAD23-A3A8-4443-933D-1B6A02132CF1}" type="datetimeFigureOut">
               <a:rPr lang="es-ES" smtClean="0"/>
-              <a:t>18/04/2023</a:t>
+              <a:t>23/04/2023</a:t>
             </a:fld>
             <a:endParaRPr lang="es-ES"/>
           </a:p>
@@ -8540,7 +8540,7 @@
           <a:p>
             <a:fld id="{144CAD23-A3A8-4443-933D-1B6A02132CF1}" type="datetimeFigureOut">
               <a:rPr lang="es-ES" smtClean="0"/>
-              <a:t>18/04/2023</a:t>
+              <a:t>23/04/2023</a:t>
             </a:fld>
             <a:endParaRPr lang="es-ES"/>
           </a:p>
@@ -8795,7 +8795,7 @@
           <a:p>
             <a:fld id="{144CAD23-A3A8-4443-933D-1B6A02132CF1}" type="datetimeFigureOut">
               <a:rPr lang="es-ES" smtClean="0"/>
-              <a:t>18/04/2023</a:t>
+              <a:t>23/04/2023</a:t>
             </a:fld>
             <a:endParaRPr lang="es-ES"/>
           </a:p>
@@ -9078,7 +9078,7 @@
           <a:p>
             <a:fld id="{144CAD23-A3A8-4443-933D-1B6A02132CF1}" type="datetimeFigureOut">
               <a:rPr lang="es-ES" smtClean="0"/>
-              <a:t>18/04/2023</a:t>
+              <a:t>23/04/2023</a:t>
             </a:fld>
             <a:endParaRPr lang="es-ES"/>
           </a:p>
@@ -9484,7 +9484,7 @@
           <a:p>
             <a:fld id="{144CAD23-A3A8-4443-933D-1B6A02132CF1}" type="datetimeFigureOut">
               <a:rPr lang="es-ES" smtClean="0"/>
-              <a:t>18/04/2023</a:t>
+              <a:t>23/04/2023</a:t>
             </a:fld>
             <a:endParaRPr lang="es-ES"/>
           </a:p>
@@ -13874,8 +13874,13 @@
           <a:p>
             <a:r>
               <a:rPr lang="es-ES" dirty="0"/>
-              <a:t>?Qué es serializar¿</a:t>
-            </a:r>
+              <a:t>¿</a:t>
+            </a:r>
+            <a:r>
+              <a:rPr lang="es-ES"/>
+              <a:t>Qué es serializar?</a:t>
+            </a:r>
+            <a:endParaRPr lang="es-ES" dirty="0"/>
           </a:p>
         </p:txBody>
       </p:sp>
